--- a/SOLID PRINCIPLES_NEW.pptx
+++ b/SOLID PRINCIPLES_NEW.pptx
@@ -5,29 +5,32 @@
     <p:sldMasterId id="2147483660" r:id="rId1"/>
   </p:sldMasterIdLst>
   <p:notesMasterIdLst>
-    <p:notesMasterId r:id="rId19"/>
+    <p:notesMasterId r:id="rId22"/>
   </p:notesMasterIdLst>
   <p:handoutMasterIdLst>
-    <p:handoutMasterId r:id="rId20"/>
+    <p:handoutMasterId r:id="rId23"/>
   </p:handoutMasterIdLst>
   <p:sldIdLst>
     <p:sldId id="256" r:id="rId2"/>
     <p:sldId id="281" r:id="rId3"/>
     <p:sldId id="271" r:id="rId4"/>
-    <p:sldId id="283" r:id="rId5"/>
-    <p:sldId id="284" r:id="rId6"/>
-    <p:sldId id="279" r:id="rId7"/>
-    <p:sldId id="280" r:id="rId8"/>
-    <p:sldId id="275" r:id="rId9"/>
-    <p:sldId id="285" r:id="rId10"/>
-    <p:sldId id="286" r:id="rId11"/>
-    <p:sldId id="287" r:id="rId12"/>
-    <p:sldId id="288" r:id="rId13"/>
-    <p:sldId id="289" r:id="rId14"/>
-    <p:sldId id="290" r:id="rId15"/>
-    <p:sldId id="291" r:id="rId16"/>
-    <p:sldId id="292" r:id="rId17"/>
-    <p:sldId id="282" r:id="rId18"/>
+    <p:sldId id="293" r:id="rId5"/>
+    <p:sldId id="294" r:id="rId6"/>
+    <p:sldId id="283" r:id="rId7"/>
+    <p:sldId id="284" r:id="rId8"/>
+    <p:sldId id="279" r:id="rId9"/>
+    <p:sldId id="280" r:id="rId10"/>
+    <p:sldId id="275" r:id="rId11"/>
+    <p:sldId id="285" r:id="rId12"/>
+    <p:sldId id="286" r:id="rId13"/>
+    <p:sldId id="287" r:id="rId14"/>
+    <p:sldId id="288" r:id="rId15"/>
+    <p:sldId id="289" r:id="rId16"/>
+    <p:sldId id="290" r:id="rId17"/>
+    <p:sldId id="291" r:id="rId18"/>
+    <p:sldId id="292" r:id="rId19"/>
+    <p:sldId id="295" r:id="rId20"/>
+    <p:sldId id="282" r:id="rId21"/>
   </p:sldIdLst>
   <p:sldSz cx="12192000" cy="6858000"/>
   <p:notesSz cx="6858000" cy="9144000"/>
@@ -138,6 +141,8 @@
           <p14:sldIdLst>
             <p14:sldId id="281"/>
             <p14:sldId id="271"/>
+            <p14:sldId id="293"/>
+            <p14:sldId id="294"/>
             <p14:sldId id="283"/>
             <p14:sldId id="284"/>
           </p14:sldIdLst>
@@ -155,6 +160,7 @@
             <p14:sldId id="290"/>
             <p14:sldId id="291"/>
             <p14:sldId id="292"/>
+            <p14:sldId id="295"/>
           </p14:sldIdLst>
         </p14:section>
         <p14:section name="Thanks" id="{2CC34DB2-6590-42C0-AD4B-A04C6060184E}">
@@ -273,7 +279,7 @@
           <a:p>
             <a:fld id="{80680FBE-A8DF-4758-9AC4-3A9E1039168F}" type="datetimeFigureOut">
               <a:rPr lang="en-US" smtClean="0"/>
-              <a:t>6/29/2022</a:t>
+              <a:t>30/06/2022</a:t>
             </a:fld>
             <a:endParaRPr lang="en-US" dirty="0"/>
           </a:p>
@@ -438,7 +444,7 @@
           <a:p>
             <a:fld id="{EC13577B-6902-467D-A26C-08A0DD5E4E03}" type="datetimeFigureOut">
               <a:rPr lang="en-US" smtClean="0"/>
-              <a:t>6/29/2022</a:t>
+              <a:t>30/06/2022</a:t>
             </a:fld>
             <a:endParaRPr lang="en-US" dirty="0"/>
           </a:p>
@@ -864,7 +870,7 @@
           <a:p>
             <a:fld id="{DF61EA0F-A667-4B49-8422-0062BC55E249}" type="slidenum">
               <a:rPr lang="en-US" smtClean="0"/>
-              <a:t>17</a:t>
+              <a:t>20</a:t>
             </a:fld>
             <a:endParaRPr lang="en-US" dirty="0"/>
           </a:p>
@@ -1322,7 +1328,7 @@
             <a:fld id="{8BEEBAAA-29B5-4AF5-BC5F-7E580C29002D}" type="datetimeFigureOut">
               <a:rPr lang="en-US" smtClean="0"/>
               <a:pPr/>
-              <a:t>6/29/2022</a:t>
+              <a:t>30/06/2022</a:t>
             </a:fld>
             <a:endParaRPr lang="en-US" dirty="0"/>
           </a:p>
@@ -1948,7 +1954,7 @@
             <a:fld id="{8BEEBAAA-29B5-4AF5-BC5F-7E580C29002D}" type="datetimeFigureOut">
               <a:rPr lang="en-US" smtClean="0"/>
               <a:pPr/>
-              <a:t>6/29/2022</a:t>
+              <a:t>30/06/2022</a:t>
             </a:fld>
             <a:endParaRPr lang="en-US" dirty="0"/>
           </a:p>
@@ -2792,7 +2798,7 @@
           <a:effectLst/>
           <a:extLst>
             <a:ext uri="{C572A759-6A51-4108-AA02-DFA0A04FC94B}">
-              <ma14:wrappingTextBoxFlag xmlns="" xmlns:ma14="http://schemas.microsoft.com/office/mac/drawingml/2011/main"/>
+              <ma14:wrappingTextBoxFlag xmlns:ma14="http://schemas.microsoft.com/office/mac/drawingml/2011/main" xmlns=""/>
             </a:ext>
           </a:extLst>
         </p:spPr>
@@ -2829,7 +2835,774 @@
                 <a:ea typeface="SimHei" panose="02010609060101010101" pitchFamily="49" charset="-122"/>
                 <a:cs typeface="Times New Roman" panose="02020603050405020304" pitchFamily="18" charset="0"/>
               </a:rPr>
-              <a:t>WOW !!!</a:t>
+              <a:t>INTERSTING !!!</a:t>
+            </a:r>
+            <a:endParaRPr lang="en-US" sz="1200" b="1" kern="1400" dirty="0">
+              <a:solidFill>
+                <a:srgbClr val="D24726"/>
+              </a:solidFill>
+              <a:effectLst/>
+              <a:latin typeface="Segoe UI Light" panose="020B0502040204020203" pitchFamily="34" charset="0"/>
+              <a:ea typeface="SimHei" panose="02010609060101010101" pitchFamily="49" charset="-122"/>
+              <a:cs typeface="Times New Roman" panose="02020603050405020304" pitchFamily="18" charset="0"/>
+            </a:endParaRPr>
+          </a:p>
+        </p:txBody>
+      </p:sp>
+      <p:pic>
+        <p:nvPicPr>
+          <p:cNvPr id="24" name="Picture 23">
+            <a:extLst>
+              <a:ext uri="{C183D7F6-B498-43B3-948B-1728B52AA6E4}">
+                <adec:decorative xmlns:adec="http://schemas.microsoft.com/office/drawing/2017/decorative" val="1"/>
+              </a:ext>
+            </a:extLst>
+          </p:cNvPr>
+          <p:cNvPicPr/>
+          <p:nvPr/>
+        </p:nvPicPr>
+        <p:blipFill>
+          <a:blip r:embed="rId2" cstate="print">
+            <a:extLst>
+              <a:ext uri="{28A0092B-C50C-407E-A947-70E740481C1C}">
+                <a14:useLocalDpi xmlns:a14="http://schemas.microsoft.com/office/drawing/2010/main" val="0"/>
+              </a:ext>
+            </a:extLst>
+          </a:blip>
+          <a:stretch>
+            <a:fillRect/>
+          </a:stretch>
+        </p:blipFill>
+        <p:spPr>
+          <a:xfrm rot="3861835" flipH="1">
+            <a:off x="3141693" y="1787378"/>
+            <a:ext cx="851862" cy="939987"/>
+          </a:xfrm>
+          <a:prstGeom prst="rect">
+            <a:avLst/>
+          </a:prstGeom>
+        </p:spPr>
+      </p:pic>
+      <p:pic>
+        <p:nvPicPr>
+          <p:cNvPr id="23" name="Picture 22" descr="Robot"/>
+          <p:cNvPicPr>
+            <a:picLocks noChangeAspect="1"/>
+          </p:cNvPicPr>
+          <p:nvPr/>
+        </p:nvPicPr>
+        <p:blipFill>
+          <a:blip r:embed="rId3"/>
+          <a:stretch>
+            <a:fillRect/>
+          </a:stretch>
+        </p:blipFill>
+        <p:spPr>
+          <a:xfrm>
+            <a:off x="4313860" y="1646170"/>
+            <a:ext cx="2775459" cy="4531804"/>
+          </a:xfrm>
+          <a:prstGeom prst="rect">
+            <a:avLst/>
+          </a:prstGeom>
+        </p:spPr>
+      </p:pic>
+    </p:spTree>
+    <p:extLst>
+      <p:ext uri="{BB962C8B-B14F-4D97-AF65-F5344CB8AC3E}">
+        <p14:creationId xmlns:p14="http://schemas.microsoft.com/office/powerpoint/2010/main" val="727668169"/>
+      </p:ext>
+    </p:extLst>
+  </p:cSld>
+  <p:clrMapOvr>
+    <a:masterClrMapping/>
+  </p:clrMapOvr>
+  <mc:AlternateContent xmlns:mc="http://schemas.openxmlformats.org/markup-compatibility/2006" xmlns:p14="http://schemas.microsoft.com/office/powerpoint/2010/main">
+    <mc:Choice Requires="p14">
+      <p:transition p14:dur="10"/>
+    </mc:Choice>
+    <mc:Fallback xmlns="">
+      <p:transition/>
+    </mc:Fallback>
+  </mc:AlternateContent>
+</p:sld>
+</file>
+
+<file path=ppt/slides/slide11.xml><?xml version="1.0" encoding="utf-8"?>
+<p:sld xmlns:a="http://schemas.openxmlformats.org/drawingml/2006/main" xmlns:r="http://schemas.openxmlformats.org/officeDocument/2006/relationships" xmlns:p="http://schemas.openxmlformats.org/presentationml/2006/main">
+  <p:cSld>
+    <p:spTree>
+      <p:nvGrpSpPr>
+        <p:cNvPr id="1" name=""/>
+        <p:cNvGrpSpPr/>
+        <p:nvPr/>
+      </p:nvGrpSpPr>
+      <p:grpSpPr>
+        <a:xfrm>
+          <a:off x="0" y="0"/>
+          <a:ext cx="0" cy="0"/>
+          <a:chOff x="0" y="0"/>
+          <a:chExt cx="0" cy="0"/>
+        </a:xfrm>
+      </p:grpSpPr>
+      <p:sp>
+        <p:nvSpPr>
+          <p:cNvPr id="3" name="Title 2"/>
+          <p:cNvSpPr>
+            <a:spLocks noGrp="1"/>
+          </p:cNvSpPr>
+          <p:nvPr>
+            <p:ph type="title"/>
+          </p:nvPr>
+        </p:nvSpPr>
+        <p:spPr/>
+        <p:txBody>
+          <a:bodyPr/>
+          <a:lstStyle/>
+          <a:p>
+            <a:r>
+              <a:rPr lang="en-US" dirty="0"/>
+              <a:t>OPEN /CLOSED PRINCIPLE</a:t>
+            </a:r>
+            <a:endParaRPr lang="en-US" dirty="0">
+              <a:latin typeface="Segoe UI Light" panose="020B0502040204020203" pitchFamily="34" charset="0"/>
+              <a:cs typeface="Segoe UI Light" panose="020B0502040204020203" pitchFamily="34" charset="0"/>
+            </a:endParaRPr>
+          </a:p>
+        </p:txBody>
+      </p:sp>
+      <p:sp>
+        <p:nvSpPr>
+          <p:cNvPr id="31" name="Content Placeholder 17">
+            <a:extLst>
+              <a:ext uri="{FF2B5EF4-FFF2-40B4-BE49-F238E27FC236}">
+                <a16:creationId xmlns:a16="http://schemas.microsoft.com/office/drawing/2014/main" id="{ACECB700-9D9A-2026-DCE3-74DEC3C8D1B0}"/>
+              </a:ext>
+            </a:extLst>
+          </p:cNvPr>
+          <p:cNvSpPr txBox="1">
+            <a:spLocks/>
+          </p:cNvSpPr>
+          <p:nvPr/>
+        </p:nvSpPr>
+        <p:spPr>
+          <a:xfrm>
+            <a:off x="604344" y="1339746"/>
+            <a:ext cx="4806555" cy="5178500"/>
+          </a:xfrm>
+          <a:prstGeom prst="rect">
+            <a:avLst/>
+          </a:prstGeom>
+        </p:spPr>
+        <p:txBody>
+          <a:bodyPr vert="horz" lIns="91440" tIns="45720" rIns="91440" bIns="45720" rtlCol="0">
+            <a:normAutofit/>
+          </a:bodyPr>
+          <a:lstStyle>
+            <a:lvl1pPr marL="228600" indent="-228600" algn="l" defTabSz="914400" rtl="0" eaLnBrk="1" latinLnBrk="0" hangingPunct="1">
+              <a:lnSpc>
+                <a:spcPts val="1800"/>
+              </a:lnSpc>
+              <a:spcBef>
+                <a:spcPts val="1000"/>
+              </a:spcBef>
+              <a:spcAft>
+                <a:spcPts val="1000"/>
+              </a:spcAft>
+              <a:buFont typeface="Arial" panose="020B0604020202020204" pitchFamily="34" charset="0"/>
+              <a:buChar char="•"/>
+              <a:defRPr lang="en-US" sz="1200" kern="1200" smtClean="0">
+                <a:solidFill>
+                  <a:schemeClr val="tx1">
+                    <a:lumMod val="75000"/>
+                    <a:lumOff val="25000"/>
+                  </a:schemeClr>
+                </a:solidFill>
+                <a:latin typeface="+mn-lt"/>
+                <a:ea typeface="+mn-ea"/>
+                <a:cs typeface="+mn-cs"/>
+              </a:defRPr>
+            </a:lvl1pPr>
+            <a:lvl2pPr marL="685800" indent="-228600" algn="l" defTabSz="914400" rtl="0" eaLnBrk="1" latinLnBrk="0" hangingPunct="1">
+              <a:lnSpc>
+                <a:spcPts val="1800"/>
+              </a:lnSpc>
+              <a:spcBef>
+                <a:spcPts val="1000"/>
+              </a:spcBef>
+              <a:spcAft>
+                <a:spcPts val="1000"/>
+              </a:spcAft>
+              <a:buFont typeface="Arial" panose="020B0604020202020204" pitchFamily="34" charset="0"/>
+              <a:buChar char="•"/>
+              <a:defRPr lang="en-US" sz="1200" kern="1200" smtClean="0">
+                <a:solidFill>
+                  <a:schemeClr val="tx1">
+                    <a:lumMod val="75000"/>
+                    <a:lumOff val="25000"/>
+                  </a:schemeClr>
+                </a:solidFill>
+                <a:latin typeface="+mn-lt"/>
+                <a:ea typeface="+mn-ea"/>
+                <a:cs typeface="+mn-cs"/>
+              </a:defRPr>
+            </a:lvl2pPr>
+            <a:lvl3pPr marL="1143000" indent="-228600" algn="l" defTabSz="914400" rtl="0" eaLnBrk="1" latinLnBrk="0" hangingPunct="1">
+              <a:lnSpc>
+                <a:spcPts val="1800"/>
+              </a:lnSpc>
+              <a:spcBef>
+                <a:spcPts val="1000"/>
+              </a:spcBef>
+              <a:spcAft>
+                <a:spcPts val="1000"/>
+              </a:spcAft>
+              <a:buFont typeface="Arial" panose="020B0604020202020204" pitchFamily="34" charset="0"/>
+              <a:buChar char="•"/>
+              <a:defRPr lang="en-US" sz="1200" kern="1200" smtClean="0">
+                <a:solidFill>
+                  <a:schemeClr val="tx1">
+                    <a:lumMod val="75000"/>
+                    <a:lumOff val="25000"/>
+                  </a:schemeClr>
+                </a:solidFill>
+                <a:latin typeface="+mn-lt"/>
+                <a:ea typeface="+mn-ea"/>
+                <a:cs typeface="+mn-cs"/>
+              </a:defRPr>
+            </a:lvl3pPr>
+            <a:lvl4pPr marL="1600200" indent="-228600" algn="l" defTabSz="914400" rtl="0" eaLnBrk="1" latinLnBrk="0" hangingPunct="1">
+              <a:lnSpc>
+                <a:spcPts val="1800"/>
+              </a:lnSpc>
+              <a:spcBef>
+                <a:spcPts val="1000"/>
+              </a:spcBef>
+              <a:spcAft>
+                <a:spcPts val="1000"/>
+              </a:spcAft>
+              <a:buFont typeface="Arial" panose="020B0604020202020204" pitchFamily="34" charset="0"/>
+              <a:buChar char="•"/>
+              <a:defRPr lang="en-US" sz="1200" kern="1200" smtClean="0">
+                <a:solidFill>
+                  <a:schemeClr val="tx1">
+                    <a:lumMod val="75000"/>
+                    <a:lumOff val="25000"/>
+                  </a:schemeClr>
+                </a:solidFill>
+                <a:latin typeface="+mn-lt"/>
+                <a:ea typeface="+mn-ea"/>
+                <a:cs typeface="+mn-cs"/>
+              </a:defRPr>
+            </a:lvl4pPr>
+            <a:lvl5pPr marL="2057400" indent="-228600" algn="l" defTabSz="914400" rtl="0" eaLnBrk="1" latinLnBrk="0" hangingPunct="1">
+              <a:lnSpc>
+                <a:spcPts val="1800"/>
+              </a:lnSpc>
+              <a:spcBef>
+                <a:spcPts val="1000"/>
+              </a:spcBef>
+              <a:spcAft>
+                <a:spcPts val="1000"/>
+              </a:spcAft>
+              <a:buFont typeface="Arial" panose="020B0604020202020204" pitchFamily="34" charset="0"/>
+              <a:buChar char="•"/>
+              <a:defRPr lang="en-US" sz="1200" kern="1200">
+                <a:solidFill>
+                  <a:schemeClr val="tx1">
+                    <a:lumMod val="75000"/>
+                    <a:lumOff val="25000"/>
+                  </a:schemeClr>
+                </a:solidFill>
+                <a:latin typeface="+mn-lt"/>
+                <a:ea typeface="+mn-ea"/>
+                <a:cs typeface="+mn-cs"/>
+              </a:defRPr>
+            </a:lvl5pPr>
+            <a:lvl6pPr marL="2514600" indent="-228600" algn="l" defTabSz="914400" rtl="0" eaLnBrk="1" latinLnBrk="0" hangingPunct="1">
+              <a:lnSpc>
+                <a:spcPct val="90000"/>
+              </a:lnSpc>
+              <a:spcBef>
+                <a:spcPct val="30000"/>
+              </a:spcBef>
+              <a:buFont typeface="Arial" panose="020B0604020202020204" pitchFamily="34" charset="0"/>
+              <a:buChar char="•"/>
+              <a:defRPr sz="1800" kern="1200">
+                <a:solidFill>
+                  <a:schemeClr val="tx1"/>
+                </a:solidFill>
+                <a:latin typeface="+mn-lt"/>
+                <a:ea typeface="+mn-ea"/>
+                <a:cs typeface="+mn-cs"/>
+              </a:defRPr>
+            </a:lvl6pPr>
+            <a:lvl7pPr marL="2971800" indent="-228600" algn="l" defTabSz="914400" rtl="0" eaLnBrk="1" latinLnBrk="0" hangingPunct="1">
+              <a:lnSpc>
+                <a:spcPct val="90000"/>
+              </a:lnSpc>
+              <a:spcBef>
+                <a:spcPct val="30000"/>
+              </a:spcBef>
+              <a:buFont typeface="Arial" panose="020B0604020202020204" pitchFamily="34" charset="0"/>
+              <a:buChar char="•"/>
+              <a:defRPr sz="1800" kern="1200">
+                <a:solidFill>
+                  <a:schemeClr val="tx1"/>
+                </a:solidFill>
+                <a:latin typeface="+mn-lt"/>
+                <a:ea typeface="+mn-ea"/>
+                <a:cs typeface="+mn-cs"/>
+              </a:defRPr>
+            </a:lvl7pPr>
+            <a:lvl8pPr marL="3429000" indent="-228600" algn="l" defTabSz="914400" rtl="0" eaLnBrk="1" latinLnBrk="0" hangingPunct="1">
+              <a:lnSpc>
+                <a:spcPct val="90000"/>
+              </a:lnSpc>
+              <a:spcBef>
+                <a:spcPct val="30000"/>
+              </a:spcBef>
+              <a:buFont typeface="Arial" panose="020B0604020202020204" pitchFamily="34" charset="0"/>
+              <a:buChar char="•"/>
+              <a:defRPr sz="1800" kern="1200">
+                <a:solidFill>
+                  <a:schemeClr val="tx1"/>
+                </a:solidFill>
+                <a:latin typeface="+mn-lt"/>
+                <a:ea typeface="+mn-ea"/>
+                <a:cs typeface="+mn-cs"/>
+              </a:defRPr>
+            </a:lvl8pPr>
+            <a:lvl9pPr marL="3886200" indent="-228600" algn="l" defTabSz="914400" rtl="0" eaLnBrk="1" latinLnBrk="0" hangingPunct="1">
+              <a:lnSpc>
+                <a:spcPct val="90000"/>
+              </a:lnSpc>
+              <a:spcBef>
+                <a:spcPct val="30000"/>
+              </a:spcBef>
+              <a:buFont typeface="Arial" panose="020B0604020202020204" pitchFamily="34" charset="0"/>
+              <a:buChar char="•"/>
+              <a:defRPr sz="1800" kern="1200">
+                <a:solidFill>
+                  <a:schemeClr val="tx1"/>
+                </a:solidFill>
+                <a:latin typeface="+mn-lt"/>
+                <a:ea typeface="+mn-ea"/>
+                <a:cs typeface="+mn-cs"/>
+              </a:defRPr>
+            </a:lvl9pPr>
+          </a:lstStyle>
+          <a:p>
+            <a:pPr marL="0" lvl="0" indent="0">
+              <a:spcAft>
+                <a:spcPts val="600"/>
+              </a:spcAft>
+              <a:buNone/>
+              <a:defRPr/>
+            </a:pPr>
+            <a:r>
+              <a:rPr lang="en-US" sz="1100" dirty="0">
+                <a:latin typeface="Segoe UI" panose="020B0502040204020203" pitchFamily="34" charset="0"/>
+                <a:cs typeface="Segoe UI" panose="020B0502040204020203" pitchFamily="34" charset="0"/>
+              </a:rPr>
+              <a:t>Software entities (classes, modules, functions, etc.) should be open for extension, but closed for modification</a:t>
+            </a:r>
+          </a:p>
+          <a:p>
+            <a:pPr marL="0" lvl="0" indent="0">
+              <a:spcAft>
+                <a:spcPts val="600"/>
+              </a:spcAft>
+              <a:buNone/>
+              <a:defRPr/>
+            </a:pPr>
+            <a:r>
+              <a:rPr lang="en-US" sz="1100" dirty="0">
+                <a:latin typeface="Segoe UI" panose="020B0502040204020203" pitchFamily="34" charset="0"/>
+                <a:cs typeface="Segoe UI" panose="020B0502040204020203" pitchFamily="34" charset="0"/>
+              </a:rPr>
+              <a:t>Once Implementation completed, should be closed for further modification.</a:t>
+            </a:r>
+          </a:p>
+          <a:p>
+            <a:pPr marL="0" lvl="0" indent="0">
+              <a:spcAft>
+                <a:spcPts val="600"/>
+              </a:spcAft>
+              <a:buNone/>
+              <a:defRPr/>
+            </a:pPr>
+            <a:r>
+              <a:rPr lang="en-US" sz="1100" dirty="0">
+                <a:latin typeface="Segoe UI" panose="020B0502040204020203" pitchFamily="34" charset="0"/>
+                <a:cs typeface="Segoe UI" panose="020B0502040204020203" pitchFamily="34" charset="0"/>
+              </a:rPr>
+              <a:t>Wall fitted adapter is closed for modification, but another extension board can fulfill extension.</a:t>
+            </a:r>
+          </a:p>
+          <a:p>
+            <a:pPr marL="0" lvl="0" indent="0">
+              <a:spcAft>
+                <a:spcPts val="600"/>
+              </a:spcAft>
+              <a:buNone/>
+              <a:defRPr/>
+            </a:pPr>
+            <a:r>
+              <a:rPr lang="en-US" sz="1100" dirty="0">
+                <a:solidFill>
+                  <a:schemeClr val="accent4"/>
+                </a:solidFill>
+                <a:latin typeface="Segoe UI" panose="020B0502040204020203" pitchFamily="34" charset="0"/>
+                <a:cs typeface="Segoe UI" panose="020B0502040204020203" pitchFamily="34" charset="0"/>
+              </a:rPr>
+              <a:t>Benefits:</a:t>
+            </a:r>
+          </a:p>
+          <a:p>
+            <a:pPr>
+              <a:spcAft>
+                <a:spcPts val="600"/>
+              </a:spcAft>
+              <a:defRPr/>
+            </a:pPr>
+            <a:r>
+              <a:rPr lang="en-US" sz="1100" dirty="0">
+                <a:latin typeface="Segoe UI" panose="020B0502040204020203" pitchFamily="34" charset="0"/>
+                <a:cs typeface="Segoe UI" panose="020B0502040204020203" pitchFamily="34" charset="0"/>
+              </a:rPr>
+              <a:t>Not allowing modification limits introducing new bugs</a:t>
+            </a:r>
+          </a:p>
+          <a:p>
+            <a:pPr>
+              <a:spcAft>
+                <a:spcPts val="600"/>
+              </a:spcAft>
+              <a:defRPr/>
+            </a:pPr>
+            <a:r>
+              <a:rPr lang="en-US" sz="1100" dirty="0">
+                <a:latin typeface="Segoe UI" panose="020B0502040204020203" pitchFamily="34" charset="0"/>
+                <a:cs typeface="Segoe UI" panose="020B0502040204020203" pitchFamily="34" charset="0"/>
+              </a:rPr>
+              <a:t>All dependent classes will not need to adapt modification.</a:t>
+            </a:r>
+          </a:p>
+          <a:p>
+            <a:pPr marL="0" indent="0">
+              <a:spcAft>
+                <a:spcPts val="600"/>
+              </a:spcAft>
+              <a:buNone/>
+              <a:defRPr/>
+            </a:pPr>
+            <a:r>
+              <a:rPr lang="en-US" sz="1100" dirty="0">
+                <a:solidFill>
+                  <a:schemeClr val="accent4"/>
+                </a:solidFill>
+                <a:latin typeface="Segoe UI" panose="020B0502040204020203" pitchFamily="34" charset="0"/>
+                <a:cs typeface="Segoe UI" panose="020B0502040204020203" pitchFamily="34" charset="0"/>
+              </a:rPr>
+              <a:t>How to determine?</a:t>
+            </a:r>
+            <a:endParaRPr lang="en-US" sz="1100" dirty="0">
+              <a:solidFill>
+                <a:schemeClr val="tx1"/>
+              </a:solidFill>
+              <a:latin typeface="Segoe UI" panose="020B0502040204020203" pitchFamily="34" charset="0"/>
+              <a:cs typeface="Segoe UI" panose="020B0502040204020203" pitchFamily="34" charset="0"/>
+            </a:endParaRPr>
+          </a:p>
+          <a:p>
+            <a:pPr>
+              <a:spcAft>
+                <a:spcPts val="600"/>
+              </a:spcAft>
+              <a:defRPr/>
+            </a:pPr>
+            <a:r>
+              <a:rPr lang="en-US" sz="1100" dirty="0">
+                <a:solidFill>
+                  <a:schemeClr val="tx1"/>
+                </a:solidFill>
+                <a:latin typeface="Segoe UI" panose="020B0502040204020203" pitchFamily="34" charset="0"/>
+                <a:cs typeface="Segoe UI" panose="020B0502040204020203" pitchFamily="34" charset="0"/>
+              </a:rPr>
+              <a:t>Class or function is always open for modification, It should always allow to add more logic to it.</a:t>
+            </a:r>
+          </a:p>
+          <a:p>
+            <a:pPr marL="0" lvl="0" indent="0">
+              <a:spcAft>
+                <a:spcPts val="600"/>
+              </a:spcAft>
+              <a:buNone/>
+              <a:defRPr/>
+            </a:pPr>
+            <a:endParaRPr lang="en-US" sz="1100" dirty="0">
+              <a:latin typeface="Segoe UI" panose="020B0502040204020203" pitchFamily="34" charset="0"/>
+              <a:cs typeface="Segoe UI" panose="020B0502040204020203" pitchFamily="34" charset="0"/>
+            </a:endParaRPr>
+          </a:p>
+        </p:txBody>
+      </p:sp>
+      <p:pic>
+        <p:nvPicPr>
+          <p:cNvPr id="7" name="Picture 8">
+            <a:extLst>
+              <a:ext uri="{FF2B5EF4-FFF2-40B4-BE49-F238E27FC236}">
+                <a16:creationId xmlns:a16="http://schemas.microsoft.com/office/drawing/2014/main" id="{50854A02-C560-0846-0581-2DE174F2B3F3}"/>
+              </a:ext>
+            </a:extLst>
+          </p:cNvPr>
+          <p:cNvPicPr>
+            <a:picLocks noChangeAspect="1" noChangeArrowheads="1"/>
+          </p:cNvPicPr>
+          <p:nvPr/>
+        </p:nvPicPr>
+        <p:blipFill>
+          <a:blip r:embed="rId2">
+            <a:extLst>
+              <a:ext uri="{28A0092B-C50C-407E-A947-70E740481C1C}">
+                <a14:useLocalDpi xmlns:a14="http://schemas.microsoft.com/office/drawing/2010/main" val="0"/>
+              </a:ext>
+            </a:extLst>
+          </a:blip>
+          <a:srcRect/>
+          <a:stretch>
+            <a:fillRect/>
+          </a:stretch>
+        </p:blipFill>
+        <p:spPr bwMode="auto">
+          <a:xfrm>
+            <a:off x="7542195" y="5082444"/>
+            <a:ext cx="2207904" cy="1371369"/>
+          </a:xfrm>
+          <a:prstGeom prst="rect">
+            <a:avLst/>
+          </a:prstGeom>
+          <a:noFill/>
+          <a:extLst>
+            <a:ext uri="{909E8E84-426E-40DD-AFC4-6F175D3DCCD1}">
+              <a14:hiddenFill xmlns:a14="http://schemas.microsoft.com/office/drawing/2010/main">
+                <a:solidFill>
+                  <a:srgbClr val="FFFFFF"/>
+                </a:solidFill>
+              </a14:hiddenFill>
+            </a:ext>
+          </a:extLst>
+        </p:spPr>
+      </p:pic>
+      <p:pic>
+        <p:nvPicPr>
+          <p:cNvPr id="2050" name="Picture 2" descr="Neu Single Plug Wall Socket 1 x 16A - Just Electronics">
+            <a:extLst>
+              <a:ext uri="{FF2B5EF4-FFF2-40B4-BE49-F238E27FC236}">
+                <a16:creationId xmlns:a16="http://schemas.microsoft.com/office/drawing/2014/main" id="{F32C302C-5902-969A-AE77-A10EFE2CDDE2}"/>
+              </a:ext>
+            </a:extLst>
+          </p:cNvPr>
+          <p:cNvPicPr>
+            <a:picLocks noChangeAspect="1" noChangeArrowheads="1"/>
+          </p:cNvPicPr>
+          <p:nvPr/>
+        </p:nvPicPr>
+        <p:blipFill>
+          <a:blip r:embed="rId3">
+            <a:extLst>
+              <a:ext uri="{28A0092B-C50C-407E-A947-70E740481C1C}">
+                <a14:useLocalDpi xmlns:a14="http://schemas.microsoft.com/office/drawing/2010/main" val="0"/>
+              </a:ext>
+            </a:extLst>
+          </a:blip>
+          <a:srcRect/>
+          <a:stretch>
+            <a:fillRect/>
+          </a:stretch>
+        </p:blipFill>
+        <p:spPr bwMode="auto">
+          <a:xfrm>
+            <a:off x="7332956" y="1279415"/>
+            <a:ext cx="1867594" cy="1867594"/>
+          </a:xfrm>
+          <a:prstGeom prst="rect">
+            <a:avLst/>
+          </a:prstGeom>
+          <a:noFill/>
+          <a:extLst>
+            <a:ext uri="{909E8E84-426E-40DD-AFC4-6F175D3DCCD1}">
+              <a14:hiddenFill xmlns:a14="http://schemas.microsoft.com/office/drawing/2010/main">
+                <a:solidFill>
+                  <a:srgbClr val="FFFFFF"/>
+                </a:solidFill>
+              </a14:hiddenFill>
+            </a:ext>
+          </a:extLst>
+        </p:spPr>
+      </p:pic>
+      <p:pic>
+        <p:nvPicPr>
+          <p:cNvPr id="2054" name="Picture 6" descr="Buy Mscien 3 Way Plug Extension with 2 USB Multiplug Wall Socket Extension  with Individually Switches and Neon Indicators 13Amp Extension Cord without  Cable Online in Qatar. B082R29S8K">
+            <a:extLst>
+              <a:ext uri="{FF2B5EF4-FFF2-40B4-BE49-F238E27FC236}">
+                <a16:creationId xmlns:a16="http://schemas.microsoft.com/office/drawing/2014/main" id="{8219FDBE-467F-9D9E-3723-17036CA03067}"/>
+              </a:ext>
+            </a:extLst>
+          </p:cNvPr>
+          <p:cNvPicPr>
+            <a:picLocks noChangeAspect="1" noChangeArrowheads="1"/>
+          </p:cNvPicPr>
+          <p:nvPr/>
+        </p:nvPicPr>
+        <p:blipFill>
+          <a:blip r:embed="rId4">
+            <a:extLst>
+              <a:ext uri="{28A0092B-C50C-407E-A947-70E740481C1C}">
+                <a14:useLocalDpi xmlns:a14="http://schemas.microsoft.com/office/drawing/2010/main" val="0"/>
+              </a:ext>
+            </a:extLst>
+          </a:blip>
+          <a:srcRect/>
+          <a:stretch>
+            <a:fillRect/>
+          </a:stretch>
+        </p:blipFill>
+        <p:spPr bwMode="auto">
+          <a:xfrm>
+            <a:off x="7265818" y="3315123"/>
+            <a:ext cx="3147689" cy="3147689"/>
+          </a:xfrm>
+          <a:prstGeom prst="rect">
+            <a:avLst/>
+          </a:prstGeom>
+          <a:noFill/>
+          <a:extLst>
+            <a:ext uri="{909E8E84-426E-40DD-AFC4-6F175D3DCCD1}">
+              <a14:hiddenFill xmlns:a14="http://schemas.microsoft.com/office/drawing/2010/main">
+                <a:solidFill>
+                  <a:srgbClr val="FFFFFF"/>
+                </a:solidFill>
+              </a14:hiddenFill>
+            </a:ext>
+          </a:extLst>
+        </p:spPr>
+      </p:pic>
+    </p:spTree>
+    <p:extLst>
+      <p:ext uri="{BB962C8B-B14F-4D97-AF65-F5344CB8AC3E}">
+        <p14:creationId xmlns:p14="http://schemas.microsoft.com/office/powerpoint/2010/main" val="4125721095"/>
+      </p:ext>
+    </p:extLst>
+  </p:cSld>
+  <p:clrMapOvr>
+    <a:masterClrMapping/>
+  </p:clrMapOvr>
+</p:sld>
+</file>
+
+<file path=ppt/slides/slide12.xml><?xml version="1.0" encoding="utf-8"?>
+<p:sld xmlns:a="http://schemas.openxmlformats.org/drawingml/2006/main" xmlns:r="http://schemas.openxmlformats.org/officeDocument/2006/relationships" xmlns:p="http://schemas.openxmlformats.org/presentationml/2006/main">
+  <p:cSld>
+    <p:spTree>
+      <p:nvGrpSpPr>
+        <p:cNvPr id="1" name=""/>
+        <p:cNvGrpSpPr/>
+        <p:nvPr/>
+      </p:nvGrpSpPr>
+      <p:grpSpPr>
+        <a:xfrm>
+          <a:off x="0" y="0"/>
+          <a:ext cx="0" cy="0"/>
+          <a:chOff x="0" y="0"/>
+          <a:chExt cx="0" cy="0"/>
+        </a:xfrm>
+      </p:grpSpPr>
+      <p:sp>
+        <p:nvSpPr>
+          <p:cNvPr id="6" name="Title 5"/>
+          <p:cNvSpPr>
+            <a:spLocks noGrp="1"/>
+          </p:cNvSpPr>
+          <p:nvPr>
+            <p:ph type="title"/>
+          </p:nvPr>
+        </p:nvSpPr>
+        <p:spPr/>
+        <p:txBody>
+          <a:bodyPr/>
+          <a:lstStyle/>
+          <a:p>
+            <a:r>
+              <a:rPr lang="en-US" dirty="0">
+                <a:latin typeface="Segoe UI Light" panose="020B0502040204020203" pitchFamily="34" charset="0"/>
+                <a:cs typeface="Segoe UI Light" panose="020B0502040204020203" pitchFamily="34" charset="0"/>
+              </a:rPr>
+              <a:t>DEMO</a:t>
+            </a:r>
+          </a:p>
+        </p:txBody>
+      </p:sp>
+      <p:sp>
+        <p:nvSpPr>
+          <p:cNvPr id="25" name="Text Box 16" descr="Select me"/>
+          <p:cNvSpPr txBox="1"/>
+          <p:nvPr/>
+        </p:nvSpPr>
+        <p:spPr>
+          <a:xfrm rot="21077122">
+            <a:off x="2444416" y="1772253"/>
+            <a:ext cx="1334770" cy="435610"/>
+          </a:xfrm>
+          <a:prstGeom prst="rect">
+            <a:avLst/>
+          </a:prstGeom>
+          <a:noFill/>
+          <a:ln>
+            <a:noFill/>
+          </a:ln>
+          <a:effectLst/>
+          <a:extLst>
+            <a:ext uri="{C572A759-6A51-4108-AA02-DFA0A04FC94B}">
+              <ma14:wrappingTextBoxFlag xmlns:ma14="http://schemas.microsoft.com/office/mac/drawingml/2011/main" xmlns=""/>
+            </a:ext>
+          </a:extLst>
+        </p:spPr>
+        <p:txBody>
+          <a:bodyPr rot="0" spcFirstLastPara="0" vert="horz" wrap="none" lIns="91440" tIns="45720" rIns="91440" bIns="45720" numCol="1" spcCol="0" rtlCol="0" fromWordArt="0" anchor="t" anchorCtr="0" forceAA="0" compatLnSpc="1">
+            <a:prstTxWarp prst="textNoShape">
+              <a:avLst/>
+            </a:prstTxWarp>
+            <a:noAutofit/>
+          </a:bodyPr>
+          <a:lstStyle/>
+          <a:p>
+            <a:pPr marL="0" marR="0" algn="ctr">
+              <a:spcBef>
+                <a:spcPts val="0"/>
+              </a:spcBef>
+              <a:spcAft>
+                <a:spcPts val="200"/>
+              </a:spcAft>
+              <a:tabLst>
+                <a:tab pos="4931410" algn="l"/>
+              </a:tabLst>
+            </a:pPr>
+            <a:r>
+              <a:rPr lang="en-US" sz="1200" b="1" kern="1000" spc="100" dirty="0">
+                <a:ln>
+                  <a:noFill/>
+                </a:ln>
+                <a:solidFill>
+                  <a:srgbClr val="D24726"/>
+                </a:solidFill>
+                <a:effectLst/>
+                <a:latin typeface="Segoe UI Semibold" panose="020B0702040204020203" pitchFamily="34" charset="0"/>
+                <a:ea typeface="SimHei" panose="02010609060101010101" pitchFamily="49" charset="-122"/>
+                <a:cs typeface="Times New Roman" panose="02020603050405020304" pitchFamily="18" charset="0"/>
+              </a:rPr>
+              <a:t>JUST WOW !!!</a:t>
             </a:r>
             <a:endParaRPr lang="en-US" sz="1200" b="1" kern="1400" dirty="0">
               <a:solidFill>
@@ -2922,7 +3695,7 @@
 </p:sld>
 </file>
 
-<file path=ppt/slides/slide11.xml><?xml version="1.0" encoding="utf-8"?>
+<file path=ppt/slides/slide13.xml><?xml version="1.0" encoding="utf-8"?>
 <p:sld xmlns:a="http://schemas.openxmlformats.org/drawingml/2006/main" xmlns:r="http://schemas.openxmlformats.org/officeDocument/2006/relationships" xmlns:p="http://schemas.openxmlformats.org/presentationml/2006/main">
   <p:cSld>
     <p:spTree>
@@ -2982,7 +3755,7 @@
         <p:spPr>
           <a:xfrm>
             <a:off x="604344" y="1339746"/>
-            <a:ext cx="4806555" cy="5178500"/>
+            <a:ext cx="5317062" cy="5190682"/>
           </a:xfrm>
           <a:prstGeom prst="rect">
             <a:avLst/>
@@ -3199,7 +3972,21 @@
                 <a:latin typeface="Segoe UI" panose="020B0502040204020203" pitchFamily="34" charset="0"/>
                 <a:cs typeface="Segoe UI" panose="020B0502040204020203" pitchFamily="34" charset="0"/>
               </a:rPr>
-              <a:t>It is a principle of OOP and states that derived classes should be able to extend their base classes without changing/affecting their behavior.</a:t>
+              <a:t>Defined by Barbara </a:t>
+            </a:r>
+            <a:r>
+              <a:rPr lang="en-US" sz="1100" dirty="0" err="1">
+                <a:latin typeface="Segoe UI" panose="020B0502040204020203" pitchFamily="34" charset="0"/>
+                <a:cs typeface="Segoe UI" panose="020B0502040204020203" pitchFamily="34" charset="0"/>
+              </a:rPr>
+              <a:t>Liskov</a:t>
+            </a:r>
+            <a:r>
+              <a:rPr lang="en-US" sz="1100" dirty="0">
+                <a:latin typeface="Segoe UI" panose="020B0502040204020203" pitchFamily="34" charset="0"/>
+                <a:cs typeface="Segoe UI" panose="020B0502040204020203" pitchFamily="34" charset="0"/>
+              </a:rPr>
+              <a:t>.</a:t>
             </a:r>
           </a:p>
           <a:p>
@@ -3215,7 +4002,7 @@
                 <a:latin typeface="Segoe UI" panose="020B0502040204020203" pitchFamily="34" charset="0"/>
                 <a:cs typeface="Segoe UI" panose="020B0502040204020203" pitchFamily="34" charset="0"/>
               </a:rPr>
-              <a:t>It is an extension of the Open Close Principle and is violated when you have written code that throws "not implemented exceptions"</a:t>
+              <a:t>Principle is based on inheritance which states that derived classes should be able to extend their base classes without changing/affecting their behavior.</a:t>
             </a:r>
           </a:p>
           <a:p>
@@ -3231,7 +4018,26 @@
                 <a:latin typeface="Segoe UI" panose="020B0502040204020203" pitchFamily="34" charset="0"/>
                 <a:cs typeface="Segoe UI" panose="020B0502040204020203" pitchFamily="34" charset="0"/>
               </a:rPr>
-              <a:t>Benefits</a:t>
+              <a:t>Consume a service of a base class, must work correctly when the base class object is replaced by a child class (derived class) object.</a:t>
+            </a:r>
+          </a:p>
+          <a:p>
+            <a:pPr marL="0" lvl="0" indent="0">
+              <a:spcAft>
+                <a:spcPts val="600"/>
+              </a:spcAft>
+              <a:buNone/>
+              <a:defRPr/>
+            </a:pPr>
+            <a:r>
+              <a:rPr lang="en-US" sz="1100" dirty="0">
+                <a:solidFill>
+                  <a:schemeClr val="accent4"/>
+                </a:solidFill>
+                <a:latin typeface="Segoe UI" panose="020B0502040204020203" pitchFamily="34" charset="0"/>
+                <a:cs typeface="Segoe UI" panose="020B0502040204020203" pitchFamily="34" charset="0"/>
+              </a:rPr>
+              <a:t>Benefits:</a:t>
             </a:r>
           </a:p>
           <a:p>
@@ -3246,7 +4052,7 @@
                 <a:latin typeface="Segoe UI" panose="020B0502040204020203" pitchFamily="34" charset="0"/>
                 <a:cs typeface="Segoe UI" panose="020B0502040204020203" pitchFamily="34" charset="0"/>
               </a:rPr>
-              <a:t>No surprising behavior for callers when substitution applies.</a:t>
+              <a:t>No surprising behavior (Run time Exception) for callers when substitution applies.</a:t>
             </a:r>
           </a:p>
           <a:p>
@@ -3263,6 +4069,105 @@
               </a:rPr>
               <a:t>Code reusable and loosely coupled.</a:t>
             </a:r>
+          </a:p>
+          <a:p>
+            <a:pPr marL="0" indent="0">
+              <a:spcAft>
+                <a:spcPts val="600"/>
+              </a:spcAft>
+              <a:buNone/>
+              <a:defRPr/>
+            </a:pPr>
+            <a:r>
+              <a:rPr lang="en-US" sz="1100" dirty="0">
+                <a:solidFill>
+                  <a:schemeClr val="accent4"/>
+                </a:solidFill>
+                <a:latin typeface="Segoe UI" panose="020B0502040204020203" pitchFamily="34" charset="0"/>
+                <a:cs typeface="Segoe UI" panose="020B0502040204020203" pitchFamily="34" charset="0"/>
+              </a:rPr>
+              <a:t>How to determine ?</a:t>
+            </a:r>
+            <a:r>
+              <a:rPr lang="en-US" sz="1100" dirty="0">
+                <a:solidFill>
+                  <a:schemeClr val="tx1"/>
+                </a:solidFill>
+                <a:latin typeface="Segoe UI" panose="020B0502040204020203" pitchFamily="34" charset="0"/>
+                <a:cs typeface="Segoe UI" panose="020B0502040204020203" pitchFamily="34" charset="0"/>
+              </a:rPr>
+              <a:t> </a:t>
+            </a:r>
+          </a:p>
+          <a:p>
+            <a:pPr marL="0" indent="0">
+              <a:spcAft>
+                <a:spcPts val="600"/>
+              </a:spcAft>
+              <a:buNone/>
+              <a:defRPr/>
+            </a:pPr>
+            <a:r>
+              <a:rPr lang="en-US" sz="1100" dirty="0">
+                <a:solidFill>
+                  <a:schemeClr val="tx1"/>
+                </a:solidFill>
+                <a:latin typeface="Segoe UI" panose="020B0502040204020203" pitchFamily="34" charset="0"/>
+                <a:cs typeface="Segoe UI" panose="020B0502040204020203" pitchFamily="34" charset="0"/>
+              </a:rPr>
+              <a:t>Verify the inheritance tree, Child classes inherited from the parent class should not break the functionality of a parent class.</a:t>
+            </a:r>
+          </a:p>
+          <a:p>
+            <a:pPr marL="0" indent="0">
+              <a:spcAft>
+                <a:spcPts val="600"/>
+              </a:spcAft>
+              <a:buNone/>
+              <a:defRPr/>
+            </a:pPr>
+            <a:r>
+              <a:rPr lang="en-US" sz="1100" dirty="0">
+                <a:solidFill>
+                  <a:schemeClr val="tx1"/>
+                </a:solidFill>
+                <a:latin typeface="Segoe UI" panose="020B0502040204020203" pitchFamily="34" charset="0"/>
+                <a:cs typeface="Segoe UI" panose="020B0502040204020203" pitchFamily="34" charset="0"/>
+              </a:rPr>
+              <a:t>It is an extension of the Open Close Principle and is violated when you have written code that throws "not implemented exceptions"</a:t>
+            </a:r>
+          </a:p>
+          <a:p>
+            <a:pPr marL="0" indent="0">
+              <a:spcAft>
+                <a:spcPts val="600"/>
+              </a:spcAft>
+              <a:buNone/>
+              <a:defRPr/>
+            </a:pPr>
+            <a:endParaRPr lang="en-US" sz="1100" dirty="0">
+              <a:solidFill>
+                <a:schemeClr val="accent4"/>
+              </a:solidFill>
+              <a:latin typeface="Segoe UI" panose="020B0502040204020203" pitchFamily="34" charset="0"/>
+              <a:cs typeface="Segoe UI" panose="020B0502040204020203" pitchFamily="34" charset="0"/>
+            </a:endParaRPr>
+          </a:p>
+          <a:p>
+            <a:pPr marL="0" indent="0">
+              <a:spcAft>
+                <a:spcPts val="600"/>
+              </a:spcAft>
+              <a:buNone/>
+              <a:defRPr/>
+            </a:pPr>
+            <a:endParaRPr lang="en-US" sz="1100" dirty="0">
+              <a:solidFill>
+                <a:schemeClr val="accent4"/>
+              </a:solidFill>
+              <a:latin typeface="Segoe UI" panose="020B0502040204020203" pitchFamily="34" charset="0"/>
+              <a:cs typeface="Segoe UI" panose="020B0502040204020203" pitchFamily="34" charset="0"/>
+            </a:endParaRPr>
           </a:p>
           <a:p>
             <a:pPr marL="0" lvl="0" indent="0">
@@ -3308,8 +4213,8 @@
         </p:blipFill>
         <p:spPr bwMode="auto">
           <a:xfrm>
-            <a:off x="6653586" y="1817020"/>
-            <a:ext cx="4270556" cy="2284831"/>
+            <a:off x="7495981" y="1500495"/>
+            <a:ext cx="2938509" cy="1572159"/>
           </a:xfrm>
           <a:prstGeom prst="rect">
             <a:avLst/>
@@ -3340,8 +4245,8 @@
         </p:nvSpPr>
         <p:spPr>
           <a:xfrm>
-            <a:off x="7842753" y="1339746"/>
-            <a:ext cx="2938509" cy="369332"/>
+            <a:off x="7472216" y="1172850"/>
+            <a:ext cx="2938509" cy="307777"/>
           </a:xfrm>
           <a:prstGeom prst="rect">
             <a:avLst/>
@@ -3355,7 +4260,7 @@
           <a:lstStyle/>
           <a:p>
             <a:r>
-              <a:rPr lang="en-IN" dirty="0"/>
+              <a:rPr lang="en-IN" sz="1400" dirty="0"/>
               <a:t>Perfect Substitution</a:t>
             </a:r>
           </a:p>
@@ -3390,8 +4295,8 @@
         </p:blipFill>
         <p:spPr bwMode="auto">
           <a:xfrm>
-            <a:off x="6939347" y="4733393"/>
-            <a:ext cx="3984795" cy="1907914"/>
+            <a:off x="7495981" y="3549859"/>
+            <a:ext cx="3148345" cy="1507423"/>
           </a:xfrm>
           <a:prstGeom prst="rect">
             <a:avLst/>
@@ -3422,8 +4327,8 @@
         </p:nvSpPr>
         <p:spPr>
           <a:xfrm>
-            <a:off x="7890014" y="4244464"/>
-            <a:ext cx="2938509" cy="369332"/>
+            <a:off x="7398326" y="3170384"/>
+            <a:ext cx="2924524" cy="307777"/>
           </a:xfrm>
           <a:prstGeom prst="rect">
             <a:avLst/>
@@ -3437,12 +4342,59 @@
           <a:lstStyle/>
           <a:p>
             <a:r>
-              <a:rPr lang="en-IN" dirty="0"/>
+              <a:rPr lang="en-IN" sz="1400" dirty="0"/>
               <a:t>Violation  Substitution</a:t>
             </a:r>
           </a:p>
         </p:txBody>
       </p:sp>
+      <p:pic>
+        <p:nvPicPr>
+          <p:cNvPr id="3074" name="Picture 2" descr="Area of a Quadrilateral - Expii">
+            <a:extLst>
+              <a:ext uri="{FF2B5EF4-FFF2-40B4-BE49-F238E27FC236}">
+                <a16:creationId xmlns:a16="http://schemas.microsoft.com/office/drawing/2014/main" id="{5FEF674F-54F1-7E2B-5160-0AD1F6861205}"/>
+              </a:ext>
+            </a:extLst>
+          </p:cNvPr>
+          <p:cNvPicPr>
+            <a:picLocks noChangeAspect="1" noChangeArrowheads="1"/>
+          </p:cNvPicPr>
+          <p:nvPr/>
+        </p:nvPicPr>
+        <p:blipFill>
+          <a:blip r:embed="rId4">
+            <a:extLst>
+              <a:ext uri="{28A0092B-C50C-407E-A947-70E740481C1C}">
+                <a14:useLocalDpi xmlns:a14="http://schemas.microsoft.com/office/drawing/2010/main" val="0"/>
+              </a:ext>
+            </a:extLst>
+          </a:blip>
+          <a:srcRect/>
+          <a:stretch>
+            <a:fillRect/>
+          </a:stretch>
+        </p:blipFill>
+        <p:spPr bwMode="auto">
+          <a:xfrm>
+            <a:off x="7495980" y="5167917"/>
+            <a:ext cx="3414676" cy="1362511"/>
+          </a:xfrm>
+          <a:prstGeom prst="rect">
+            <a:avLst/>
+          </a:prstGeom>
+          <a:noFill/>
+          <a:extLst>
+            <a:ext uri="{909E8E84-426E-40DD-AFC4-6F175D3DCCD1}">
+              <a14:hiddenFill xmlns:a14="http://schemas.microsoft.com/office/drawing/2010/main">
+                <a:solidFill>
+                  <a:srgbClr val="FFFFFF"/>
+                </a:solidFill>
+              </a14:hiddenFill>
+            </a:ext>
+          </a:extLst>
+        </p:spPr>
+      </p:pic>
     </p:spTree>
     <p:extLst>
       <p:ext uri="{BB962C8B-B14F-4D97-AF65-F5344CB8AC3E}">
@@ -3456,7 +4408,7 @@
 </p:sld>
 </file>
 
-<file path=ppt/slides/slide12.xml><?xml version="1.0" encoding="utf-8"?>
+<file path=ppt/slides/slide14.xml><?xml version="1.0" encoding="utf-8"?>
 <p:sld xmlns:a="http://schemas.openxmlformats.org/drawingml/2006/main" xmlns:r="http://schemas.openxmlformats.org/officeDocument/2006/relationships" xmlns:p="http://schemas.openxmlformats.org/presentationml/2006/main">
   <p:cSld>
     <p:spTree>
@@ -3519,7 +4471,7 @@
           <a:effectLst/>
           <a:extLst>
             <a:ext uri="{C572A759-6A51-4108-AA02-DFA0A04FC94B}">
-              <ma14:wrappingTextBoxFlag xmlns="" xmlns:ma14="http://schemas.microsoft.com/office/mac/drawingml/2011/main"/>
+              <ma14:wrappingTextBoxFlag xmlns:ma14="http://schemas.microsoft.com/office/mac/drawingml/2011/main" xmlns=""/>
             </a:ext>
           </a:extLst>
         </p:spPr>
@@ -3556,7 +4508,7 @@
                 <a:ea typeface="SimHei" panose="02010609060101010101" pitchFamily="49" charset="-122"/>
                 <a:cs typeface="Times New Roman" panose="02020603050405020304" pitchFamily="18" charset="0"/>
               </a:rPr>
-              <a:t>INTERESTING !!!</a:t>
+              <a:t>Hmm !!!</a:t>
             </a:r>
             <a:endParaRPr lang="en-US" sz="1200" b="1" kern="1400" dirty="0">
               <a:solidFill>
@@ -3649,7 +4601,7 @@
 </p:sld>
 </file>
 
-<file path=ppt/slides/slide13.xml><?xml version="1.0" encoding="utf-8"?>
+<file path=ppt/slides/slide15.xml><?xml version="1.0" encoding="utf-8"?>
 <p:sld xmlns:a="http://schemas.openxmlformats.org/drawingml/2006/main" xmlns:r="http://schemas.openxmlformats.org/officeDocument/2006/relationships" xmlns:p="http://schemas.openxmlformats.org/presentationml/2006/main">
   <p:cSld>
     <p:spTree>
@@ -3708,8 +4660,8 @@
         </p:nvSpPr>
         <p:spPr>
           <a:xfrm>
-            <a:off x="563152" y="1379291"/>
-            <a:ext cx="4806555" cy="5178500"/>
+            <a:off x="563151" y="1379291"/>
+            <a:ext cx="5789222" cy="5178500"/>
           </a:xfrm>
           <a:prstGeom prst="rect">
             <a:avLst/>
@@ -3717,7 +4669,7 @@
         </p:spPr>
         <p:txBody>
           <a:bodyPr vert="horz" lIns="91440" tIns="45720" rIns="91440" bIns="45720" rtlCol="0">
-            <a:normAutofit/>
+            <a:normAutofit fontScale="92500"/>
           </a:bodyPr>
           <a:lstStyle>
             <a:lvl1pPr marL="228600" indent="-228600" algn="l" defTabSz="914400" rtl="0" eaLnBrk="1" latinLnBrk="0" hangingPunct="1">
@@ -3942,7 +4894,7 @@
                 <a:latin typeface="Segoe UI" panose="020B0502040204020203" pitchFamily="34" charset="0"/>
                 <a:cs typeface="Segoe UI" panose="020B0502040204020203" pitchFamily="34" charset="0"/>
               </a:rPr>
-              <a:t>Do not design a big fat interface that forces the client to implement a method that is not required by it, instead design a small interface</a:t>
+              <a:t>Do not design a big fat interface that forces the client to implement a method that is not required by it, instead design a small interface.</a:t>
             </a:r>
           </a:p>
           <a:p>
@@ -3958,14 +4910,15 @@
                 <a:latin typeface="Segoe UI" panose="020B0502040204020203" pitchFamily="34" charset="0"/>
                 <a:cs typeface="Segoe UI" panose="020B0502040204020203" pitchFamily="34" charset="0"/>
               </a:rPr>
-              <a:t>Benefits:</a:t>
-            </a:r>
-          </a:p>
-          <a:p>
-            <a:pPr>
+              <a:t>Implement the required set of interface.</a:t>
+            </a:r>
+          </a:p>
+          <a:p>
+            <a:pPr marL="0" lvl="0" indent="0">
               <a:spcAft>
                 <a:spcPts val="600"/>
               </a:spcAft>
+              <a:buNone/>
               <a:defRPr/>
             </a:pPr>
             <a:r>
@@ -3973,14 +4926,15 @@
                 <a:latin typeface="Segoe UI" panose="020B0502040204020203" pitchFamily="34" charset="0"/>
                 <a:cs typeface="Segoe UI" panose="020B0502040204020203" pitchFamily="34" charset="0"/>
               </a:rPr>
-              <a:t>Normalizing code.</a:t>
-            </a:r>
-          </a:p>
-          <a:p>
-            <a:pPr>
+              <a:t>Big fat interface should break into a set of small interfaces with the related method(s) in it. </a:t>
+            </a:r>
+          </a:p>
+          <a:p>
+            <a:pPr marL="0" lvl="0" indent="0">
               <a:spcAft>
                 <a:spcPts val="600"/>
               </a:spcAft>
+              <a:buNone/>
               <a:defRPr/>
             </a:pPr>
             <a:r>
@@ -3988,8 +4942,125 @@
                 <a:latin typeface="Segoe UI" panose="020B0502040204020203" pitchFamily="34" charset="0"/>
                 <a:cs typeface="Segoe UI" panose="020B0502040204020203" pitchFamily="34" charset="0"/>
               </a:rPr>
+              <a:t>It's similar to normalizing our database, like normalizing database from one NF to required NF where a big table is broken into tables with related columns.</a:t>
+            </a:r>
+          </a:p>
+          <a:p>
+            <a:pPr marL="0" lvl="0" indent="0">
+              <a:spcAft>
+                <a:spcPts val="600"/>
+              </a:spcAft>
+              <a:buNone/>
+              <a:defRPr/>
+            </a:pPr>
+            <a:r>
+              <a:rPr lang="en-US" sz="1100" dirty="0">
+                <a:solidFill>
+                  <a:schemeClr val="accent4"/>
+                </a:solidFill>
+                <a:latin typeface="Segoe UI" panose="020B0502040204020203" pitchFamily="34" charset="0"/>
+                <a:cs typeface="Segoe UI" panose="020B0502040204020203" pitchFamily="34" charset="0"/>
+              </a:rPr>
+              <a:t>Benefits:</a:t>
+            </a:r>
+          </a:p>
+          <a:p>
+            <a:pPr>
+              <a:spcAft>
+                <a:spcPts val="600"/>
+              </a:spcAft>
+              <a:defRPr/>
+            </a:pPr>
+            <a:r>
+              <a:rPr lang="en-US" sz="1100" dirty="0">
+                <a:latin typeface="Segoe UI" panose="020B0502040204020203" pitchFamily="34" charset="0"/>
+                <a:cs typeface="Segoe UI" panose="020B0502040204020203" pitchFamily="34" charset="0"/>
+              </a:rPr>
+              <a:t>Normalizing code.</a:t>
+            </a:r>
+          </a:p>
+          <a:p>
+            <a:pPr>
+              <a:spcAft>
+                <a:spcPts val="600"/>
+              </a:spcAft>
+              <a:defRPr/>
+            </a:pPr>
+            <a:r>
+              <a:rPr lang="en-US" sz="1100" dirty="0">
+                <a:latin typeface="Segoe UI" panose="020B0502040204020203" pitchFamily="34" charset="0"/>
+                <a:cs typeface="Segoe UI" panose="020B0502040204020203" pitchFamily="34" charset="0"/>
+              </a:rPr>
               <a:t>Easier to manage and test.</a:t>
             </a:r>
+          </a:p>
+          <a:p>
+            <a:pPr marL="0" indent="0">
+              <a:spcAft>
+                <a:spcPts val="600"/>
+              </a:spcAft>
+              <a:buNone/>
+              <a:defRPr/>
+            </a:pPr>
+            <a:r>
+              <a:rPr lang="en-US" sz="1100" dirty="0">
+                <a:solidFill>
+                  <a:schemeClr val="accent4"/>
+                </a:solidFill>
+                <a:latin typeface="Segoe UI" panose="020B0502040204020203" pitchFamily="34" charset="0"/>
+                <a:cs typeface="Segoe UI" panose="020B0502040204020203" pitchFamily="34" charset="0"/>
+              </a:rPr>
+              <a:t>How to determine?</a:t>
+            </a:r>
+          </a:p>
+          <a:p>
+            <a:pPr>
+              <a:spcAft>
+                <a:spcPts val="600"/>
+              </a:spcAft>
+              <a:defRPr/>
+            </a:pPr>
+            <a:r>
+              <a:rPr lang="en-US" sz="1100" dirty="0">
+                <a:solidFill>
+                  <a:schemeClr val="tx1"/>
+                </a:solidFill>
+                <a:latin typeface="Segoe UI" panose="020B0502040204020203" pitchFamily="34" charset="0"/>
+                <a:cs typeface="Segoe UI" panose="020B0502040204020203" pitchFamily="34" charset="0"/>
+              </a:rPr>
+              <a:t>Forces the client to implement a method that is not required</a:t>
+            </a:r>
+          </a:p>
+          <a:p>
+            <a:pPr>
+              <a:spcAft>
+                <a:spcPts val="600"/>
+              </a:spcAft>
+              <a:defRPr/>
+            </a:pPr>
+            <a:r>
+              <a:rPr lang="en-US" sz="1100" dirty="0">
+                <a:solidFill>
+                  <a:schemeClr val="tx1"/>
+                </a:solidFill>
+                <a:latin typeface="Segoe UI" panose="020B0502040204020203" pitchFamily="34" charset="0"/>
+                <a:cs typeface="Segoe UI" panose="020B0502040204020203" pitchFamily="34" charset="0"/>
+              </a:rPr>
+              <a:t>The client interface ends up violating SRP</a:t>
+            </a:r>
+          </a:p>
+          <a:p>
+            <a:pPr marL="0" indent="0">
+              <a:spcAft>
+                <a:spcPts val="600"/>
+              </a:spcAft>
+              <a:buNone/>
+              <a:defRPr/>
+            </a:pPr>
+            <a:endParaRPr lang="en-US" sz="1100" dirty="0">
+              <a:latin typeface="Segoe UI" panose="020B0502040204020203" pitchFamily="34" charset="0"/>
+              <a:cs typeface="Segoe UI" panose="020B0502040204020203" pitchFamily="34" charset="0"/>
+            </a:endParaRPr>
           </a:p>
         </p:txBody>
       </p:sp>
@@ -4022,7 +5093,7 @@
         </p:blipFill>
         <p:spPr bwMode="auto">
           <a:xfrm>
-            <a:off x="6352373" y="2670728"/>
+            <a:off x="6556559" y="2670728"/>
             <a:ext cx="2595626" cy="2595626"/>
           </a:xfrm>
           <a:prstGeom prst="rect">
@@ -4100,7 +5171,7 @@
 </p:sld>
 </file>
 
-<file path=ppt/slides/slide14.xml><?xml version="1.0" encoding="utf-8"?>
+<file path=ppt/slides/slide16.xml><?xml version="1.0" encoding="utf-8"?>
 <p:sld xmlns:a="http://schemas.openxmlformats.org/drawingml/2006/main" xmlns:r="http://schemas.openxmlformats.org/officeDocument/2006/relationships" xmlns:p="http://schemas.openxmlformats.org/presentationml/2006/main">
   <p:cSld>
     <p:spTree>
@@ -4163,7 +5234,7 @@
           <a:effectLst/>
           <a:extLst>
             <a:ext uri="{C572A759-6A51-4108-AA02-DFA0A04FC94B}">
-              <ma14:wrappingTextBoxFlag xmlns="" xmlns:ma14="http://schemas.microsoft.com/office/mac/drawingml/2011/main"/>
+              <ma14:wrappingTextBoxFlag xmlns:ma14="http://schemas.microsoft.com/office/mac/drawingml/2011/main" xmlns=""/>
             </a:ext>
           </a:extLst>
         </p:spPr>
@@ -4293,7 +5364,7 @@
 </p:sld>
 </file>
 
-<file path=ppt/slides/slide15.xml><?xml version="1.0" encoding="utf-8"?>
+<file path=ppt/slides/slide17.xml><?xml version="1.0" encoding="utf-8"?>
 <p:sld xmlns:a="http://schemas.openxmlformats.org/drawingml/2006/main" xmlns:r="http://schemas.openxmlformats.org/officeDocument/2006/relationships" xmlns:p="http://schemas.openxmlformats.org/presentationml/2006/main">
   <p:cSld>
     <p:spTree>
@@ -4353,7 +5424,7 @@
         <p:spPr>
           <a:xfrm>
             <a:off x="604344" y="1339746"/>
-            <a:ext cx="4806555" cy="5178500"/>
+            <a:ext cx="5121751" cy="5178500"/>
           </a:xfrm>
           <a:prstGeom prst="rect">
             <a:avLst/>
@@ -4558,7 +5629,41 @@
             </a:lvl9pPr>
           </a:lstStyle>
           <a:p>
-            <a:pPr marL="0" lvl="0" indent="0">
+            <a:pPr>
+              <a:spcAft>
+                <a:spcPts val="600"/>
+              </a:spcAft>
+              <a:buFont typeface="+mj-lt"/>
+              <a:buAutoNum type="arabicPeriod"/>
+              <a:defRPr/>
+            </a:pPr>
+            <a:r>
+              <a:rPr lang="en-US" sz="1100" dirty="0">
+                <a:latin typeface="Segoe UI" panose="020B0502040204020203" pitchFamily="34" charset="0"/>
+                <a:cs typeface="Segoe UI" panose="020B0502040204020203" pitchFamily="34" charset="0"/>
+              </a:rPr>
+              <a:t>High-level modules should not depend on low level modules and vice versa, both should depend upon abstraction.</a:t>
+            </a:r>
+          </a:p>
+          <a:p>
+            <a:pPr>
+              <a:spcAft>
+                <a:spcPts val="600"/>
+              </a:spcAft>
+              <a:buFont typeface="+mj-lt"/>
+              <a:buAutoNum type="arabicPeriod"/>
+              <a:defRPr/>
+            </a:pPr>
+            <a:r>
+              <a:rPr lang="en-US" sz="1100" dirty="0">
+                <a:latin typeface="Segoe UI" panose="020B0502040204020203" pitchFamily="34" charset="0"/>
+                <a:cs typeface="Segoe UI" panose="020B0502040204020203" pitchFamily="34" charset="0"/>
+              </a:rPr>
+              <a:t>Abstractions should not depend upon details. Details should depend upon abstractions.</a:t>
+            </a:r>
+          </a:p>
+          <a:p>
+            <a:pPr marL="0" indent="0">
               <a:spcAft>
                 <a:spcPts val="600"/>
               </a:spcAft>
@@ -4567,14 +5672,34 @@
             </a:pPr>
             <a:r>
               <a:rPr lang="en-US" sz="1100" dirty="0">
+                <a:solidFill>
+                  <a:schemeClr val="accent4"/>
+                </a:solidFill>
                 <a:latin typeface="Segoe UI" panose="020B0502040204020203" pitchFamily="34" charset="0"/>
                 <a:cs typeface="Segoe UI" panose="020B0502040204020203" pitchFamily="34" charset="0"/>
               </a:rPr>
-              <a:t>High-level modules should not depend on low level modules and vice versa, both should depend upon abstraction.</a:t>
-            </a:r>
-          </a:p>
-          <a:p>
-            <a:pPr marL="0" lvl="0" indent="0">
+              <a:t>Low-level : </a:t>
+            </a:r>
+            <a:r>
+              <a:rPr lang="en-US" sz="1100" dirty="0">
+                <a:solidFill>
+                  <a:schemeClr val="tx2"/>
+                </a:solidFill>
+                <a:latin typeface="Segoe UI" panose="020B0502040204020203" pitchFamily="34" charset="0"/>
+                <a:cs typeface="Segoe UI" panose="020B0502040204020203" pitchFamily="34" charset="0"/>
+              </a:rPr>
+              <a:t>It</a:t>
+            </a:r>
+            <a:r>
+              <a:rPr lang="en-US" sz="1100" dirty="0">
+                <a:latin typeface="Segoe UI" panose="020B0502040204020203" pitchFamily="34" charset="0"/>
+                <a:cs typeface="Segoe UI" panose="020B0502040204020203" pitchFamily="34" charset="0"/>
+              </a:rPr>
+              <a:t> contains the details.</a:t>
+            </a:r>
+          </a:p>
+          <a:p>
+            <a:pPr marL="0" indent="0">
               <a:spcAft>
                 <a:spcPts val="600"/>
               </a:spcAft>
@@ -4583,14 +5708,27 @@
             </a:pPr>
             <a:r>
               <a:rPr lang="en-US" sz="1100" dirty="0">
+                <a:solidFill>
+                  <a:schemeClr val="accent4"/>
+                </a:solidFill>
                 <a:latin typeface="Segoe UI" panose="020B0502040204020203" pitchFamily="34" charset="0"/>
                 <a:cs typeface="Segoe UI" panose="020B0502040204020203" pitchFamily="34" charset="0"/>
               </a:rPr>
-              <a:t>No tight coupling should be among components (Viz. modules, classes) of software and to avoid that, they should depend on abstraction.</a:t>
-            </a:r>
-          </a:p>
-          <a:p>
-            <a:pPr marL="0" lvl="0" indent="0">
+              <a:t>Hight-Level: </a:t>
+            </a:r>
+            <a:r>
+              <a:rPr lang="en-US" sz="1100" dirty="0">
+                <a:solidFill>
+                  <a:schemeClr val="tx1"/>
+                </a:solidFill>
+                <a:latin typeface="Segoe UI" panose="020B0502040204020203" pitchFamily="34" charset="0"/>
+                <a:cs typeface="Segoe UI" panose="020B0502040204020203" pitchFamily="34" charset="0"/>
+              </a:rPr>
+              <a:t>The code is dealing with policies, business rules and the bigger picture.</a:t>
+            </a:r>
+          </a:p>
+          <a:p>
+            <a:pPr marL="0" indent="0">
               <a:spcAft>
                 <a:spcPts val="600"/>
               </a:spcAft>
@@ -4599,6 +5737,41 @@
             </a:pPr>
             <a:r>
               <a:rPr lang="en-US" sz="1100" dirty="0">
+                <a:latin typeface="Segoe UI" panose="020B0502040204020203" pitchFamily="34" charset="0"/>
+                <a:cs typeface="Segoe UI" panose="020B0502040204020203" pitchFamily="34" charset="0"/>
+              </a:rPr>
+              <a:t>Change in a low-level module, we want to prevent that we also need to make changes a high-level module</a:t>
+            </a:r>
+          </a:p>
+          <a:p>
+            <a:pPr marL="0" lvl="0" indent="0">
+              <a:spcAft>
+                <a:spcPts val="600"/>
+              </a:spcAft>
+              <a:buNone/>
+              <a:defRPr/>
+            </a:pPr>
+            <a:r>
+              <a:rPr lang="en-US" sz="1100" dirty="0">
+                <a:latin typeface="Segoe UI" panose="020B0502040204020203" pitchFamily="34" charset="0"/>
+                <a:cs typeface="Segoe UI" panose="020B0502040204020203" pitchFamily="34" charset="0"/>
+              </a:rPr>
+              <a:t>No tight coupling should be among components (Viz. modules, classes) of software and to avoid that, they should depend on abstraction.</a:t>
+            </a:r>
+          </a:p>
+          <a:p>
+            <a:pPr marL="0" lvl="0" indent="0">
+              <a:spcAft>
+                <a:spcPts val="600"/>
+              </a:spcAft>
+              <a:buNone/>
+              <a:defRPr/>
+            </a:pPr>
+            <a:r>
+              <a:rPr lang="en-US" sz="1100" dirty="0">
+                <a:solidFill>
+                  <a:schemeClr val="accent4"/>
+                </a:solidFill>
                 <a:latin typeface="Segoe UI" panose="020B0502040204020203" pitchFamily="34" charset="0"/>
                 <a:cs typeface="Segoe UI" panose="020B0502040204020203" pitchFamily="34" charset="0"/>
               </a:rPr>
@@ -4639,10 +5812,10 @@
       </p:sp>
       <p:pic>
         <p:nvPicPr>
-          <p:cNvPr id="5" name="Picture 2" descr="Different Port">
+          <p:cNvPr id="4098" name="Picture 2" descr="Why The Dependency Inversion Principle Is Worth Using - DEV Community">
             <a:extLst>
               <a:ext uri="{FF2B5EF4-FFF2-40B4-BE49-F238E27FC236}">
-                <a16:creationId xmlns:a16="http://schemas.microsoft.com/office/drawing/2014/main" id="{79AE90CE-C3B9-6BB1-AF76-8A48BC2711DA}"/>
+                <a16:creationId xmlns:a16="http://schemas.microsoft.com/office/drawing/2014/main" id="{BE3FE7E9-02CB-4C5D-D3C3-A36FB7D454CD}"/>
               </a:ext>
             </a:extLst>
           </p:cNvPr>
@@ -4666,8 +5839,8 @@
         </p:blipFill>
         <p:spPr bwMode="auto">
           <a:xfrm>
-            <a:off x="5410899" y="2444726"/>
-            <a:ext cx="3102385" cy="3235344"/>
+            <a:off x="5726095" y="1339746"/>
+            <a:ext cx="6025719" cy="2229077"/>
           </a:xfrm>
           <a:prstGeom prst="rect">
             <a:avLst/>
@@ -4686,10 +5859,10 @@
       </p:pic>
       <p:pic>
         <p:nvPicPr>
-          <p:cNvPr id="6" name="Picture 4" descr="USB port">
+          <p:cNvPr id="8" name="Picture 2" descr="Different Port">
             <a:extLst>
               <a:ext uri="{FF2B5EF4-FFF2-40B4-BE49-F238E27FC236}">
-                <a16:creationId xmlns:a16="http://schemas.microsoft.com/office/drawing/2014/main" id="{206357AE-44FA-D995-DEFD-661F36724E54}"/>
+                <a16:creationId xmlns:a16="http://schemas.microsoft.com/office/drawing/2014/main" id="{CD88C841-84E2-348D-D657-28D1F5AA7C49}"/>
               </a:ext>
             </a:extLst>
           </p:cNvPr>
@@ -4713,8 +5886,55 @@
         </p:blipFill>
         <p:spPr bwMode="auto">
           <a:xfrm>
-            <a:off x="8833607" y="2444727"/>
-            <a:ext cx="3102385" cy="3309212"/>
+            <a:off x="6169980" y="4082362"/>
+            <a:ext cx="2707689" cy="2508956"/>
+          </a:xfrm>
+          <a:prstGeom prst="rect">
+            <a:avLst/>
+          </a:prstGeom>
+          <a:noFill/>
+          <a:extLst>
+            <a:ext uri="{909E8E84-426E-40DD-AFC4-6F175D3DCCD1}">
+              <a14:hiddenFill xmlns:a14="http://schemas.microsoft.com/office/drawing/2010/main">
+                <a:solidFill>
+                  <a:srgbClr val="FFFFFF"/>
+                </a:solidFill>
+              </a14:hiddenFill>
+            </a:ext>
+          </a:extLst>
+        </p:spPr>
+      </p:pic>
+      <p:pic>
+        <p:nvPicPr>
+          <p:cNvPr id="9" name="Picture 4" descr="USB port">
+            <a:extLst>
+              <a:ext uri="{FF2B5EF4-FFF2-40B4-BE49-F238E27FC236}">
+                <a16:creationId xmlns:a16="http://schemas.microsoft.com/office/drawing/2014/main" id="{E879DF69-EA7D-0BFD-5760-3D2FD963FA82}"/>
+              </a:ext>
+            </a:extLst>
+          </p:cNvPr>
+          <p:cNvPicPr>
+            <a:picLocks noChangeAspect="1" noChangeArrowheads="1"/>
+          </p:cNvPicPr>
+          <p:nvPr/>
+        </p:nvPicPr>
+        <p:blipFill>
+          <a:blip r:embed="rId4">
+            <a:extLst>
+              <a:ext uri="{28A0092B-C50C-407E-A947-70E740481C1C}">
+                <a14:useLocalDpi xmlns:a14="http://schemas.microsoft.com/office/drawing/2010/main" val="0"/>
+              </a:ext>
+            </a:extLst>
+          </a:blip>
+          <a:srcRect/>
+          <a:stretch>
+            <a:fillRect/>
+          </a:stretch>
+        </p:blipFill>
+        <p:spPr bwMode="auto">
+          <a:xfrm>
+            <a:off x="9197266" y="4052170"/>
+            <a:ext cx="2266674" cy="2417786"/>
           </a:xfrm>
           <a:prstGeom prst="rect">
             <a:avLst/>
@@ -4744,7 +5964,7 @@
 </p:sld>
 </file>
 
-<file path=ppt/slides/slide16.xml><?xml version="1.0" encoding="utf-8"?>
+<file path=ppt/slides/slide18.xml><?xml version="1.0" encoding="utf-8"?>
 <p:sld xmlns:a="http://schemas.openxmlformats.org/drawingml/2006/main" xmlns:r="http://schemas.openxmlformats.org/officeDocument/2006/relationships" xmlns:p="http://schemas.openxmlformats.org/presentationml/2006/main">
   <p:cSld>
     <p:spTree>
@@ -4794,8 +6014,8 @@
         </p:nvSpPr>
         <p:spPr>
           <a:xfrm rot="21077122">
-            <a:off x="2135843" y="1803436"/>
-            <a:ext cx="1746387" cy="435610"/>
+            <a:off x="2017307" y="1442295"/>
+            <a:ext cx="1746387" cy="959574"/>
           </a:xfrm>
           <a:prstGeom prst="rect">
             <a:avLst/>
@@ -4807,7 +6027,7 @@
           <a:effectLst/>
           <a:extLst>
             <a:ext uri="{C572A759-6A51-4108-AA02-DFA0A04FC94B}">
-              <ma14:wrappingTextBoxFlag xmlns="" xmlns:ma14="http://schemas.microsoft.com/office/mac/drawingml/2011/main"/>
+              <ma14:wrappingTextBoxFlag xmlns:ma14="http://schemas.microsoft.com/office/mac/drawingml/2011/main" xmlns=""/>
             </a:ext>
           </a:extLst>
         </p:spPr>
@@ -4840,7 +6060,173 @@
                 <a:ea typeface="SimHei" panose="02010609060101010101" pitchFamily="49" charset="-122"/>
                 <a:cs typeface="Times New Roman" panose="02020603050405020304" pitchFamily="18" charset="0"/>
               </a:rPr>
-              <a:t>It should be last one</a:t>
+              <a:t>Yeh </a:t>
+            </a:r>
+            <a:r>
+              <a:rPr lang="en-US" sz="1200" b="1" kern="1000" spc="100" dirty="0" err="1">
+                <a:solidFill>
+                  <a:srgbClr val="D24726"/>
+                </a:solidFill>
+                <a:latin typeface="Segoe UI Semibold" panose="020B0702040204020203" pitchFamily="34" charset="0"/>
+                <a:ea typeface="SimHei" panose="02010609060101010101" pitchFamily="49" charset="-122"/>
+                <a:cs typeface="Times New Roman" panose="02020603050405020304" pitchFamily="18" charset="0"/>
+              </a:rPr>
+              <a:t>kya</a:t>
+            </a:r>
+            <a:r>
+              <a:rPr lang="en-US" sz="1200" b="1" kern="1000" spc="100" dirty="0">
+                <a:solidFill>
+                  <a:srgbClr val="D24726"/>
+                </a:solidFill>
+                <a:latin typeface="Segoe UI Semibold" panose="020B0702040204020203" pitchFamily="34" charset="0"/>
+                <a:ea typeface="SimHei" panose="02010609060101010101" pitchFamily="49" charset="-122"/>
+                <a:cs typeface="Times New Roman" panose="02020603050405020304" pitchFamily="18" charset="0"/>
+              </a:rPr>
+              <a:t> </a:t>
+            </a:r>
+            <a:r>
+              <a:rPr lang="en-US" sz="1200" b="1" kern="1000" spc="100" dirty="0" err="1">
+                <a:solidFill>
+                  <a:srgbClr val="D24726"/>
+                </a:solidFill>
+                <a:latin typeface="Segoe UI Semibold" panose="020B0702040204020203" pitchFamily="34" charset="0"/>
+                <a:ea typeface="SimHei" panose="02010609060101010101" pitchFamily="49" charset="-122"/>
+                <a:cs typeface="Times New Roman" panose="02020603050405020304" pitchFamily="18" charset="0"/>
+              </a:rPr>
+              <a:t>bol</a:t>
+            </a:r>
+            <a:r>
+              <a:rPr lang="en-US" sz="1200" b="1" kern="1000" spc="100" dirty="0">
+                <a:solidFill>
+                  <a:srgbClr val="D24726"/>
+                </a:solidFill>
+                <a:latin typeface="Segoe UI Semibold" panose="020B0702040204020203" pitchFamily="34" charset="0"/>
+                <a:ea typeface="SimHei" panose="02010609060101010101" pitchFamily="49" charset="-122"/>
+                <a:cs typeface="Times New Roman" panose="02020603050405020304" pitchFamily="18" charset="0"/>
+              </a:rPr>
+              <a:t> </a:t>
+            </a:r>
+            <a:r>
+              <a:rPr lang="en-US" sz="1200" b="1" kern="1000" spc="100" dirty="0" err="1">
+                <a:solidFill>
+                  <a:srgbClr val="D24726"/>
+                </a:solidFill>
+                <a:latin typeface="Segoe UI Semibold" panose="020B0702040204020203" pitchFamily="34" charset="0"/>
+                <a:ea typeface="SimHei" panose="02010609060101010101" pitchFamily="49" charset="-122"/>
+                <a:cs typeface="Times New Roman" panose="02020603050405020304" pitchFamily="18" charset="0"/>
+              </a:rPr>
+              <a:t>raha</a:t>
+            </a:r>
+            <a:r>
+              <a:rPr lang="en-US" sz="1200" b="1" kern="1000" spc="100" dirty="0">
+                <a:solidFill>
+                  <a:srgbClr val="D24726"/>
+                </a:solidFill>
+                <a:latin typeface="Segoe UI Semibold" panose="020B0702040204020203" pitchFamily="34" charset="0"/>
+                <a:ea typeface="SimHei" panose="02010609060101010101" pitchFamily="49" charset="-122"/>
+                <a:cs typeface="Times New Roman" panose="02020603050405020304" pitchFamily="18" charset="0"/>
+              </a:rPr>
+              <a:t> he?</a:t>
+            </a:r>
+          </a:p>
+          <a:p>
+            <a:pPr marL="0" marR="0" algn="ctr">
+              <a:spcBef>
+                <a:spcPts val="0"/>
+              </a:spcBef>
+              <a:spcAft>
+                <a:spcPts val="200"/>
+              </a:spcAft>
+              <a:tabLst>
+                <a:tab pos="4931410" algn="l"/>
+              </a:tabLst>
+            </a:pPr>
+            <a:endParaRPr lang="en-US" sz="1200" b="1" kern="1000" spc="100" dirty="0">
+              <a:solidFill>
+                <a:srgbClr val="D24726"/>
+              </a:solidFill>
+              <a:latin typeface="Segoe UI Semibold" panose="020B0702040204020203" pitchFamily="34" charset="0"/>
+              <a:ea typeface="SimHei" panose="02010609060101010101" pitchFamily="49" charset="-122"/>
+              <a:cs typeface="Times New Roman" panose="02020603050405020304" pitchFamily="18" charset="0"/>
+            </a:endParaRPr>
+          </a:p>
+          <a:p>
+            <a:pPr marL="0" marR="0" algn="ctr">
+              <a:spcBef>
+                <a:spcPts val="0"/>
+              </a:spcBef>
+              <a:spcAft>
+                <a:spcPts val="200"/>
+              </a:spcAft>
+              <a:tabLst>
+                <a:tab pos="4931410" algn="l"/>
+              </a:tabLst>
+            </a:pPr>
+            <a:r>
+              <a:rPr lang="en-US" sz="1200" b="1" kern="1000" spc="100" dirty="0" err="1">
+                <a:solidFill>
+                  <a:srgbClr val="D24726"/>
+                </a:solidFill>
+                <a:latin typeface="Segoe UI Semibold" panose="020B0702040204020203" pitchFamily="34" charset="0"/>
+                <a:ea typeface="SimHei" panose="02010609060101010101" pitchFamily="49" charset="-122"/>
+                <a:cs typeface="Times New Roman" panose="02020603050405020304" pitchFamily="18" charset="0"/>
+              </a:rPr>
+              <a:t>Kab</a:t>
+            </a:r>
+            <a:r>
+              <a:rPr lang="en-US" sz="1200" b="1" kern="1000" spc="100" dirty="0">
+                <a:solidFill>
+                  <a:srgbClr val="D24726"/>
+                </a:solidFill>
+                <a:latin typeface="Segoe UI Semibold" panose="020B0702040204020203" pitchFamily="34" charset="0"/>
+                <a:ea typeface="SimHei" panose="02010609060101010101" pitchFamily="49" charset="-122"/>
+                <a:cs typeface="Times New Roman" panose="02020603050405020304" pitchFamily="18" charset="0"/>
+              </a:rPr>
+              <a:t> </a:t>
+            </a:r>
+            <a:r>
+              <a:rPr lang="en-US" sz="1200" b="1" kern="1000" spc="100" dirty="0" err="1">
+                <a:solidFill>
+                  <a:srgbClr val="D24726"/>
+                </a:solidFill>
+                <a:latin typeface="Segoe UI Semibold" panose="020B0702040204020203" pitchFamily="34" charset="0"/>
+                <a:ea typeface="SimHei" panose="02010609060101010101" pitchFamily="49" charset="-122"/>
+                <a:cs typeface="Times New Roman" panose="02020603050405020304" pitchFamily="18" charset="0"/>
+              </a:rPr>
+              <a:t>tak</a:t>
+            </a:r>
+            <a:r>
+              <a:rPr lang="en-US" sz="1200" b="1" kern="1000" spc="100" dirty="0">
+                <a:solidFill>
+                  <a:srgbClr val="D24726"/>
+                </a:solidFill>
+                <a:latin typeface="Segoe UI Semibold" panose="020B0702040204020203" pitchFamily="34" charset="0"/>
+                <a:ea typeface="SimHei" panose="02010609060101010101" pitchFamily="49" charset="-122"/>
+                <a:cs typeface="Times New Roman" panose="02020603050405020304" pitchFamily="18" charset="0"/>
+              </a:rPr>
+              <a:t> </a:t>
+            </a:r>
+            <a:r>
+              <a:rPr lang="en-US" sz="1200" b="1" kern="1000" spc="100" dirty="0" err="1">
+                <a:solidFill>
+                  <a:srgbClr val="D24726"/>
+                </a:solidFill>
+                <a:latin typeface="Segoe UI Semibold" panose="020B0702040204020203" pitchFamily="34" charset="0"/>
+                <a:ea typeface="SimHei" panose="02010609060101010101" pitchFamily="49" charset="-122"/>
+                <a:cs typeface="Times New Roman" panose="02020603050405020304" pitchFamily="18" charset="0"/>
+              </a:rPr>
+              <a:t>chalega</a:t>
+            </a:r>
+            <a:r>
+              <a:rPr lang="en-US" sz="1200" b="1" kern="1000" spc="100" dirty="0">
+                <a:solidFill>
+                  <a:srgbClr val="D24726"/>
+                </a:solidFill>
+                <a:latin typeface="Segoe UI Semibold" panose="020B0702040204020203" pitchFamily="34" charset="0"/>
+                <a:ea typeface="SimHei" panose="02010609060101010101" pitchFamily="49" charset="-122"/>
+                <a:cs typeface="Times New Roman" panose="02020603050405020304" pitchFamily="18" charset="0"/>
+              </a:rPr>
+              <a:t>?</a:t>
             </a:r>
             <a:endParaRPr lang="en-US" sz="1200" b="1" kern="1400" dirty="0">
               <a:solidFill>
@@ -4933,7 +6319,7 @@
 </p:sld>
 </file>
 
-<file path=ppt/slides/slide17.xml><?xml version="1.0" encoding="utf-8"?>
+<file path=ppt/slides/slide19.xml><?xml version="1.0" encoding="utf-8"?>
 <p:sld xmlns:a="http://schemas.openxmlformats.org/drawingml/2006/main" xmlns:r="http://schemas.openxmlformats.org/officeDocument/2006/relationships" xmlns:p="http://schemas.openxmlformats.org/presentationml/2006/main">
   <p:cSld>
     <p:spTree>
@@ -4952,7 +6338,7 @@
       </p:grpSpPr>
       <p:sp>
         <p:nvSpPr>
-          <p:cNvPr id="10" name="Title 9"/>
+          <p:cNvPr id="3" name="Title 2"/>
           <p:cNvSpPr>
             <a:spLocks noGrp="1"/>
           </p:cNvSpPr>
@@ -4962,127 +6348,372 @@
         </p:nvSpPr>
         <p:spPr/>
         <p:txBody>
-          <a:bodyPr>
-            <a:normAutofit/>
-          </a:bodyPr>
+          <a:bodyPr/>
           <a:lstStyle/>
           <a:p>
             <a:r>
-              <a:rPr lang="en-US" dirty="0">
-                <a:latin typeface="Segoe UI Light" panose="020B0502040204020203" pitchFamily="34" charset="0"/>
-                <a:cs typeface="Segoe UI Light" panose="020B0502040204020203" pitchFamily="34" charset="0"/>
-              </a:rPr>
-              <a:t>Any Questions?</a:t>
+              <a:rPr lang="en-US" dirty="0"/>
+              <a:t>DEPENDENCY INJECTION</a:t>
             </a:r>
           </a:p>
         </p:txBody>
       </p:sp>
       <p:sp>
         <p:nvSpPr>
-          <p:cNvPr id="5" name="Content Placeholder 4"/>
-          <p:cNvSpPr>
-            <a:spLocks noGrp="1"/>
+          <p:cNvPr id="8" name="Content Placeholder 17">
+            <a:extLst>
+              <a:ext uri="{FF2B5EF4-FFF2-40B4-BE49-F238E27FC236}">
+                <a16:creationId xmlns:a16="http://schemas.microsoft.com/office/drawing/2014/main" id="{1F093688-A3DE-DD89-3E93-93F8C8A28A12}"/>
+              </a:ext>
+            </a:extLst>
+          </p:cNvPr>
+          <p:cNvSpPr txBox="1">
+            <a:spLocks/>
           </p:cNvSpPr>
-          <p:nvPr>
-            <p:ph sz="half" idx="4294967295"/>
-          </p:nvPr>
+          <p:nvPr/>
         </p:nvSpPr>
         <p:spPr>
           <a:xfrm>
-            <a:off x="541611" y="2614427"/>
-            <a:ext cx="9442648" cy="3978275"/>
+            <a:off x="604345" y="1339746"/>
+            <a:ext cx="4615726" cy="5178500"/>
           </a:xfrm>
+          <a:prstGeom prst="rect">
+            <a:avLst/>
+          </a:prstGeom>
         </p:spPr>
         <p:txBody>
-          <a:bodyPr>
+          <a:bodyPr vert="horz" lIns="91440" tIns="45720" rIns="91440" bIns="45720" rtlCol="0">
             <a:normAutofit/>
           </a:bodyPr>
-          <a:lstStyle/>
+          <a:lstStyle>
+            <a:lvl1pPr marL="228600" indent="-228600" algn="l" defTabSz="914400" rtl="0" eaLnBrk="1" latinLnBrk="0" hangingPunct="1">
+              <a:lnSpc>
+                <a:spcPts val="1800"/>
+              </a:lnSpc>
+              <a:spcBef>
+                <a:spcPts val="1000"/>
+              </a:spcBef>
+              <a:spcAft>
+                <a:spcPts val="1000"/>
+              </a:spcAft>
+              <a:buFont typeface="Arial" panose="020B0604020202020204" pitchFamily="34" charset="0"/>
+              <a:buChar char="•"/>
+              <a:defRPr lang="en-US" sz="1200" kern="1200" smtClean="0">
+                <a:solidFill>
+                  <a:schemeClr val="tx1">
+                    <a:lumMod val="75000"/>
+                    <a:lumOff val="25000"/>
+                  </a:schemeClr>
+                </a:solidFill>
+                <a:latin typeface="+mn-lt"/>
+                <a:ea typeface="+mn-ea"/>
+                <a:cs typeface="+mn-cs"/>
+              </a:defRPr>
+            </a:lvl1pPr>
+            <a:lvl2pPr marL="685800" indent="-228600" algn="l" defTabSz="914400" rtl="0" eaLnBrk="1" latinLnBrk="0" hangingPunct="1">
+              <a:lnSpc>
+                <a:spcPts val="1800"/>
+              </a:lnSpc>
+              <a:spcBef>
+                <a:spcPts val="1000"/>
+              </a:spcBef>
+              <a:spcAft>
+                <a:spcPts val="1000"/>
+              </a:spcAft>
+              <a:buFont typeface="Arial" panose="020B0604020202020204" pitchFamily="34" charset="0"/>
+              <a:buChar char="•"/>
+              <a:defRPr lang="en-US" sz="1200" kern="1200" smtClean="0">
+                <a:solidFill>
+                  <a:schemeClr val="tx1">
+                    <a:lumMod val="75000"/>
+                    <a:lumOff val="25000"/>
+                  </a:schemeClr>
+                </a:solidFill>
+                <a:latin typeface="+mn-lt"/>
+                <a:ea typeface="+mn-ea"/>
+                <a:cs typeface="+mn-cs"/>
+              </a:defRPr>
+            </a:lvl2pPr>
+            <a:lvl3pPr marL="1143000" indent="-228600" algn="l" defTabSz="914400" rtl="0" eaLnBrk="1" latinLnBrk="0" hangingPunct="1">
+              <a:lnSpc>
+                <a:spcPts val="1800"/>
+              </a:lnSpc>
+              <a:spcBef>
+                <a:spcPts val="1000"/>
+              </a:spcBef>
+              <a:spcAft>
+                <a:spcPts val="1000"/>
+              </a:spcAft>
+              <a:buFont typeface="Arial" panose="020B0604020202020204" pitchFamily="34" charset="0"/>
+              <a:buChar char="•"/>
+              <a:defRPr lang="en-US" sz="1200" kern="1200" smtClean="0">
+                <a:solidFill>
+                  <a:schemeClr val="tx1">
+                    <a:lumMod val="75000"/>
+                    <a:lumOff val="25000"/>
+                  </a:schemeClr>
+                </a:solidFill>
+                <a:latin typeface="+mn-lt"/>
+                <a:ea typeface="+mn-ea"/>
+                <a:cs typeface="+mn-cs"/>
+              </a:defRPr>
+            </a:lvl3pPr>
+            <a:lvl4pPr marL="1600200" indent="-228600" algn="l" defTabSz="914400" rtl="0" eaLnBrk="1" latinLnBrk="0" hangingPunct="1">
+              <a:lnSpc>
+                <a:spcPts val="1800"/>
+              </a:lnSpc>
+              <a:spcBef>
+                <a:spcPts val="1000"/>
+              </a:spcBef>
+              <a:spcAft>
+                <a:spcPts val="1000"/>
+              </a:spcAft>
+              <a:buFont typeface="Arial" panose="020B0604020202020204" pitchFamily="34" charset="0"/>
+              <a:buChar char="•"/>
+              <a:defRPr lang="en-US" sz="1200" kern="1200" smtClean="0">
+                <a:solidFill>
+                  <a:schemeClr val="tx1">
+                    <a:lumMod val="75000"/>
+                    <a:lumOff val="25000"/>
+                  </a:schemeClr>
+                </a:solidFill>
+                <a:latin typeface="+mn-lt"/>
+                <a:ea typeface="+mn-ea"/>
+                <a:cs typeface="+mn-cs"/>
+              </a:defRPr>
+            </a:lvl4pPr>
+            <a:lvl5pPr marL="2057400" indent="-228600" algn="l" defTabSz="914400" rtl="0" eaLnBrk="1" latinLnBrk="0" hangingPunct="1">
+              <a:lnSpc>
+                <a:spcPts val="1800"/>
+              </a:lnSpc>
+              <a:spcBef>
+                <a:spcPts val="1000"/>
+              </a:spcBef>
+              <a:spcAft>
+                <a:spcPts val="1000"/>
+              </a:spcAft>
+              <a:buFont typeface="Arial" panose="020B0604020202020204" pitchFamily="34" charset="0"/>
+              <a:buChar char="•"/>
+              <a:defRPr lang="en-US" sz="1200" kern="1200">
+                <a:solidFill>
+                  <a:schemeClr val="tx1">
+                    <a:lumMod val="75000"/>
+                    <a:lumOff val="25000"/>
+                  </a:schemeClr>
+                </a:solidFill>
+                <a:latin typeface="+mn-lt"/>
+                <a:ea typeface="+mn-ea"/>
+                <a:cs typeface="+mn-cs"/>
+              </a:defRPr>
+            </a:lvl5pPr>
+            <a:lvl6pPr marL="2514600" indent="-228600" algn="l" defTabSz="914400" rtl="0" eaLnBrk="1" latinLnBrk="0" hangingPunct="1">
+              <a:lnSpc>
+                <a:spcPct val="90000"/>
+              </a:lnSpc>
+              <a:spcBef>
+                <a:spcPct val="30000"/>
+              </a:spcBef>
+              <a:buFont typeface="Arial" panose="020B0604020202020204" pitchFamily="34" charset="0"/>
+              <a:buChar char="•"/>
+              <a:defRPr sz="1800" kern="1200">
+                <a:solidFill>
+                  <a:schemeClr val="tx1"/>
+                </a:solidFill>
+                <a:latin typeface="+mn-lt"/>
+                <a:ea typeface="+mn-ea"/>
+                <a:cs typeface="+mn-cs"/>
+              </a:defRPr>
+            </a:lvl6pPr>
+            <a:lvl7pPr marL="2971800" indent="-228600" algn="l" defTabSz="914400" rtl="0" eaLnBrk="1" latinLnBrk="0" hangingPunct="1">
+              <a:lnSpc>
+                <a:spcPct val="90000"/>
+              </a:lnSpc>
+              <a:spcBef>
+                <a:spcPct val="30000"/>
+              </a:spcBef>
+              <a:buFont typeface="Arial" panose="020B0604020202020204" pitchFamily="34" charset="0"/>
+              <a:buChar char="•"/>
+              <a:defRPr sz="1800" kern="1200">
+                <a:solidFill>
+                  <a:schemeClr val="tx1"/>
+                </a:solidFill>
+                <a:latin typeface="+mn-lt"/>
+                <a:ea typeface="+mn-ea"/>
+                <a:cs typeface="+mn-cs"/>
+              </a:defRPr>
+            </a:lvl7pPr>
+            <a:lvl8pPr marL="3429000" indent="-228600" algn="l" defTabSz="914400" rtl="0" eaLnBrk="1" latinLnBrk="0" hangingPunct="1">
+              <a:lnSpc>
+                <a:spcPct val="90000"/>
+              </a:lnSpc>
+              <a:spcBef>
+                <a:spcPct val="30000"/>
+              </a:spcBef>
+              <a:buFont typeface="Arial" panose="020B0604020202020204" pitchFamily="34" charset="0"/>
+              <a:buChar char="•"/>
+              <a:defRPr sz="1800" kern="1200">
+                <a:solidFill>
+                  <a:schemeClr val="tx1"/>
+                </a:solidFill>
+                <a:latin typeface="+mn-lt"/>
+                <a:ea typeface="+mn-ea"/>
+                <a:cs typeface="+mn-cs"/>
+              </a:defRPr>
+            </a:lvl8pPr>
+            <a:lvl9pPr marL="3886200" indent="-228600" algn="l" defTabSz="914400" rtl="0" eaLnBrk="1" latinLnBrk="0" hangingPunct="1">
+              <a:lnSpc>
+                <a:spcPct val="90000"/>
+              </a:lnSpc>
+              <a:spcBef>
+                <a:spcPct val="30000"/>
+              </a:spcBef>
+              <a:buFont typeface="Arial" panose="020B0604020202020204" pitchFamily="34" charset="0"/>
+              <a:buChar char="•"/>
+              <a:defRPr sz="1800" kern="1200">
+                <a:solidFill>
+                  <a:schemeClr val="tx1"/>
+                </a:solidFill>
+                <a:latin typeface="+mn-lt"/>
+                <a:ea typeface="+mn-ea"/>
+                <a:cs typeface="+mn-cs"/>
+              </a:defRPr>
+            </a:lvl9pPr>
+          </a:lstStyle>
           <a:p>
             <a:pPr marL="0" indent="0">
-              <a:lnSpc>
-                <a:spcPts val="3600"/>
-              </a:lnSpc>
-              <a:spcAft>
-                <a:spcPts val="0"/>
+              <a:spcAft>
+                <a:spcPts val="600"/>
               </a:spcAft>
               <a:buNone/>
+              <a:defRPr/>
             </a:pPr>
             <a:r>
-              <a:rPr lang="en-US" sz="2000" u="sng" dirty="0" err="1">
-                <a:latin typeface="Segoe UI Light" panose="020B0502040204020203" pitchFamily="34" charset="0"/>
-                <a:cs typeface="Segoe UI Light" panose="020B0502040204020203" pitchFamily="34" charset="0"/>
-                <a:hlinkClick r:id="rId3"/>
-              </a:rPr>
-              <a:t>Github</a:t>
-            </a:r>
-            <a:r>
-              <a:rPr lang="en-US" sz="2000" u="sng" dirty="0">
-                <a:latin typeface="Segoe UI Light" panose="020B0502040204020203" pitchFamily="34" charset="0"/>
-                <a:cs typeface="Segoe UI Light" panose="020B0502040204020203" pitchFamily="34" charset="0"/>
-                <a:hlinkClick r:id="rId3"/>
-              </a:rPr>
-              <a:t> Code Link</a:t>
-            </a:r>
-            <a:endParaRPr lang="en-US" sz="2000" dirty="0">
-              <a:latin typeface="Segoe UI Light" panose="020B0502040204020203" pitchFamily="34" charset="0"/>
-              <a:cs typeface="Segoe UI Light" panose="020B0502040204020203" pitchFamily="34" charset="0"/>
+              <a:rPr lang="en-US" sz="1100" dirty="0">
+                <a:solidFill>
+                  <a:schemeClr val="tx1"/>
+                </a:solidFill>
+                <a:latin typeface="Segoe UI" panose="020B0502040204020203" pitchFamily="34" charset="0"/>
+                <a:cs typeface="Segoe UI" panose="020B0502040204020203" pitchFamily="34" charset="0"/>
+              </a:rPr>
+              <a:t>It is a pattern of injecting a class’s dependencies into it at runtime.</a:t>
+            </a:r>
+          </a:p>
+          <a:p>
+            <a:pPr>
+              <a:spcAft>
+                <a:spcPts val="600"/>
+              </a:spcAft>
+              <a:defRPr/>
+            </a:pPr>
+            <a:r>
+              <a:rPr lang="en-US" sz="1100" dirty="0">
+                <a:solidFill>
+                  <a:schemeClr val="tx1"/>
+                </a:solidFill>
+                <a:latin typeface="Segoe UI" panose="020B0502040204020203" pitchFamily="34" charset="0"/>
+                <a:cs typeface="Segoe UI" panose="020B0502040204020203" pitchFamily="34" charset="0"/>
+              </a:rPr>
+              <a:t>Constructor Injection</a:t>
+            </a:r>
+          </a:p>
+          <a:p>
+            <a:pPr>
+              <a:spcAft>
+                <a:spcPts val="600"/>
+              </a:spcAft>
+              <a:defRPr/>
+            </a:pPr>
+            <a:r>
+              <a:rPr lang="en-US" sz="1100" dirty="0">
+                <a:solidFill>
+                  <a:schemeClr val="tx1"/>
+                </a:solidFill>
+                <a:latin typeface="Segoe UI" panose="020B0502040204020203" pitchFamily="34" charset="0"/>
+                <a:cs typeface="Segoe UI" panose="020B0502040204020203" pitchFamily="34" charset="0"/>
+              </a:rPr>
+              <a:t>Property Injection</a:t>
+            </a:r>
+          </a:p>
+          <a:p>
+            <a:pPr marL="0" indent="0">
+              <a:spcAft>
+                <a:spcPts val="600"/>
+              </a:spcAft>
+              <a:buNone/>
+              <a:defRPr/>
+            </a:pPr>
+            <a:r>
+              <a:rPr lang="en-US" sz="1100" dirty="0">
+                <a:solidFill>
+                  <a:schemeClr val="accent4"/>
+                </a:solidFill>
+                <a:latin typeface="Segoe UI" panose="020B0502040204020203" pitchFamily="34" charset="0"/>
+                <a:cs typeface="Segoe UI" panose="020B0502040204020203" pitchFamily="34" charset="0"/>
+              </a:rPr>
+              <a:t>Benefit:</a:t>
+            </a:r>
+          </a:p>
+          <a:p>
+            <a:pPr marL="0" indent="0">
+              <a:spcAft>
+                <a:spcPts val="600"/>
+              </a:spcAft>
+              <a:buNone/>
+              <a:defRPr/>
+            </a:pPr>
+            <a:r>
+              <a:rPr lang="en-US" sz="1100" dirty="0">
+                <a:solidFill>
+                  <a:schemeClr val="tx1"/>
+                </a:solidFill>
+                <a:latin typeface="Segoe UI" panose="020B0502040204020203" pitchFamily="34" charset="0"/>
+                <a:cs typeface="Segoe UI" panose="020B0502040204020203" pitchFamily="34" charset="0"/>
+              </a:rPr>
+              <a:t>This allows you to swap in different implementor without having to modify the main class.</a:t>
+            </a:r>
+          </a:p>
+          <a:p>
+            <a:pPr marL="0" indent="0">
+              <a:spcAft>
+                <a:spcPts val="600"/>
+              </a:spcAft>
+              <a:buNone/>
+              <a:defRPr/>
+            </a:pPr>
+            <a:endParaRPr lang="en-US" sz="1100" dirty="0">
+              <a:solidFill>
+                <a:schemeClr val="tx1"/>
+              </a:solidFill>
+              <a:latin typeface="Segoe UI" panose="020B0502040204020203" pitchFamily="34" charset="0"/>
+              <a:cs typeface="Segoe UI" panose="020B0502040204020203" pitchFamily="34" charset="0"/>
             </a:endParaRPr>
           </a:p>
           <a:p>
             <a:pPr marL="0" indent="0">
-              <a:lnSpc>
-                <a:spcPts val="3600"/>
-              </a:lnSpc>
-              <a:spcBef>
-                <a:spcPts val="1500"/>
-              </a:spcBef>
-              <a:spcAft>
-                <a:spcPts val="0"/>
+              <a:spcAft>
+                <a:spcPts val="600"/>
               </a:spcAft>
               <a:buNone/>
+              <a:defRPr/>
             </a:pPr>
-            <a:endParaRPr lang="en-US" sz="2000" dirty="0">
-              <a:latin typeface="Segoe UI Light" panose="020B0502040204020203" pitchFamily="34" charset="0"/>
-              <a:cs typeface="Segoe UI Light" panose="020B0502040204020203" pitchFamily="34" charset="0"/>
-            </a:endParaRPr>
-          </a:p>
-          <a:p>
-            <a:pPr marL="0" indent="0">
-              <a:lnSpc>
-                <a:spcPts val="3600"/>
-              </a:lnSpc>
-              <a:spcAft>
-                <a:spcPts val="0"/>
-              </a:spcAft>
-              <a:buNone/>
-            </a:pPr>
-            <a:endParaRPr lang="en-US" sz="2000" dirty="0">
-              <a:latin typeface="Segoe UI Light" panose="020B0502040204020203" pitchFamily="34" charset="0"/>
-              <a:cs typeface="Segoe UI Light" panose="020B0502040204020203" pitchFamily="34" charset="0"/>
-            </a:endParaRPr>
-          </a:p>
-          <a:p>
-            <a:pPr marL="0" indent="0">
-              <a:lnSpc>
-                <a:spcPts val="3600"/>
-              </a:lnSpc>
-              <a:spcAft>
-                <a:spcPts val="0"/>
-              </a:spcAft>
-              <a:buNone/>
-            </a:pPr>
-            <a:endParaRPr lang="en-US" sz="2000" dirty="0">
-              <a:latin typeface="Segoe UI Light" panose="020B0502040204020203" pitchFamily="34" charset="0"/>
-              <a:cs typeface="Segoe UI Light" panose="020B0502040204020203" pitchFamily="34" charset="0"/>
+            <a:endParaRPr lang="en-US" sz="1100" dirty="0">
+              <a:solidFill>
+                <a:schemeClr val="accent4"/>
+              </a:solidFill>
+              <a:latin typeface="Segoe UI" panose="020B0502040204020203" pitchFamily="34" charset="0"/>
+              <a:cs typeface="Segoe UI" panose="020B0502040204020203" pitchFamily="34" charset="0"/>
             </a:endParaRPr>
           </a:p>
         </p:txBody>
       </p:sp>
       <p:pic>
         <p:nvPicPr>
-          <p:cNvPr id="8" name="Picture 7" descr="Arrow pointing right with a hyperlink to the PowerPoint team blog. Select the image to visit the PowerPoint team blog ">
-            <a:hlinkClick r:id="rId3" tooltip="Select here to visit the PowerPoint team blog."/>
+          <p:cNvPr id="14" name="Picture 13">
+            <a:extLst>
+              <a:ext uri="{FF2B5EF4-FFF2-40B4-BE49-F238E27FC236}">
+                <a16:creationId xmlns:a16="http://schemas.microsoft.com/office/drawing/2014/main" id="{516E338B-8BF2-402E-0398-0A32171FF5E3}"/>
+              </a:ext>
+            </a:extLst>
           </p:cNvPr>
           <p:cNvPicPr>
             <a:picLocks noChangeAspect="1"/>
@@ -5090,96 +6721,31 @@
           <p:nvPr/>
         </p:nvPicPr>
         <p:blipFill>
-          <a:blip r:embed="rId4" cstate="print">
-            <a:extLst>
-              <a:ext uri="{28A0092B-C50C-407E-A947-70E740481C1C}">
-                <a14:useLocalDpi xmlns:a14="http://schemas.microsoft.com/office/drawing/2010/main" val="0"/>
-              </a:ext>
-            </a:extLst>
-          </a:blip>
+          <a:blip r:embed="rId2"/>
           <a:stretch>
             <a:fillRect/>
           </a:stretch>
         </p:blipFill>
         <p:spPr>
           <a:xfrm>
-            <a:off x="4009398" y="2669181"/>
-            <a:ext cx="661940" cy="661940"/>
+            <a:off x="5089941" y="1339746"/>
+            <a:ext cx="6564127" cy="3532342"/>
           </a:xfrm>
           <a:prstGeom prst="rect">
             <a:avLst/>
           </a:prstGeom>
         </p:spPr>
       </p:pic>
-      <p:pic>
-        <p:nvPicPr>
-          <p:cNvPr id="12" name="Picture 2" descr="Say thank you to someone at Companies House - GOV.UK">
-            <a:extLst>
-              <a:ext uri="{FF2B5EF4-FFF2-40B4-BE49-F238E27FC236}">
-                <a16:creationId xmlns:a16="http://schemas.microsoft.com/office/drawing/2014/main" id="{780C021E-5CD8-4A1F-3053-0E5F4E96C9AF}"/>
-              </a:ext>
-            </a:extLst>
-          </p:cNvPr>
-          <p:cNvPicPr>
-            <a:picLocks noChangeAspect="1" noChangeArrowheads="1"/>
-          </p:cNvPicPr>
-          <p:nvPr/>
-        </p:nvPicPr>
-        <p:blipFill>
-          <a:blip r:embed="rId5">
-            <a:extLst>
-              <a:ext uri="{28A0092B-C50C-407E-A947-70E740481C1C}">
-                <a14:useLocalDpi xmlns:a14="http://schemas.microsoft.com/office/drawing/2010/main" val="0"/>
-              </a:ext>
-            </a:extLst>
-          </a:blip>
-          <a:srcRect/>
-          <a:stretch>
-            <a:fillRect/>
-          </a:stretch>
-        </p:blipFill>
-        <p:spPr bwMode="auto">
-          <a:xfrm>
-            <a:off x="4007143" y="3580003"/>
-            <a:ext cx="4172124" cy="2781416"/>
-          </a:xfrm>
-          <a:prstGeom prst="rect">
-            <a:avLst/>
-          </a:prstGeom>
-          <a:noFill/>
-          <a:extLst>
-            <a:ext uri="{909E8E84-426E-40DD-AFC4-6F175D3DCCD1}">
-              <a14:hiddenFill xmlns:a14="http://schemas.microsoft.com/office/drawing/2010/main">
-                <a:solidFill>
-                  <a:srgbClr val="FFFFFF"/>
-                </a:solidFill>
-              </a14:hiddenFill>
-            </a:ext>
-          </a:extLst>
-        </p:spPr>
-      </p:pic>
     </p:spTree>
     <p:extLst>
       <p:ext uri="{BB962C8B-B14F-4D97-AF65-F5344CB8AC3E}">
-        <p14:creationId xmlns:p14="http://schemas.microsoft.com/office/powerpoint/2010/main" val="893025881"/>
+        <p14:creationId xmlns:p14="http://schemas.microsoft.com/office/powerpoint/2010/main" val="655002835"/>
       </p:ext>
     </p:extLst>
   </p:cSld>
   <p:clrMapOvr>
     <a:masterClrMapping/>
   </p:clrMapOvr>
-  <mc:AlternateContent xmlns:mc="http://schemas.openxmlformats.org/markup-compatibility/2006" xmlns:p15="http://schemas.microsoft.com/office/powerpoint/2012/main">
-    <mc:Choice Requires="p15">
-      <p:transition xmlns:p14="http://schemas.microsoft.com/office/powerpoint/2010/main" spd="slow" p14:dur="2000">
-        <p15:prstTrans prst="drape"/>
-      </p:transition>
-    </mc:Choice>
-    <mc:Fallback xmlns="">
-      <p:transition xmlns:p14="http://schemas.microsoft.com/office/powerpoint/2010/main" spd="slow">
-        <p:fade/>
-      </p:transition>
-    </mc:Fallback>
-  </mc:AlternateContent>
 </p:sld>
 </file>
 
@@ -5431,6 +6997,303 @@
 </p:sld>
 </file>
 
+<file path=ppt/slides/slide20.xml><?xml version="1.0" encoding="utf-8"?>
+<p:sld xmlns:a="http://schemas.openxmlformats.org/drawingml/2006/main" xmlns:r="http://schemas.openxmlformats.org/officeDocument/2006/relationships" xmlns:p="http://schemas.openxmlformats.org/presentationml/2006/main">
+  <p:cSld>
+    <p:spTree>
+      <p:nvGrpSpPr>
+        <p:cNvPr id="1" name=""/>
+        <p:cNvGrpSpPr/>
+        <p:nvPr/>
+      </p:nvGrpSpPr>
+      <p:grpSpPr>
+        <a:xfrm>
+          <a:off x="0" y="0"/>
+          <a:ext cx="0" cy="0"/>
+          <a:chOff x="0" y="0"/>
+          <a:chExt cx="0" cy="0"/>
+        </a:xfrm>
+      </p:grpSpPr>
+      <p:sp>
+        <p:nvSpPr>
+          <p:cNvPr id="10" name="Title 9"/>
+          <p:cNvSpPr>
+            <a:spLocks noGrp="1"/>
+          </p:cNvSpPr>
+          <p:nvPr>
+            <p:ph type="title"/>
+          </p:nvPr>
+        </p:nvSpPr>
+        <p:spPr/>
+        <p:txBody>
+          <a:bodyPr>
+            <a:normAutofit/>
+          </a:bodyPr>
+          <a:lstStyle/>
+          <a:p>
+            <a:r>
+              <a:rPr lang="en-US" dirty="0">
+                <a:latin typeface="Segoe UI Light" panose="020B0502040204020203" pitchFamily="34" charset="0"/>
+                <a:cs typeface="Segoe UI Light" panose="020B0502040204020203" pitchFamily="34" charset="0"/>
+              </a:rPr>
+              <a:t>Any Questions?</a:t>
+            </a:r>
+          </a:p>
+        </p:txBody>
+      </p:sp>
+      <p:sp>
+        <p:nvSpPr>
+          <p:cNvPr id="5" name="Content Placeholder 4"/>
+          <p:cNvSpPr>
+            <a:spLocks noGrp="1"/>
+          </p:cNvSpPr>
+          <p:nvPr>
+            <p:ph sz="half" idx="4294967295"/>
+          </p:nvPr>
+        </p:nvSpPr>
+        <p:spPr>
+          <a:xfrm>
+            <a:off x="541611" y="2614427"/>
+            <a:ext cx="9442648" cy="3978275"/>
+          </a:xfrm>
+        </p:spPr>
+        <p:txBody>
+          <a:bodyPr>
+            <a:normAutofit/>
+          </a:bodyPr>
+          <a:lstStyle/>
+          <a:p>
+            <a:pPr marL="0" indent="0">
+              <a:lnSpc>
+                <a:spcPts val="3600"/>
+              </a:lnSpc>
+              <a:spcAft>
+                <a:spcPts val="0"/>
+              </a:spcAft>
+              <a:buNone/>
+            </a:pPr>
+            <a:r>
+              <a:rPr lang="en-US" sz="2000" u="sng" dirty="0" err="1">
+                <a:latin typeface="Segoe UI Light" panose="020B0502040204020203" pitchFamily="34" charset="0"/>
+                <a:cs typeface="Segoe UI Light" panose="020B0502040204020203" pitchFamily="34" charset="0"/>
+                <a:hlinkClick r:id="rId3"/>
+              </a:rPr>
+              <a:t>Github</a:t>
+            </a:r>
+            <a:r>
+              <a:rPr lang="en-US" sz="2000" u="sng" dirty="0">
+                <a:latin typeface="Segoe UI Light" panose="020B0502040204020203" pitchFamily="34" charset="0"/>
+                <a:cs typeface="Segoe UI Light" panose="020B0502040204020203" pitchFamily="34" charset="0"/>
+                <a:hlinkClick r:id="rId3"/>
+              </a:rPr>
+              <a:t> Code Link</a:t>
+            </a:r>
+            <a:endParaRPr lang="en-US" sz="2000" dirty="0">
+              <a:latin typeface="Segoe UI Light" panose="020B0502040204020203" pitchFamily="34" charset="0"/>
+              <a:cs typeface="Segoe UI Light" panose="020B0502040204020203" pitchFamily="34" charset="0"/>
+            </a:endParaRPr>
+          </a:p>
+          <a:p>
+            <a:pPr marL="0" indent="0">
+              <a:lnSpc>
+                <a:spcPts val="3600"/>
+              </a:lnSpc>
+              <a:spcBef>
+                <a:spcPts val="1500"/>
+              </a:spcBef>
+              <a:spcAft>
+                <a:spcPts val="0"/>
+              </a:spcAft>
+              <a:buNone/>
+            </a:pPr>
+            <a:endParaRPr lang="en-US" sz="2000" dirty="0">
+              <a:latin typeface="Segoe UI Light" panose="020B0502040204020203" pitchFamily="34" charset="0"/>
+              <a:cs typeface="Segoe UI Light" panose="020B0502040204020203" pitchFamily="34" charset="0"/>
+            </a:endParaRPr>
+          </a:p>
+          <a:p>
+            <a:pPr marL="0" indent="0">
+              <a:lnSpc>
+                <a:spcPts val="3600"/>
+              </a:lnSpc>
+              <a:spcBef>
+                <a:spcPts val="1500"/>
+              </a:spcBef>
+              <a:spcAft>
+                <a:spcPts val="0"/>
+              </a:spcAft>
+              <a:buNone/>
+            </a:pPr>
+            <a:r>
+              <a:rPr lang="en-US" sz="2000" dirty="0">
+                <a:latin typeface="Segoe UI Light" panose="020B0502040204020203" pitchFamily="34" charset="0"/>
+                <a:cs typeface="Segoe UI Light" panose="020B0502040204020203" pitchFamily="34" charset="0"/>
+              </a:rPr>
+              <a:t>Good Reads,</a:t>
+            </a:r>
+          </a:p>
+          <a:p>
+            <a:pPr marL="0" indent="0">
+              <a:lnSpc>
+                <a:spcPts val="3600"/>
+              </a:lnSpc>
+              <a:spcBef>
+                <a:spcPts val="1500"/>
+              </a:spcBef>
+              <a:spcAft>
+                <a:spcPts val="0"/>
+              </a:spcAft>
+              <a:buNone/>
+            </a:pPr>
+            <a:r>
+              <a:rPr lang="en-US" dirty="0">
+                <a:latin typeface="Segoe UI Light" panose="020B0502040204020203" pitchFamily="34" charset="0"/>
+                <a:cs typeface="Segoe UI Light" panose="020B0502040204020203" pitchFamily="34" charset="0"/>
+                <a:hlinkClick r:id="rId4"/>
+              </a:rPr>
+              <a:t>SOLID PRINCIPLES</a:t>
+            </a:r>
+            <a:endParaRPr lang="en-US" dirty="0">
+              <a:latin typeface="Segoe UI Light" panose="020B0502040204020203" pitchFamily="34" charset="0"/>
+              <a:cs typeface="Segoe UI Light" panose="020B0502040204020203" pitchFamily="34" charset="0"/>
+            </a:endParaRPr>
+          </a:p>
+          <a:p>
+            <a:pPr marL="0" indent="0">
+              <a:lnSpc>
+                <a:spcPts val="3600"/>
+              </a:lnSpc>
+              <a:spcAft>
+                <a:spcPts val="0"/>
+              </a:spcAft>
+              <a:buNone/>
+            </a:pPr>
+            <a:endParaRPr lang="en-US" sz="2000" dirty="0">
+              <a:latin typeface="Segoe UI Light" panose="020B0502040204020203" pitchFamily="34" charset="0"/>
+              <a:cs typeface="Segoe UI Light" panose="020B0502040204020203" pitchFamily="34" charset="0"/>
+            </a:endParaRPr>
+          </a:p>
+          <a:p>
+            <a:pPr marL="0" indent="0">
+              <a:lnSpc>
+                <a:spcPts val="3600"/>
+              </a:lnSpc>
+              <a:spcAft>
+                <a:spcPts val="0"/>
+              </a:spcAft>
+              <a:buNone/>
+            </a:pPr>
+            <a:endParaRPr lang="en-US" sz="2000" dirty="0">
+              <a:latin typeface="Segoe UI Light" panose="020B0502040204020203" pitchFamily="34" charset="0"/>
+              <a:cs typeface="Segoe UI Light" panose="020B0502040204020203" pitchFamily="34" charset="0"/>
+            </a:endParaRPr>
+          </a:p>
+        </p:txBody>
+      </p:sp>
+      <p:pic>
+        <p:nvPicPr>
+          <p:cNvPr id="8" name="Picture 7" descr="Arrow pointing right with a hyperlink to the PowerPoint team blog. Select the image to visit the PowerPoint team blog ">
+            <a:hlinkClick r:id="rId3" tooltip="Select here to visit the PowerPoint team blog."/>
+          </p:cNvPr>
+          <p:cNvPicPr>
+            <a:picLocks noChangeAspect="1"/>
+          </p:cNvPicPr>
+          <p:nvPr/>
+        </p:nvPicPr>
+        <p:blipFill>
+          <a:blip r:embed="rId5" cstate="print">
+            <a:extLst>
+              <a:ext uri="{28A0092B-C50C-407E-A947-70E740481C1C}">
+                <a14:useLocalDpi xmlns:a14="http://schemas.microsoft.com/office/drawing/2010/main" val="0"/>
+              </a:ext>
+            </a:extLst>
+          </a:blip>
+          <a:stretch>
+            <a:fillRect/>
+          </a:stretch>
+        </p:blipFill>
+        <p:spPr>
+          <a:xfrm>
+            <a:off x="4009398" y="2669181"/>
+            <a:ext cx="661940" cy="661940"/>
+          </a:xfrm>
+          <a:prstGeom prst="rect">
+            <a:avLst/>
+          </a:prstGeom>
+        </p:spPr>
+      </p:pic>
+      <p:pic>
+        <p:nvPicPr>
+          <p:cNvPr id="12" name="Picture 2" descr="Say thank you to someone at Companies House - GOV.UK">
+            <a:extLst>
+              <a:ext uri="{FF2B5EF4-FFF2-40B4-BE49-F238E27FC236}">
+                <a16:creationId xmlns:a16="http://schemas.microsoft.com/office/drawing/2014/main" id="{780C021E-5CD8-4A1F-3053-0E5F4E96C9AF}"/>
+              </a:ext>
+            </a:extLst>
+          </p:cNvPr>
+          <p:cNvPicPr>
+            <a:picLocks noChangeAspect="1" noChangeArrowheads="1"/>
+          </p:cNvPicPr>
+          <p:nvPr/>
+        </p:nvPicPr>
+        <p:blipFill>
+          <a:blip r:embed="rId6">
+            <a:extLst>
+              <a:ext uri="{28A0092B-C50C-407E-A947-70E740481C1C}">
+                <a14:useLocalDpi xmlns:a14="http://schemas.microsoft.com/office/drawing/2010/main" val="0"/>
+              </a:ext>
+            </a:extLst>
+          </a:blip>
+          <a:srcRect/>
+          <a:stretch>
+            <a:fillRect/>
+          </a:stretch>
+        </p:blipFill>
+        <p:spPr bwMode="auto">
+          <a:xfrm>
+            <a:off x="4007143" y="3580003"/>
+            <a:ext cx="4172124" cy="2781416"/>
+          </a:xfrm>
+          <a:prstGeom prst="rect">
+            <a:avLst/>
+          </a:prstGeom>
+          <a:noFill/>
+          <a:extLst>
+            <a:ext uri="{909E8E84-426E-40DD-AFC4-6F175D3DCCD1}">
+              <a14:hiddenFill xmlns:a14="http://schemas.microsoft.com/office/drawing/2010/main">
+                <a:solidFill>
+                  <a:srgbClr val="FFFFFF"/>
+                </a:solidFill>
+              </a14:hiddenFill>
+            </a:ext>
+          </a:extLst>
+        </p:spPr>
+      </p:pic>
+    </p:spTree>
+    <p:extLst>
+      <p:ext uri="{BB962C8B-B14F-4D97-AF65-F5344CB8AC3E}">
+        <p14:creationId xmlns:p14="http://schemas.microsoft.com/office/powerpoint/2010/main" val="893025881"/>
+      </p:ext>
+    </p:extLst>
+  </p:cSld>
+  <p:clrMapOvr>
+    <a:masterClrMapping/>
+  </p:clrMapOvr>
+  <mc:AlternateContent xmlns:mc="http://schemas.openxmlformats.org/markup-compatibility/2006" xmlns:p15="http://schemas.microsoft.com/office/powerpoint/2012/main">
+    <mc:Choice Requires="p15">
+      <p:transition xmlns:p14="http://schemas.microsoft.com/office/powerpoint/2010/main" spd="slow" p14:dur="2000">
+        <p15:prstTrans prst="drape"/>
+      </p:transition>
+    </mc:Choice>
+    <mc:Fallback xmlns="">
+      <p:transition xmlns:p14="http://schemas.microsoft.com/office/powerpoint/2010/main" spd="slow">
+        <p:fade/>
+      </p:transition>
+    </mc:Fallback>
+  </mc:AlternateContent>
+</p:sld>
+</file>
+
 <file path=ppt/slides/slide3.xml><?xml version="1.0" encoding="utf-8"?>
 <p:sld xmlns:a="http://schemas.openxmlformats.org/drawingml/2006/main" xmlns:r="http://schemas.openxmlformats.org/officeDocument/2006/relationships" xmlns:p="http://schemas.openxmlformats.org/presentationml/2006/main">
   <p:cSld>
@@ -6183,7 +8046,7 @@
       </p:grpSpPr>
       <p:sp>
         <p:nvSpPr>
-          <p:cNvPr id="8" name="Title 7"/>
+          <p:cNvPr id="6" name="Title 5"/>
           <p:cNvSpPr>
             <a:spLocks noGrp="1"/>
           </p:cNvSpPr>
@@ -6191,31 +8054,355 @@
             <p:ph type="title"/>
           </p:nvPr>
         </p:nvSpPr>
+        <p:spPr/>
+        <p:txBody>
+          <a:bodyPr/>
+          <a:lstStyle/>
+          <a:p>
+            <a:r>
+              <a:rPr lang="en-US" dirty="0">
+                <a:latin typeface="Segoe UI Light" panose="020B0502040204020203" pitchFamily="34" charset="0"/>
+                <a:cs typeface="Segoe UI Light" panose="020B0502040204020203" pitchFamily="34" charset="0"/>
+              </a:rPr>
+              <a:t>EXCITED ?</a:t>
+            </a:r>
+          </a:p>
+        </p:txBody>
+      </p:sp>
+      <p:pic>
+        <p:nvPicPr>
+          <p:cNvPr id="24" name="Picture 23">
+            <a:extLst>
+              <a:ext uri="{C183D7F6-B498-43B3-948B-1728B52AA6E4}">
+                <adec:decorative xmlns:adec="http://schemas.microsoft.com/office/drawing/2017/decorative" val="1"/>
+              </a:ext>
+            </a:extLst>
+          </p:cNvPr>
+          <p:cNvPicPr/>
+          <p:nvPr/>
+        </p:nvPicPr>
+        <p:blipFill>
+          <a:blip r:embed="rId2" cstate="print">
+            <a:extLst>
+              <a:ext uri="{28A0092B-C50C-407E-A947-70E740481C1C}">
+                <a14:useLocalDpi xmlns:a14="http://schemas.microsoft.com/office/drawing/2010/main" val="0"/>
+              </a:ext>
+            </a:extLst>
+          </a:blip>
+          <a:stretch>
+            <a:fillRect/>
+          </a:stretch>
+        </p:blipFill>
+        <p:spPr>
+          <a:xfrm rot="3861835" flipH="1">
+            <a:off x="3141693" y="1787378"/>
+            <a:ext cx="851862" cy="939987"/>
+          </a:xfrm>
+          <a:prstGeom prst="rect">
+            <a:avLst/>
+          </a:prstGeom>
+        </p:spPr>
+      </p:pic>
+      <p:pic>
+        <p:nvPicPr>
+          <p:cNvPr id="23" name="Picture 22" descr="Robot"/>
+          <p:cNvPicPr>
+            <a:picLocks noChangeAspect="1"/>
+          </p:cNvPicPr>
+          <p:nvPr/>
+        </p:nvPicPr>
+        <p:blipFill>
+          <a:blip r:embed="rId3"/>
+          <a:stretch>
+            <a:fillRect/>
+          </a:stretch>
+        </p:blipFill>
         <p:spPr>
           <a:xfrm>
-            <a:off x="521207" y="448056"/>
-            <a:ext cx="7658059" cy="640080"/>
+            <a:off x="4313860" y="1646170"/>
+            <a:ext cx="2775459" cy="4531804"/>
           </a:xfrm>
+          <a:prstGeom prst="rect">
+            <a:avLst/>
+          </a:prstGeom>
+        </p:spPr>
+      </p:pic>
+      <p:sp>
+        <p:nvSpPr>
+          <p:cNvPr id="7" name="Text Box 16" descr="Select me">
+            <a:extLst>
+              <a:ext uri="{FF2B5EF4-FFF2-40B4-BE49-F238E27FC236}">
+                <a16:creationId xmlns:a16="http://schemas.microsoft.com/office/drawing/2014/main" id="{7D6C5189-85BC-2CC6-6A56-61E427E5F7D7}"/>
+              </a:ext>
+            </a:extLst>
+          </p:cNvPr>
+          <p:cNvSpPr txBox="1"/>
+          <p:nvPr/>
+        </p:nvSpPr>
+        <p:spPr>
+          <a:xfrm rot="21077122">
+            <a:off x="1230481" y="1697501"/>
+            <a:ext cx="3458269" cy="435610"/>
+          </a:xfrm>
+          <a:prstGeom prst="rect">
+            <a:avLst/>
+          </a:prstGeom>
+          <a:noFill/>
+          <a:ln>
+            <a:noFill/>
+          </a:ln>
+          <a:effectLst/>
+          <a:extLst>
+            <a:ext uri="{C572A759-6A51-4108-AA02-DFA0A04FC94B}">
+              <ma14:wrappingTextBoxFlag xmlns:ma14="http://schemas.microsoft.com/office/mac/drawingml/2011/main" xmlns=""/>
+            </a:ext>
+          </a:extLst>
         </p:spPr>
         <p:txBody>
-          <a:bodyPr>
+          <a:bodyPr rot="0" spcFirstLastPara="0" vert="horz" wrap="none" lIns="91440" tIns="45720" rIns="91440" bIns="45720" numCol="1" spcCol="0" rtlCol="0" fromWordArt="0" anchor="t" anchorCtr="0" forceAA="0" compatLnSpc="1">
+            <a:prstTxWarp prst="textNoShape">
+              <a:avLst/>
+            </a:prstTxWarp>
             <a:noAutofit/>
           </a:bodyPr>
           <a:lstStyle/>
           <a:p>
+            <a:pPr marL="0" marR="0" algn="ctr">
+              <a:spcBef>
+                <a:spcPts val="0"/>
+              </a:spcBef>
+              <a:spcAft>
+                <a:spcPts val="200"/>
+              </a:spcAft>
+              <a:tabLst>
+                <a:tab pos="4931410" algn="l"/>
+              </a:tabLst>
+            </a:pPr>
+            <a:r>
+              <a:rPr lang="en-US" sz="1200" b="1" kern="1000" spc="100" dirty="0">
+                <a:solidFill>
+                  <a:srgbClr val="D24726"/>
+                </a:solidFill>
+                <a:latin typeface="Segoe UI Semibold" panose="020B0702040204020203" pitchFamily="34" charset="0"/>
+                <a:ea typeface="SimHei" panose="02010609060101010101" pitchFamily="49" charset="-122"/>
+                <a:cs typeface="Times New Roman" panose="02020603050405020304" pitchFamily="18" charset="0"/>
+              </a:rPr>
+              <a:t>You are boring </a:t>
+            </a:r>
+            <a:endParaRPr lang="en-US" sz="1200" b="1" kern="1400" dirty="0">
+              <a:solidFill>
+                <a:srgbClr val="D24726"/>
+              </a:solidFill>
+              <a:effectLst/>
+              <a:latin typeface="Segoe UI Light" panose="020B0502040204020203" pitchFamily="34" charset="0"/>
+              <a:ea typeface="SimHei" panose="02010609060101010101" pitchFamily="49" charset="-122"/>
+              <a:cs typeface="Times New Roman" panose="02020603050405020304" pitchFamily="18" charset="0"/>
+            </a:endParaRPr>
+          </a:p>
+        </p:txBody>
+      </p:sp>
+    </p:spTree>
+    <p:extLst>
+      <p:ext uri="{BB962C8B-B14F-4D97-AF65-F5344CB8AC3E}">
+        <p14:creationId xmlns:p14="http://schemas.microsoft.com/office/powerpoint/2010/main" val="3662858974"/>
+      </p:ext>
+    </p:extLst>
+  </p:cSld>
+  <p:clrMapOvr>
+    <a:masterClrMapping/>
+  </p:clrMapOvr>
+  <mc:AlternateContent xmlns:mc="http://schemas.openxmlformats.org/markup-compatibility/2006" xmlns:p14="http://schemas.microsoft.com/office/powerpoint/2010/main">
+    <mc:Choice Requires="p14">
+      <p:transition p14:dur="10"/>
+    </mc:Choice>
+    <mc:Fallback xmlns="">
+      <p:transition/>
+    </mc:Fallback>
+  </mc:AlternateContent>
+</p:sld>
+</file>
+
+<file path=ppt/slides/slide5.xml><?xml version="1.0" encoding="utf-8"?>
+<p:sld xmlns:a="http://schemas.openxmlformats.org/drawingml/2006/main" xmlns:r="http://schemas.openxmlformats.org/officeDocument/2006/relationships" xmlns:p="http://schemas.openxmlformats.org/presentationml/2006/main">
+  <p:cSld>
+    <p:spTree>
+      <p:nvGrpSpPr>
+        <p:cNvPr id="1" name=""/>
+        <p:cNvGrpSpPr/>
+        <p:nvPr/>
+      </p:nvGrpSpPr>
+      <p:grpSpPr>
+        <a:xfrm>
+          <a:off x="0" y="0"/>
+          <a:ext cx="0" cy="0"/>
+          <a:chOff x="0" y="0"/>
+          <a:chExt cx="0" cy="0"/>
+        </a:xfrm>
+      </p:grpSpPr>
+      <p:sp>
+        <p:nvSpPr>
+          <p:cNvPr id="6" name="Title 5"/>
+          <p:cNvSpPr>
+            <a:spLocks noGrp="1"/>
+          </p:cNvSpPr>
+          <p:nvPr>
+            <p:ph type="title"/>
+          </p:nvPr>
+        </p:nvSpPr>
+        <p:spPr/>
+        <p:txBody>
+          <a:bodyPr/>
+          <a:lstStyle/>
+          <a:p>
             <a:r>
               <a:rPr lang="en-US" dirty="0">
                 <a:latin typeface="Segoe UI Light" panose="020B0502040204020203" pitchFamily="34" charset="0"/>
                 <a:cs typeface="Segoe UI Light" panose="020B0502040204020203" pitchFamily="34" charset="0"/>
               </a:rPr>
-              <a:t>REVISIT - INTERFACE</a:t>
+              <a:t>EXCERSISE TIME (1 minute)</a:t>
             </a:r>
           </a:p>
         </p:txBody>
       </p:sp>
       <p:sp>
         <p:nvSpPr>
-          <p:cNvPr id="38" name="Content Placeholder 17"/>
+          <p:cNvPr id="25" name="Text Box 16" descr="Select me"/>
+          <p:cNvSpPr txBox="1"/>
+          <p:nvPr/>
+        </p:nvSpPr>
+        <p:spPr>
+          <a:xfrm rot="21077122">
+            <a:off x="5355025" y="1653218"/>
+            <a:ext cx="1334770" cy="435610"/>
+          </a:xfrm>
+          <a:prstGeom prst="rect">
+            <a:avLst/>
+          </a:prstGeom>
+          <a:noFill/>
+          <a:ln>
+            <a:noFill/>
+          </a:ln>
+          <a:effectLst/>
+          <a:extLst>
+            <a:ext uri="{C572A759-6A51-4108-AA02-DFA0A04FC94B}">
+              <ma14:wrappingTextBoxFlag xmlns:ma14="http://schemas.microsoft.com/office/mac/drawingml/2011/main" xmlns=""/>
+            </a:ext>
+          </a:extLst>
+        </p:spPr>
+        <p:txBody>
+          <a:bodyPr rot="0" spcFirstLastPara="0" vert="horz" wrap="none" lIns="91440" tIns="45720" rIns="91440" bIns="45720" numCol="1" spcCol="0" rtlCol="0" fromWordArt="0" anchor="t" anchorCtr="0" forceAA="0" compatLnSpc="1">
+            <a:prstTxWarp prst="textNoShape">
+              <a:avLst/>
+            </a:prstTxWarp>
+            <a:noAutofit/>
+          </a:bodyPr>
+          <a:lstStyle/>
+          <a:p>
+            <a:pPr marL="0" marR="0" algn="ctr">
+              <a:spcBef>
+                <a:spcPts val="0"/>
+              </a:spcBef>
+              <a:spcAft>
+                <a:spcPts val="200"/>
+              </a:spcAft>
+              <a:tabLst>
+                <a:tab pos="4931410" algn="l"/>
+              </a:tabLst>
+            </a:pPr>
+            <a:r>
+              <a:rPr lang="en-US" sz="1200" b="1" kern="1000" spc="100" dirty="0">
+                <a:ln>
+                  <a:noFill/>
+                </a:ln>
+                <a:solidFill>
+                  <a:srgbClr val="D24726"/>
+                </a:solidFill>
+                <a:effectLst/>
+                <a:latin typeface="Segoe UI Semibold" panose="020B0702040204020203" pitchFamily="34" charset="0"/>
+                <a:ea typeface="SimHei" panose="02010609060101010101" pitchFamily="49" charset="-122"/>
+                <a:cs typeface="Times New Roman" panose="02020603050405020304" pitchFamily="18" charset="0"/>
+              </a:rPr>
+              <a:t>Not Interested</a:t>
+            </a:r>
+            <a:endParaRPr lang="en-US" sz="1200" b="1" kern="1400" dirty="0">
+              <a:solidFill>
+                <a:srgbClr val="D24726"/>
+              </a:solidFill>
+              <a:effectLst/>
+              <a:latin typeface="Segoe UI Light" panose="020B0502040204020203" pitchFamily="34" charset="0"/>
+              <a:ea typeface="SimHei" panose="02010609060101010101" pitchFamily="49" charset="-122"/>
+              <a:cs typeface="Times New Roman" panose="02020603050405020304" pitchFamily="18" charset="0"/>
+            </a:endParaRPr>
+          </a:p>
+        </p:txBody>
+      </p:sp>
+      <p:pic>
+        <p:nvPicPr>
+          <p:cNvPr id="24" name="Picture 23">
+            <a:extLst>
+              <a:ext uri="{C183D7F6-B498-43B3-948B-1728B52AA6E4}">
+                <adec:decorative xmlns:adec="http://schemas.microsoft.com/office/drawing/2017/decorative" val="1"/>
+              </a:ext>
+            </a:extLst>
+          </p:cNvPr>
+          <p:cNvPicPr/>
+          <p:nvPr/>
+        </p:nvPicPr>
+        <p:blipFill>
+          <a:blip r:embed="rId2" cstate="print">
+            <a:extLst>
+              <a:ext uri="{28A0092B-C50C-407E-A947-70E740481C1C}">
+                <a14:useLocalDpi xmlns:a14="http://schemas.microsoft.com/office/drawing/2010/main" val="0"/>
+              </a:ext>
+            </a:extLst>
+          </a:blip>
+          <a:stretch>
+            <a:fillRect/>
+          </a:stretch>
+        </p:blipFill>
+        <p:spPr>
+          <a:xfrm rot="3861835" flipH="1">
+            <a:off x="6204488" y="1671968"/>
+            <a:ext cx="851862" cy="939987"/>
+          </a:xfrm>
+          <a:prstGeom prst="rect">
+            <a:avLst/>
+          </a:prstGeom>
+        </p:spPr>
+      </p:pic>
+      <p:pic>
+        <p:nvPicPr>
+          <p:cNvPr id="23" name="Picture 22" descr="Robot"/>
+          <p:cNvPicPr>
+            <a:picLocks noChangeAspect="1"/>
+          </p:cNvPicPr>
+          <p:nvPr/>
+        </p:nvPicPr>
+        <p:blipFill>
+          <a:blip r:embed="rId3"/>
+          <a:stretch>
+            <a:fillRect/>
+          </a:stretch>
+        </p:blipFill>
+        <p:spPr>
+          <a:xfrm>
+            <a:off x="7398326" y="1612911"/>
+            <a:ext cx="2775459" cy="4531804"/>
+          </a:xfrm>
+          <a:prstGeom prst="rect">
+            <a:avLst/>
+          </a:prstGeom>
+        </p:spPr>
+      </p:pic>
+      <p:sp>
+        <p:nvSpPr>
+          <p:cNvPr id="8" name="Content Placeholder 17">
+            <a:extLst>
+              <a:ext uri="{FF2B5EF4-FFF2-40B4-BE49-F238E27FC236}">
+                <a16:creationId xmlns:a16="http://schemas.microsoft.com/office/drawing/2014/main" id="{7EF9AE12-B322-6A36-B873-BDED13C077F9}"/>
+              </a:ext>
+            </a:extLst>
+          </p:cNvPr>
           <p:cNvSpPr txBox="1">
             <a:spLocks/>
           </p:cNvSpPr>
@@ -6438,10 +8625,13 @@
             </a:pPr>
             <a:r>
               <a:rPr lang="en-US" sz="1100" dirty="0">
+                <a:solidFill>
+                  <a:schemeClr val="accent2"/>
+                </a:solidFill>
                 <a:latin typeface="Segoe UI" panose="020B0502040204020203" pitchFamily="34" charset="0"/>
                 <a:cs typeface="Segoe UI" panose="020B0502040204020203" pitchFamily="34" charset="0"/>
               </a:rPr>
-              <a:t>Contract  between itself and any class that implements it.</a:t>
+              <a:t>Definition :</a:t>
             </a:r>
           </a:p>
           <a:p>
@@ -6457,7 +8647,58 @@
                 <a:latin typeface="Segoe UI" panose="020B0502040204020203" pitchFamily="34" charset="0"/>
                 <a:cs typeface="Segoe UI" panose="020B0502040204020203" pitchFamily="34" charset="0"/>
               </a:rPr>
-              <a:t>It contains only declaration of its members and Implementor must implement all of interface members.</a:t>
+              <a:t>Design functionality to deliver below responsibilities,</a:t>
+            </a:r>
+          </a:p>
+          <a:p>
+            <a:pPr lvl="0">
+              <a:spcAft>
+                <a:spcPts val="600"/>
+              </a:spcAft>
+              <a:buFontTx/>
+              <a:buChar char="-"/>
+              <a:defRPr/>
+            </a:pPr>
+            <a:r>
+              <a:rPr lang="en-US" sz="1100" dirty="0">
+                <a:latin typeface="Segoe UI" panose="020B0502040204020203" pitchFamily="34" charset="0"/>
+                <a:cs typeface="Segoe UI" panose="020B0502040204020203" pitchFamily="34" charset="0"/>
+              </a:rPr>
+              <a:t>Generate Report</a:t>
+            </a:r>
+          </a:p>
+          <a:p>
+            <a:pPr lvl="0">
+              <a:spcAft>
+                <a:spcPts val="600"/>
+              </a:spcAft>
+              <a:buFontTx/>
+              <a:buChar char="-"/>
+              <a:defRPr/>
+            </a:pPr>
+            <a:r>
+              <a:rPr lang="en-US" sz="1100" dirty="0">
+                <a:latin typeface="Segoe UI" panose="020B0502040204020203" pitchFamily="34" charset="0"/>
+                <a:cs typeface="Segoe UI" panose="020B0502040204020203" pitchFamily="34" charset="0"/>
+              </a:rPr>
+              <a:t>Export Report</a:t>
+            </a:r>
+          </a:p>
+          <a:p>
+            <a:pPr lvl="0">
+              <a:spcAft>
+                <a:spcPts val="600"/>
+              </a:spcAft>
+              <a:buFontTx/>
+              <a:buChar char="-"/>
+              <a:defRPr/>
+            </a:pPr>
+            <a:r>
+              <a:rPr lang="en-US" sz="1100" dirty="0">
+                <a:latin typeface="Segoe UI" panose="020B0502040204020203" pitchFamily="34" charset="0"/>
+                <a:cs typeface="Segoe UI" panose="020B0502040204020203" pitchFamily="34" charset="0"/>
+              </a:rPr>
+              <a:t>Print Report</a:t>
             </a:r>
           </a:p>
           <a:p>
@@ -6486,103 +8727,30 @@
               <a:cs typeface="Segoe UI" panose="020B0502040204020203" pitchFamily="34" charset="0"/>
             </a:endParaRPr>
           </a:p>
-          <a:p>
-            <a:pPr marL="0" lvl="0" indent="0">
-              <a:spcAft>
-                <a:spcPts val="600"/>
-              </a:spcAft>
-              <a:buNone/>
-              <a:defRPr/>
-            </a:pPr>
-            <a:endParaRPr lang="en-US" sz="1100" dirty="0">
-              <a:latin typeface="Segoe UI" panose="020B0502040204020203" pitchFamily="34" charset="0"/>
-              <a:cs typeface="Segoe UI" panose="020B0502040204020203" pitchFamily="34" charset="0"/>
-            </a:endParaRPr>
-          </a:p>
         </p:txBody>
       </p:sp>
-      <p:pic>
-        <p:nvPicPr>
-          <p:cNvPr id="3" name="Picture 2">
-            <a:extLst>
-              <a:ext uri="{FF2B5EF4-FFF2-40B4-BE49-F238E27FC236}">
-                <a16:creationId xmlns:a16="http://schemas.microsoft.com/office/drawing/2014/main" id="{8E5D6E39-2159-94EC-5CD6-7841945C8EA3}"/>
-              </a:ext>
-            </a:extLst>
-          </p:cNvPr>
-          <p:cNvPicPr>
-            <a:picLocks noChangeAspect="1"/>
-          </p:cNvPicPr>
-          <p:nvPr/>
-        </p:nvPicPr>
-        <p:blipFill>
-          <a:blip r:embed="rId2"/>
-          <a:stretch>
-            <a:fillRect/>
-          </a:stretch>
-        </p:blipFill>
-        <p:spPr>
-          <a:xfrm>
-            <a:off x="640228" y="2563973"/>
-            <a:ext cx="3495675" cy="904875"/>
-          </a:xfrm>
-          <a:prstGeom prst="rect">
-            <a:avLst/>
-          </a:prstGeom>
-        </p:spPr>
-      </p:pic>
-      <p:pic>
-        <p:nvPicPr>
-          <p:cNvPr id="6" name="Picture 5">
-            <a:extLst>
-              <a:ext uri="{FF2B5EF4-FFF2-40B4-BE49-F238E27FC236}">
-                <a16:creationId xmlns:a16="http://schemas.microsoft.com/office/drawing/2014/main" id="{8678037C-2305-04FE-8A1D-968571AC0CFD}"/>
-              </a:ext>
-            </a:extLst>
-          </p:cNvPr>
-          <p:cNvPicPr>
-            <a:picLocks noChangeAspect="1"/>
-          </p:cNvPicPr>
-          <p:nvPr/>
-        </p:nvPicPr>
-        <p:blipFill>
-          <a:blip r:embed="rId3"/>
-          <a:stretch>
-            <a:fillRect/>
-          </a:stretch>
-        </p:blipFill>
-        <p:spPr>
-          <a:xfrm>
-            <a:off x="6105966" y="1416600"/>
-            <a:ext cx="4600575" cy="4924425"/>
-          </a:xfrm>
-          <a:prstGeom prst="rect">
-            <a:avLst/>
-          </a:prstGeom>
-        </p:spPr>
-      </p:pic>
     </p:spTree>
     <p:extLst>
       <p:ext uri="{BB962C8B-B14F-4D97-AF65-F5344CB8AC3E}">
-        <p14:creationId xmlns:p14="http://schemas.microsoft.com/office/powerpoint/2010/main" val="184464248"/>
+        <p14:creationId xmlns:p14="http://schemas.microsoft.com/office/powerpoint/2010/main" val="3437459911"/>
       </p:ext>
     </p:extLst>
   </p:cSld>
   <p:clrMapOvr>
     <a:masterClrMapping/>
   </p:clrMapOvr>
-  <mc:AlternateContent xmlns:mc="http://schemas.openxmlformats.org/markup-compatibility/2006">
-    <mc:Choice xmlns:p14="http://schemas.microsoft.com/office/powerpoint/2010/main" Requires="p14">
+  <mc:AlternateContent xmlns:mc="http://schemas.openxmlformats.org/markup-compatibility/2006" xmlns:p14="http://schemas.microsoft.com/office/powerpoint/2010/main">
+    <mc:Choice Requires="p14">
       <p:transition p14:dur="10"/>
     </mc:Choice>
-    <mc:Fallback>
+    <mc:Fallback xmlns="">
       <p:transition/>
     </mc:Fallback>
   </mc:AlternateContent>
 </p:sld>
 </file>
 
-<file path=ppt/slides/slide5.xml><?xml version="1.0" encoding="utf-8"?>
+<file path=ppt/slides/slide6.xml><?xml version="1.0" encoding="utf-8"?>
 <p:sld xmlns:a="http://schemas.openxmlformats.org/drawingml/2006/main" xmlns:r="http://schemas.openxmlformats.org/officeDocument/2006/relationships" xmlns:p="http://schemas.openxmlformats.org/presentationml/2006/main">
   <p:cSld>
     <p:spTree>
@@ -6626,7 +8794,7 @@
                 <a:latin typeface="Segoe UI Light" panose="020B0502040204020203" pitchFamily="34" charset="0"/>
                 <a:cs typeface="Segoe UI Light" panose="020B0502040204020203" pitchFamily="34" charset="0"/>
               </a:rPr>
-              <a:t>REVISIT - ABSTRACTION</a:t>
+              <a:t>REVISIT - INTERFACE</a:t>
             </a:r>
           </a:p>
         </p:txBody>
@@ -6859,7 +9027,7 @@
                 <a:latin typeface="Segoe UI" panose="020B0502040204020203" pitchFamily="34" charset="0"/>
                 <a:cs typeface="Segoe UI" panose="020B0502040204020203" pitchFamily="34" charset="0"/>
               </a:rPr>
-              <a:t>An instance of an abstract class can not be created.</a:t>
+              <a:t>Contract  between itself and any class that implements it.</a:t>
             </a:r>
           </a:p>
           <a:p>
@@ -6875,7 +9043,7 @@
                 <a:latin typeface="Segoe UI" panose="020B0502040204020203" pitchFamily="34" charset="0"/>
                 <a:cs typeface="Segoe UI" panose="020B0502040204020203" pitchFamily="34" charset="0"/>
               </a:rPr>
-              <a:t>A class inherits from the abstract class need to implement all its abstract members.</a:t>
+              <a:t>It contains only declaration of its members and Implementor must implement all of interface members.</a:t>
             </a:r>
           </a:p>
           <a:p>
@@ -6886,12 +9054,590 @@
               <a:buNone/>
               <a:defRPr/>
             </a:pPr>
+            <a:endParaRPr lang="en-US" sz="1100" dirty="0">
+              <a:latin typeface="Segoe UI" panose="020B0502040204020203" pitchFamily="34" charset="0"/>
+              <a:cs typeface="Segoe UI" panose="020B0502040204020203" pitchFamily="34" charset="0"/>
+            </a:endParaRPr>
+          </a:p>
+          <a:p>
+            <a:pPr marL="0" lvl="0" indent="0">
+              <a:spcAft>
+                <a:spcPts val="600"/>
+              </a:spcAft>
+              <a:buNone/>
+              <a:defRPr/>
+            </a:pPr>
+            <a:endParaRPr lang="en-US" sz="1100" dirty="0">
+              <a:latin typeface="Segoe UI" panose="020B0502040204020203" pitchFamily="34" charset="0"/>
+              <a:cs typeface="Segoe UI" panose="020B0502040204020203" pitchFamily="34" charset="0"/>
+            </a:endParaRPr>
+          </a:p>
+          <a:p>
+            <a:pPr marL="0" lvl="0" indent="0">
+              <a:spcAft>
+                <a:spcPts val="600"/>
+              </a:spcAft>
+              <a:buNone/>
+              <a:defRPr/>
+            </a:pPr>
+            <a:endParaRPr lang="en-US" sz="1100" dirty="0">
+              <a:latin typeface="Segoe UI" panose="020B0502040204020203" pitchFamily="34" charset="0"/>
+              <a:cs typeface="Segoe UI" panose="020B0502040204020203" pitchFamily="34" charset="0"/>
+            </a:endParaRPr>
+          </a:p>
+        </p:txBody>
+      </p:sp>
+      <p:pic>
+        <p:nvPicPr>
+          <p:cNvPr id="3" name="Picture 2">
+            <a:extLst>
+              <a:ext uri="{FF2B5EF4-FFF2-40B4-BE49-F238E27FC236}">
+                <a16:creationId xmlns:a16="http://schemas.microsoft.com/office/drawing/2014/main" id="{8E5D6E39-2159-94EC-5CD6-7841945C8EA3}"/>
+              </a:ext>
+            </a:extLst>
+          </p:cNvPr>
+          <p:cNvPicPr>
+            <a:picLocks noChangeAspect="1"/>
+          </p:cNvPicPr>
+          <p:nvPr/>
+        </p:nvPicPr>
+        <p:blipFill>
+          <a:blip r:embed="rId2"/>
+          <a:stretch>
+            <a:fillRect/>
+          </a:stretch>
+        </p:blipFill>
+        <p:spPr>
+          <a:xfrm>
+            <a:off x="640228" y="2563973"/>
+            <a:ext cx="4945066" cy="1280058"/>
+          </a:xfrm>
+          <a:prstGeom prst="rect">
+            <a:avLst/>
+          </a:prstGeom>
+        </p:spPr>
+      </p:pic>
+      <p:pic>
+        <p:nvPicPr>
+          <p:cNvPr id="6" name="Picture 5">
+            <a:extLst>
+              <a:ext uri="{FF2B5EF4-FFF2-40B4-BE49-F238E27FC236}">
+                <a16:creationId xmlns:a16="http://schemas.microsoft.com/office/drawing/2014/main" id="{8678037C-2305-04FE-8A1D-968571AC0CFD}"/>
+              </a:ext>
+            </a:extLst>
+          </p:cNvPr>
+          <p:cNvPicPr>
+            <a:picLocks noChangeAspect="1"/>
+          </p:cNvPicPr>
+          <p:nvPr/>
+        </p:nvPicPr>
+        <p:blipFill>
+          <a:blip r:embed="rId3"/>
+          <a:stretch>
+            <a:fillRect/>
+          </a:stretch>
+        </p:blipFill>
+        <p:spPr>
+          <a:xfrm>
+            <a:off x="6105966" y="1416600"/>
+            <a:ext cx="4760302" cy="5095396"/>
+          </a:xfrm>
+          <a:prstGeom prst="rect">
+            <a:avLst/>
+          </a:prstGeom>
+        </p:spPr>
+      </p:pic>
+      <p:pic>
+        <p:nvPicPr>
+          <p:cNvPr id="7" name="Picture 6">
+            <a:extLst>
+              <a:ext uri="{FF2B5EF4-FFF2-40B4-BE49-F238E27FC236}">
+                <a16:creationId xmlns:a16="http://schemas.microsoft.com/office/drawing/2014/main" id="{729F5820-6B25-E9B0-AD81-133FA6ACE84A}"/>
+              </a:ext>
+            </a:extLst>
+          </p:cNvPr>
+          <p:cNvPicPr>
+            <a:picLocks noChangeAspect="1"/>
+          </p:cNvPicPr>
+          <p:nvPr/>
+        </p:nvPicPr>
+        <p:blipFill>
+          <a:blip r:embed="rId4"/>
+          <a:stretch>
+            <a:fillRect/>
+          </a:stretch>
+        </p:blipFill>
+        <p:spPr>
+          <a:xfrm>
+            <a:off x="489424" y="4530225"/>
+            <a:ext cx="5394711" cy="175616"/>
+          </a:xfrm>
+          <a:prstGeom prst="rect">
+            <a:avLst/>
+          </a:prstGeom>
+        </p:spPr>
+      </p:pic>
+      <p:pic>
+        <p:nvPicPr>
+          <p:cNvPr id="12" name="Picture 11">
+            <a:extLst>
+              <a:ext uri="{FF2B5EF4-FFF2-40B4-BE49-F238E27FC236}">
+                <a16:creationId xmlns:a16="http://schemas.microsoft.com/office/drawing/2014/main" id="{A4A98DE0-07DC-E5FC-9894-6A058AE7ACC7}"/>
+              </a:ext>
+            </a:extLst>
+          </p:cNvPr>
+          <p:cNvPicPr>
+            <a:picLocks noChangeAspect="1"/>
+          </p:cNvPicPr>
+          <p:nvPr/>
+        </p:nvPicPr>
+        <p:blipFill>
+          <a:blip r:embed="rId5"/>
+          <a:stretch>
+            <a:fillRect/>
+          </a:stretch>
+        </p:blipFill>
+        <p:spPr>
+          <a:xfrm>
+            <a:off x="532051" y="5668849"/>
+            <a:ext cx="5352084" cy="153267"/>
+          </a:xfrm>
+          <a:prstGeom prst="rect">
+            <a:avLst/>
+          </a:prstGeom>
+        </p:spPr>
+      </p:pic>
+      <p:sp>
+        <p:nvSpPr>
+          <p:cNvPr id="13" name="Oval 12">
+            <a:extLst>
+              <a:ext uri="{FF2B5EF4-FFF2-40B4-BE49-F238E27FC236}">
+                <a16:creationId xmlns:a16="http://schemas.microsoft.com/office/drawing/2014/main" id="{CD93DDBD-17FB-CC61-1139-C8457A7DA876}"/>
+              </a:ext>
+            </a:extLst>
+          </p:cNvPr>
+          <p:cNvSpPr/>
+          <p:nvPr/>
+        </p:nvSpPr>
+        <p:spPr>
+          <a:xfrm>
+            <a:off x="1615734" y="4075353"/>
+            <a:ext cx="2539013" cy="292964"/>
+          </a:xfrm>
+          <a:prstGeom prst="ellipse">
+            <a:avLst/>
+          </a:prstGeom>
+        </p:spPr>
+        <p:style>
+          <a:lnRef idx="2">
+            <a:schemeClr val="accent1">
+              <a:shade val="50000"/>
+            </a:schemeClr>
+          </a:lnRef>
+          <a:fillRef idx="1">
+            <a:schemeClr val="accent1"/>
+          </a:fillRef>
+          <a:effectRef idx="0">
+            <a:schemeClr val="accent1"/>
+          </a:effectRef>
+          <a:fontRef idx="minor">
+            <a:schemeClr val="lt1"/>
+          </a:fontRef>
+        </p:style>
+        <p:txBody>
+          <a:bodyPr rtlCol="0" anchor="ctr"/>
+          <a:lstStyle/>
+          <a:p>
+            <a:pPr algn="ctr"/>
+            <a:r>
+              <a:rPr lang="en-US" dirty="0"/>
+              <a:t>Before Change</a:t>
+            </a:r>
+            <a:endParaRPr lang="en-IN" dirty="0"/>
+          </a:p>
+        </p:txBody>
+      </p:sp>
+      <p:sp>
+        <p:nvSpPr>
+          <p:cNvPr id="15" name="Oval 14">
+            <a:extLst>
+              <a:ext uri="{FF2B5EF4-FFF2-40B4-BE49-F238E27FC236}">
+                <a16:creationId xmlns:a16="http://schemas.microsoft.com/office/drawing/2014/main" id="{03B3D154-D33A-E8D5-0436-51C516D87EEB}"/>
+              </a:ext>
+            </a:extLst>
+          </p:cNvPr>
+          <p:cNvSpPr/>
+          <p:nvPr/>
+        </p:nvSpPr>
+        <p:spPr>
+          <a:xfrm>
+            <a:off x="1615733" y="5173386"/>
+            <a:ext cx="2539013" cy="292964"/>
+          </a:xfrm>
+          <a:prstGeom prst="ellipse">
+            <a:avLst/>
+          </a:prstGeom>
+        </p:spPr>
+        <p:style>
+          <a:lnRef idx="2">
+            <a:schemeClr val="accent1">
+              <a:shade val="50000"/>
+            </a:schemeClr>
+          </a:lnRef>
+          <a:fillRef idx="1">
+            <a:schemeClr val="accent1"/>
+          </a:fillRef>
+          <a:effectRef idx="0">
+            <a:schemeClr val="accent1"/>
+          </a:effectRef>
+          <a:fontRef idx="minor">
+            <a:schemeClr val="lt1"/>
+          </a:fontRef>
+        </p:style>
+        <p:txBody>
+          <a:bodyPr rtlCol="0" anchor="ctr"/>
+          <a:lstStyle/>
+          <a:p>
+            <a:pPr algn="ctr"/>
+            <a:r>
+              <a:rPr lang="en-US" dirty="0"/>
+              <a:t>After Change</a:t>
+            </a:r>
+            <a:endParaRPr lang="en-IN" dirty="0"/>
+          </a:p>
+        </p:txBody>
+      </p:sp>
+    </p:spTree>
+    <p:extLst>
+      <p:ext uri="{BB962C8B-B14F-4D97-AF65-F5344CB8AC3E}">
+        <p14:creationId xmlns:p14="http://schemas.microsoft.com/office/powerpoint/2010/main" val="184464248"/>
+      </p:ext>
+    </p:extLst>
+  </p:cSld>
+  <p:clrMapOvr>
+    <a:masterClrMapping/>
+  </p:clrMapOvr>
+  <mc:AlternateContent xmlns:mc="http://schemas.openxmlformats.org/markup-compatibility/2006" xmlns:p14="http://schemas.microsoft.com/office/powerpoint/2010/main">
+    <mc:Choice Requires="p14">
+      <p:transition p14:dur="10"/>
+    </mc:Choice>
+    <mc:Fallback xmlns="">
+      <p:transition/>
+    </mc:Fallback>
+  </mc:AlternateContent>
+</p:sld>
+</file>
+
+<file path=ppt/slides/slide7.xml><?xml version="1.0" encoding="utf-8"?>
+<p:sld xmlns:a="http://schemas.openxmlformats.org/drawingml/2006/main" xmlns:r="http://schemas.openxmlformats.org/officeDocument/2006/relationships" xmlns:p="http://schemas.openxmlformats.org/presentationml/2006/main">
+  <p:cSld>
+    <p:spTree>
+      <p:nvGrpSpPr>
+        <p:cNvPr id="1" name=""/>
+        <p:cNvGrpSpPr/>
+        <p:nvPr/>
+      </p:nvGrpSpPr>
+      <p:grpSpPr>
+        <a:xfrm>
+          <a:off x="0" y="0"/>
+          <a:ext cx="0" cy="0"/>
+          <a:chOff x="0" y="0"/>
+          <a:chExt cx="0" cy="0"/>
+        </a:xfrm>
+      </p:grpSpPr>
+      <p:sp>
+        <p:nvSpPr>
+          <p:cNvPr id="8" name="Title 7"/>
+          <p:cNvSpPr>
+            <a:spLocks noGrp="1"/>
+          </p:cNvSpPr>
+          <p:nvPr>
+            <p:ph type="title"/>
+          </p:nvPr>
+        </p:nvSpPr>
+        <p:spPr>
+          <a:xfrm>
+            <a:off x="521207" y="448056"/>
+            <a:ext cx="7658059" cy="640080"/>
+          </a:xfrm>
+        </p:spPr>
+        <p:txBody>
+          <a:bodyPr>
+            <a:noAutofit/>
+          </a:bodyPr>
+          <a:lstStyle/>
+          <a:p>
+            <a:r>
+              <a:rPr lang="en-US" dirty="0">
+                <a:latin typeface="Segoe UI Light" panose="020B0502040204020203" pitchFamily="34" charset="0"/>
+                <a:cs typeface="Segoe UI Light" panose="020B0502040204020203" pitchFamily="34" charset="0"/>
+              </a:rPr>
+              <a:t>REVISIT - ABSTRACTION</a:t>
+            </a:r>
+          </a:p>
+        </p:txBody>
+      </p:sp>
+      <p:sp>
+        <p:nvSpPr>
+          <p:cNvPr id="38" name="Content Placeholder 17"/>
+          <p:cNvSpPr txBox="1">
+            <a:spLocks/>
+          </p:cNvSpPr>
+          <p:nvPr/>
+        </p:nvSpPr>
+        <p:spPr>
+          <a:xfrm>
+            <a:off x="521205" y="1285570"/>
+            <a:ext cx="5032307" cy="5186486"/>
+          </a:xfrm>
+          <a:prstGeom prst="rect">
+            <a:avLst/>
+          </a:prstGeom>
+        </p:spPr>
+        <p:txBody>
+          <a:bodyPr vert="horz" lIns="91440" tIns="45720" rIns="91440" bIns="45720" rtlCol="0">
+            <a:normAutofit/>
+          </a:bodyPr>
+          <a:lstStyle>
+            <a:lvl1pPr marL="228600" indent="-228600" algn="l" defTabSz="914400" rtl="0" eaLnBrk="1" latinLnBrk="0" hangingPunct="1">
+              <a:lnSpc>
+                <a:spcPts val="1800"/>
+              </a:lnSpc>
+              <a:spcBef>
+                <a:spcPts val="1000"/>
+              </a:spcBef>
+              <a:spcAft>
+                <a:spcPts val="1000"/>
+              </a:spcAft>
+              <a:buFont typeface="Arial" panose="020B0604020202020204" pitchFamily="34" charset="0"/>
+              <a:buChar char="•"/>
+              <a:defRPr lang="en-US" sz="1200" kern="1200" smtClean="0">
+                <a:solidFill>
+                  <a:schemeClr val="tx1">
+                    <a:lumMod val="75000"/>
+                    <a:lumOff val="25000"/>
+                  </a:schemeClr>
+                </a:solidFill>
+                <a:latin typeface="+mn-lt"/>
+                <a:ea typeface="+mn-ea"/>
+                <a:cs typeface="+mn-cs"/>
+              </a:defRPr>
+            </a:lvl1pPr>
+            <a:lvl2pPr marL="685800" indent="-228600" algn="l" defTabSz="914400" rtl="0" eaLnBrk="1" latinLnBrk="0" hangingPunct="1">
+              <a:lnSpc>
+                <a:spcPts val="1800"/>
+              </a:lnSpc>
+              <a:spcBef>
+                <a:spcPts val="1000"/>
+              </a:spcBef>
+              <a:spcAft>
+                <a:spcPts val="1000"/>
+              </a:spcAft>
+              <a:buFont typeface="Arial" panose="020B0604020202020204" pitchFamily="34" charset="0"/>
+              <a:buChar char="•"/>
+              <a:defRPr lang="en-US" sz="1200" kern="1200" smtClean="0">
+                <a:solidFill>
+                  <a:schemeClr val="tx1">
+                    <a:lumMod val="75000"/>
+                    <a:lumOff val="25000"/>
+                  </a:schemeClr>
+                </a:solidFill>
+                <a:latin typeface="+mn-lt"/>
+                <a:ea typeface="+mn-ea"/>
+                <a:cs typeface="+mn-cs"/>
+              </a:defRPr>
+            </a:lvl2pPr>
+            <a:lvl3pPr marL="1143000" indent="-228600" algn="l" defTabSz="914400" rtl="0" eaLnBrk="1" latinLnBrk="0" hangingPunct="1">
+              <a:lnSpc>
+                <a:spcPts val="1800"/>
+              </a:lnSpc>
+              <a:spcBef>
+                <a:spcPts val="1000"/>
+              </a:spcBef>
+              <a:spcAft>
+                <a:spcPts val="1000"/>
+              </a:spcAft>
+              <a:buFont typeface="Arial" panose="020B0604020202020204" pitchFamily="34" charset="0"/>
+              <a:buChar char="•"/>
+              <a:defRPr lang="en-US" sz="1200" kern="1200" smtClean="0">
+                <a:solidFill>
+                  <a:schemeClr val="tx1">
+                    <a:lumMod val="75000"/>
+                    <a:lumOff val="25000"/>
+                  </a:schemeClr>
+                </a:solidFill>
+                <a:latin typeface="+mn-lt"/>
+                <a:ea typeface="+mn-ea"/>
+                <a:cs typeface="+mn-cs"/>
+              </a:defRPr>
+            </a:lvl3pPr>
+            <a:lvl4pPr marL="1600200" indent="-228600" algn="l" defTabSz="914400" rtl="0" eaLnBrk="1" latinLnBrk="0" hangingPunct="1">
+              <a:lnSpc>
+                <a:spcPts val="1800"/>
+              </a:lnSpc>
+              <a:spcBef>
+                <a:spcPts val="1000"/>
+              </a:spcBef>
+              <a:spcAft>
+                <a:spcPts val="1000"/>
+              </a:spcAft>
+              <a:buFont typeface="Arial" panose="020B0604020202020204" pitchFamily="34" charset="0"/>
+              <a:buChar char="•"/>
+              <a:defRPr lang="en-US" sz="1200" kern="1200" smtClean="0">
+                <a:solidFill>
+                  <a:schemeClr val="tx1">
+                    <a:lumMod val="75000"/>
+                    <a:lumOff val="25000"/>
+                  </a:schemeClr>
+                </a:solidFill>
+                <a:latin typeface="+mn-lt"/>
+                <a:ea typeface="+mn-ea"/>
+                <a:cs typeface="+mn-cs"/>
+              </a:defRPr>
+            </a:lvl4pPr>
+            <a:lvl5pPr marL="2057400" indent="-228600" algn="l" defTabSz="914400" rtl="0" eaLnBrk="1" latinLnBrk="0" hangingPunct="1">
+              <a:lnSpc>
+                <a:spcPts val="1800"/>
+              </a:lnSpc>
+              <a:spcBef>
+                <a:spcPts val="1000"/>
+              </a:spcBef>
+              <a:spcAft>
+                <a:spcPts val="1000"/>
+              </a:spcAft>
+              <a:buFont typeface="Arial" panose="020B0604020202020204" pitchFamily="34" charset="0"/>
+              <a:buChar char="•"/>
+              <a:defRPr lang="en-US" sz="1200" kern="1200">
+                <a:solidFill>
+                  <a:schemeClr val="tx1">
+                    <a:lumMod val="75000"/>
+                    <a:lumOff val="25000"/>
+                  </a:schemeClr>
+                </a:solidFill>
+                <a:latin typeface="+mn-lt"/>
+                <a:ea typeface="+mn-ea"/>
+                <a:cs typeface="+mn-cs"/>
+              </a:defRPr>
+            </a:lvl5pPr>
+            <a:lvl6pPr marL="2514600" indent="-228600" algn="l" defTabSz="914400" rtl="0" eaLnBrk="1" latinLnBrk="0" hangingPunct="1">
+              <a:lnSpc>
+                <a:spcPct val="90000"/>
+              </a:lnSpc>
+              <a:spcBef>
+                <a:spcPct val="30000"/>
+              </a:spcBef>
+              <a:buFont typeface="Arial" panose="020B0604020202020204" pitchFamily="34" charset="0"/>
+              <a:buChar char="•"/>
+              <a:defRPr sz="1800" kern="1200">
+                <a:solidFill>
+                  <a:schemeClr val="tx1"/>
+                </a:solidFill>
+                <a:latin typeface="+mn-lt"/>
+                <a:ea typeface="+mn-ea"/>
+                <a:cs typeface="+mn-cs"/>
+              </a:defRPr>
+            </a:lvl6pPr>
+            <a:lvl7pPr marL="2971800" indent="-228600" algn="l" defTabSz="914400" rtl="0" eaLnBrk="1" latinLnBrk="0" hangingPunct="1">
+              <a:lnSpc>
+                <a:spcPct val="90000"/>
+              </a:lnSpc>
+              <a:spcBef>
+                <a:spcPct val="30000"/>
+              </a:spcBef>
+              <a:buFont typeface="Arial" panose="020B0604020202020204" pitchFamily="34" charset="0"/>
+              <a:buChar char="•"/>
+              <a:defRPr sz="1800" kern="1200">
+                <a:solidFill>
+                  <a:schemeClr val="tx1"/>
+                </a:solidFill>
+                <a:latin typeface="+mn-lt"/>
+                <a:ea typeface="+mn-ea"/>
+                <a:cs typeface="+mn-cs"/>
+              </a:defRPr>
+            </a:lvl7pPr>
+            <a:lvl8pPr marL="3429000" indent="-228600" algn="l" defTabSz="914400" rtl="0" eaLnBrk="1" latinLnBrk="0" hangingPunct="1">
+              <a:lnSpc>
+                <a:spcPct val="90000"/>
+              </a:lnSpc>
+              <a:spcBef>
+                <a:spcPct val="30000"/>
+              </a:spcBef>
+              <a:buFont typeface="Arial" panose="020B0604020202020204" pitchFamily="34" charset="0"/>
+              <a:buChar char="•"/>
+              <a:defRPr sz="1800" kern="1200">
+                <a:solidFill>
+                  <a:schemeClr val="tx1"/>
+                </a:solidFill>
+                <a:latin typeface="+mn-lt"/>
+                <a:ea typeface="+mn-ea"/>
+                <a:cs typeface="+mn-cs"/>
+              </a:defRPr>
+            </a:lvl8pPr>
+            <a:lvl9pPr marL="3886200" indent="-228600" algn="l" defTabSz="914400" rtl="0" eaLnBrk="1" latinLnBrk="0" hangingPunct="1">
+              <a:lnSpc>
+                <a:spcPct val="90000"/>
+              </a:lnSpc>
+              <a:spcBef>
+                <a:spcPct val="30000"/>
+              </a:spcBef>
+              <a:buFont typeface="Arial" panose="020B0604020202020204" pitchFamily="34" charset="0"/>
+              <a:buChar char="•"/>
+              <a:defRPr sz="1800" kern="1200">
+                <a:solidFill>
+                  <a:schemeClr val="tx1"/>
+                </a:solidFill>
+                <a:latin typeface="+mn-lt"/>
+                <a:ea typeface="+mn-ea"/>
+                <a:cs typeface="+mn-cs"/>
+              </a:defRPr>
+            </a:lvl9pPr>
+          </a:lstStyle>
+          <a:p>
+            <a:pPr marL="0" lvl="0" indent="0">
+              <a:spcAft>
+                <a:spcPts val="600"/>
+              </a:spcAft>
+              <a:buNone/>
+              <a:defRPr/>
+            </a:pPr>
             <a:r>
               <a:rPr lang="en-US" sz="1100" dirty="0">
                 <a:latin typeface="Segoe UI" panose="020B0502040204020203" pitchFamily="34" charset="0"/>
                 <a:cs typeface="Segoe UI" panose="020B0502040204020203" pitchFamily="34" charset="0"/>
               </a:rPr>
-              <a:t>Abstract class can contains non abstract methods but at least one abstract method. </a:t>
+              <a:t>An instance of an abstract class can not be created.</a:t>
+            </a:r>
+          </a:p>
+          <a:p>
+            <a:pPr marL="0" lvl="0" indent="0">
+              <a:spcAft>
+                <a:spcPts val="600"/>
+              </a:spcAft>
+              <a:buNone/>
+              <a:defRPr/>
+            </a:pPr>
+            <a:r>
+              <a:rPr lang="en-US" sz="1100" dirty="0">
+                <a:latin typeface="Segoe UI" panose="020B0502040204020203" pitchFamily="34" charset="0"/>
+                <a:cs typeface="Segoe UI" panose="020B0502040204020203" pitchFamily="34" charset="0"/>
+              </a:rPr>
+              <a:t>A class inherits from the abstract class need to implement all its abstract members.</a:t>
+            </a:r>
+          </a:p>
+          <a:p>
+            <a:pPr marL="0" lvl="0" indent="0">
+              <a:spcAft>
+                <a:spcPts val="600"/>
+              </a:spcAft>
+              <a:buNone/>
+              <a:defRPr/>
+            </a:pPr>
+            <a:r>
+              <a:rPr lang="en-US" sz="1100" dirty="0">
+                <a:latin typeface="Segoe UI" panose="020B0502040204020203" pitchFamily="34" charset="0"/>
+                <a:cs typeface="Segoe UI" panose="020B0502040204020203" pitchFamily="34" charset="0"/>
+              </a:rPr>
+              <a:t>Abstract class can contain non abstract methods but at least one abstract method. </a:t>
             </a:r>
           </a:p>
           <a:p>
@@ -6944,8 +9690,8 @@
         </p:blipFill>
         <p:spPr>
           <a:xfrm>
-            <a:off x="6096000" y="1388640"/>
-            <a:ext cx="5267325" cy="3829050"/>
+            <a:off x="5326602" y="1493601"/>
+            <a:ext cx="6344193" cy="4078830"/>
           </a:xfrm>
           <a:prstGeom prst="rect">
             <a:avLst/>
@@ -6975,7 +9721,7 @@
         <p:spPr>
           <a:xfrm>
             <a:off x="633150" y="3072030"/>
-            <a:ext cx="2697279" cy="3405781"/>
+            <a:ext cx="4187425" cy="3405781"/>
           </a:xfrm>
           <a:prstGeom prst="rect">
             <a:avLst/>
@@ -6992,18 +9738,18 @@
   <p:clrMapOvr>
     <a:masterClrMapping/>
   </p:clrMapOvr>
-  <mc:AlternateContent xmlns:mc="http://schemas.openxmlformats.org/markup-compatibility/2006">
-    <mc:Choice xmlns:p14="http://schemas.microsoft.com/office/powerpoint/2010/main" Requires="p14">
+  <mc:AlternateContent xmlns:mc="http://schemas.openxmlformats.org/markup-compatibility/2006" xmlns:p14="http://schemas.microsoft.com/office/powerpoint/2010/main">
+    <mc:Choice Requires="p14">
       <p:transition p14:dur="10"/>
     </mc:Choice>
-    <mc:Fallback>
+    <mc:Fallback xmlns="">
       <p:transition/>
     </mc:Fallback>
   </mc:AlternateContent>
 </p:sld>
 </file>
 
-<file path=ppt/slides/slide6.xml><?xml version="1.0" encoding="utf-8"?>
+<file path=ppt/slides/slide8.xml><?xml version="1.0" encoding="utf-8"?>
 <p:sld xmlns:a="http://schemas.openxmlformats.org/drawingml/2006/main" xmlns:r="http://schemas.openxmlformats.org/officeDocument/2006/relationships" xmlns:p="http://schemas.openxmlformats.org/presentationml/2006/main">
   <p:cSld>
     <p:spTree>
@@ -9228,7 +11974,7 @@
 </p:sld>
 </file>
 
-<file path=ppt/slides/slide7.xml><?xml version="1.0" encoding="utf-8"?>
+<file path=ppt/slides/slide9.xml><?xml version="1.0" encoding="utf-8"?>
 <p:sld xmlns:a="http://schemas.openxmlformats.org/drawingml/2006/main" xmlns:r="http://schemas.openxmlformats.org/officeDocument/2006/relationships" xmlns:p="http://schemas.openxmlformats.org/presentationml/2006/main">
   <p:cSld>
     <p:spTree>
@@ -9505,7 +12251,7 @@
                 <a:latin typeface="Segoe UI" panose="020B0502040204020203" pitchFamily="34" charset="0"/>
                 <a:cs typeface="Segoe UI" panose="020B0502040204020203" pitchFamily="34" charset="0"/>
               </a:rPr>
-              <a:t>A class (or method) should only have one responsibility hence only one reason to change</a:t>
+              <a:t>A class (or method) should only have one responsibility hence only one reason to change.</a:t>
             </a:r>
           </a:p>
           <a:p>
@@ -9518,40 +12264,46 @@
             </a:pPr>
             <a:r>
               <a:rPr lang="en-US" sz="1100" dirty="0">
+                <a:solidFill>
+                  <a:schemeClr val="accent4"/>
+                </a:solidFill>
                 <a:latin typeface="Segoe UI" panose="020B0502040204020203" pitchFamily="34" charset="0"/>
                 <a:cs typeface="Segoe UI" panose="020B0502040204020203" pitchFamily="34" charset="0"/>
               </a:rPr>
-              <a:t>Benefits:</a:t>
-            </a:r>
-          </a:p>
-          <a:p>
-            <a:pPr>
-              <a:spcAft>
-                <a:spcPts val="600"/>
-              </a:spcAft>
-              <a:defRPr/>
-            </a:pPr>
+              <a:t>Misinterpretation</a:t>
+            </a:r>
             <a:r>
               <a:rPr lang="en-US" sz="1100" dirty="0">
                 <a:latin typeface="Segoe UI" panose="020B0502040204020203" pitchFamily="34" charset="0"/>
                 <a:cs typeface="Segoe UI" panose="020B0502040204020203" pitchFamily="34" charset="0"/>
               </a:rPr>
-              <a:t>Easier to understand and maintain.</a:t>
-            </a:r>
-          </a:p>
-          <a:p>
-            <a:pPr>
+              <a:t> – Most developers interpret to mean that a class should perform only one task. But it's not only classes, functions you implement in code during development should also perform only one task. So one should interpret it as meaning that an implementation should perform only one task.</a:t>
+            </a:r>
+          </a:p>
+          <a:p>
+            <a:pPr marL="0" lvl="0" indent="0">
               <a:spcAft>
                 <a:spcPts val="600"/>
               </a:spcAft>
+              <a:buNone/>
               <a:defRPr/>
             </a:pPr>
+            <a:r>
+              <a:rPr lang="en-US" sz="1100" dirty="0">
+                <a:solidFill>
+                  <a:schemeClr val="accent4"/>
+                </a:solidFill>
+                <a:latin typeface="Segoe UI" panose="020B0502040204020203" pitchFamily="34" charset="0"/>
+                <a:cs typeface="Segoe UI" panose="020B0502040204020203" pitchFamily="34" charset="0"/>
+              </a:rPr>
+              <a:t>Benefits</a:t>
+            </a:r>
             <a:r>
               <a:rPr lang="en-US" sz="1100" dirty="0">
                 <a:latin typeface="Segoe UI" panose="020B0502040204020203" pitchFamily="34" charset="0"/>
                 <a:cs typeface="Segoe UI" panose="020B0502040204020203" pitchFamily="34" charset="0"/>
               </a:rPr>
-              <a:t>Change less frequently.</a:t>
+              <a:t>:</a:t>
             </a:r>
           </a:p>
           <a:p>
@@ -9566,8 +12318,108 @@
                 <a:latin typeface="Segoe UI" panose="020B0502040204020203" pitchFamily="34" charset="0"/>
                 <a:cs typeface="Segoe UI" panose="020B0502040204020203" pitchFamily="34" charset="0"/>
               </a:rPr>
-              <a:t>Easy to Test</a:t>
-            </a:r>
+              <a:t>Easier to understand for a new teammate.</a:t>
+            </a:r>
+          </a:p>
+          <a:p>
+            <a:pPr>
+              <a:spcAft>
+                <a:spcPts val="600"/>
+              </a:spcAft>
+              <a:defRPr/>
+            </a:pPr>
+            <a:r>
+              <a:rPr lang="en-US" sz="1100" dirty="0">
+                <a:latin typeface="Segoe UI" panose="020B0502040204020203" pitchFamily="34" charset="0"/>
+                <a:cs typeface="Segoe UI" panose="020B0502040204020203" pitchFamily="34" charset="0"/>
+              </a:rPr>
+              <a:t>Maintain is easy as it change less frequently.</a:t>
+            </a:r>
+          </a:p>
+          <a:p>
+            <a:pPr>
+              <a:spcAft>
+                <a:spcPts val="600"/>
+              </a:spcAft>
+              <a:defRPr/>
+            </a:pPr>
+            <a:r>
+              <a:rPr lang="en-US" sz="1100" dirty="0">
+                <a:latin typeface="Segoe UI" panose="020B0502040204020203" pitchFamily="34" charset="0"/>
+                <a:cs typeface="Segoe UI" panose="020B0502040204020203" pitchFamily="34" charset="0"/>
+              </a:rPr>
+              <a:t>Easier to Test</a:t>
+            </a:r>
+          </a:p>
+          <a:p>
+            <a:pPr marL="0" indent="0">
+              <a:spcAft>
+                <a:spcPts val="600"/>
+              </a:spcAft>
+              <a:buNone/>
+              <a:defRPr/>
+            </a:pPr>
+            <a:r>
+              <a:rPr lang="en-US" sz="1100" dirty="0">
+                <a:solidFill>
+                  <a:schemeClr val="accent4"/>
+                </a:solidFill>
+                <a:latin typeface="Segoe UI" panose="020B0502040204020203" pitchFamily="34" charset="0"/>
+                <a:cs typeface="Segoe UI" panose="020B0502040204020203" pitchFamily="34" charset="0"/>
+              </a:rPr>
+              <a:t>How to determine?</a:t>
+            </a:r>
+          </a:p>
+          <a:p>
+            <a:pPr>
+              <a:spcAft>
+                <a:spcPts val="600"/>
+              </a:spcAft>
+              <a:defRPr/>
+            </a:pPr>
+            <a:r>
+              <a:rPr lang="en-US" sz="1100" dirty="0">
+                <a:solidFill>
+                  <a:schemeClr val="tx1"/>
+                </a:solidFill>
+                <a:latin typeface="Segoe UI" panose="020B0502040204020203" pitchFamily="34" charset="0"/>
+                <a:cs typeface="Segoe UI" panose="020B0502040204020203" pitchFamily="34" charset="0"/>
+              </a:rPr>
+              <a:t>Class description should not contain words like “And , Or, But or If”.</a:t>
+            </a:r>
+          </a:p>
+          <a:p>
+            <a:pPr>
+              <a:spcAft>
+                <a:spcPts val="600"/>
+              </a:spcAft>
+              <a:defRPr/>
+            </a:pPr>
+            <a:r>
+              <a:rPr lang="en-US" sz="1100" dirty="0">
+                <a:solidFill>
+                  <a:schemeClr val="tx1"/>
+                </a:solidFill>
+                <a:latin typeface="Segoe UI" panose="020B0502040204020203" pitchFamily="34" charset="0"/>
+                <a:cs typeface="Segoe UI" panose="020B0502040204020203" pitchFamily="34" charset="0"/>
+              </a:rPr>
+              <a:t>Class constructor/method contains too many parameters.</a:t>
+            </a:r>
+          </a:p>
+          <a:p>
+            <a:pPr>
+              <a:spcAft>
+                <a:spcPts val="600"/>
+              </a:spcAft>
+              <a:defRPr/>
+            </a:pPr>
+            <a:endParaRPr lang="en-US" sz="1100" dirty="0">
+              <a:solidFill>
+                <a:schemeClr val="tx1"/>
+              </a:solidFill>
+              <a:latin typeface="Segoe UI" panose="020B0502040204020203" pitchFamily="34" charset="0"/>
+              <a:cs typeface="Segoe UI" panose="020B0502040204020203" pitchFamily="34" charset="0"/>
+            </a:endParaRPr>
           </a:p>
           <a:p>
             <a:pPr marL="0" lvl="0" indent="0">
@@ -9613,8 +12465,8 @@
         </p:blipFill>
         <p:spPr bwMode="auto">
           <a:xfrm>
-            <a:off x="5511567" y="1388592"/>
-            <a:ext cx="6090978" cy="4290755"/>
+            <a:off x="6371208" y="1238745"/>
+            <a:ext cx="3225553" cy="2272222"/>
           </a:xfrm>
           <a:prstGeom prst="rect">
             <a:avLst/>
@@ -9631,606 +12483,12 @@
           </a:extLst>
         </p:spPr>
       </p:pic>
-    </p:spTree>
-    <p:extLst>
-      <p:ext uri="{BB962C8B-B14F-4D97-AF65-F5344CB8AC3E}">
-        <p14:creationId xmlns:p14="http://schemas.microsoft.com/office/powerpoint/2010/main" val="2596833607"/>
-      </p:ext>
-    </p:extLst>
-  </p:cSld>
-  <p:clrMapOvr>
-    <a:masterClrMapping/>
-  </p:clrMapOvr>
-</p:sld>
-</file>
-
-<file path=ppt/slides/slide8.xml><?xml version="1.0" encoding="utf-8"?>
-<p:sld xmlns:a="http://schemas.openxmlformats.org/drawingml/2006/main" xmlns:r="http://schemas.openxmlformats.org/officeDocument/2006/relationships" xmlns:p="http://schemas.openxmlformats.org/presentationml/2006/main">
-  <p:cSld>
-    <p:spTree>
-      <p:nvGrpSpPr>
-        <p:cNvPr id="1" name=""/>
-        <p:cNvGrpSpPr/>
-        <p:nvPr/>
-      </p:nvGrpSpPr>
-      <p:grpSpPr>
-        <a:xfrm>
-          <a:off x="0" y="0"/>
-          <a:ext cx="0" cy="0"/>
-          <a:chOff x="0" y="0"/>
-          <a:chExt cx="0" cy="0"/>
-        </a:xfrm>
-      </p:grpSpPr>
-      <p:sp>
-        <p:nvSpPr>
-          <p:cNvPr id="6" name="Title 5"/>
-          <p:cNvSpPr>
-            <a:spLocks noGrp="1"/>
-          </p:cNvSpPr>
-          <p:nvPr>
-            <p:ph type="title"/>
-          </p:nvPr>
-        </p:nvSpPr>
-        <p:spPr/>
-        <p:txBody>
-          <a:bodyPr/>
-          <a:lstStyle/>
-          <a:p>
-            <a:r>
-              <a:rPr lang="en-US" dirty="0">
-                <a:latin typeface="Segoe UI Light" panose="020B0502040204020203" pitchFamily="34" charset="0"/>
-                <a:cs typeface="Segoe UI Light" panose="020B0502040204020203" pitchFamily="34" charset="0"/>
-              </a:rPr>
-              <a:t>DEMO</a:t>
-            </a:r>
-          </a:p>
-        </p:txBody>
-      </p:sp>
-      <p:sp>
-        <p:nvSpPr>
-          <p:cNvPr id="25" name="Text Box 16" descr="Select me"/>
-          <p:cNvSpPr txBox="1"/>
-          <p:nvPr/>
-        </p:nvSpPr>
-        <p:spPr>
-          <a:xfrm rot="21077122">
-            <a:off x="2444416" y="1772253"/>
-            <a:ext cx="1334770" cy="435610"/>
-          </a:xfrm>
-          <a:prstGeom prst="rect">
-            <a:avLst/>
-          </a:prstGeom>
-          <a:noFill/>
-          <a:ln>
-            <a:noFill/>
-          </a:ln>
-          <a:effectLst/>
-          <a:extLst>
-            <a:ext uri="{C572A759-6A51-4108-AA02-DFA0A04FC94B}">
-              <ma14:wrappingTextBoxFlag xmlns="" xmlns:ma14="http://schemas.microsoft.com/office/mac/drawingml/2011/main"/>
-            </a:ext>
-          </a:extLst>
-        </p:spPr>
-        <p:txBody>
-          <a:bodyPr rot="0" spcFirstLastPara="0" vert="horz" wrap="none" lIns="91440" tIns="45720" rIns="91440" bIns="45720" numCol="1" spcCol="0" rtlCol="0" fromWordArt="0" anchor="t" anchorCtr="0" forceAA="0" compatLnSpc="1">
-            <a:prstTxWarp prst="textNoShape">
-              <a:avLst/>
-            </a:prstTxWarp>
-            <a:noAutofit/>
-          </a:bodyPr>
-          <a:lstStyle/>
-          <a:p>
-            <a:pPr marL="0" marR="0" algn="ctr">
-              <a:spcBef>
-                <a:spcPts val="0"/>
-              </a:spcBef>
-              <a:spcAft>
-                <a:spcPts val="200"/>
-              </a:spcAft>
-              <a:tabLst>
-                <a:tab pos="4931410" algn="l"/>
-              </a:tabLst>
-            </a:pPr>
-            <a:r>
-              <a:rPr lang="en-US" sz="1200" b="1" kern="1000" spc="100" dirty="0">
-                <a:ln>
-                  <a:noFill/>
-                </a:ln>
-                <a:solidFill>
-                  <a:srgbClr val="D24726"/>
-                </a:solidFill>
-                <a:effectLst/>
-                <a:latin typeface="Segoe UI Semibold" panose="020B0702040204020203" pitchFamily="34" charset="0"/>
-                <a:ea typeface="SimHei" panose="02010609060101010101" pitchFamily="49" charset="-122"/>
-                <a:cs typeface="Times New Roman" panose="02020603050405020304" pitchFamily="18" charset="0"/>
-              </a:rPr>
-              <a:t>SHOW ME</a:t>
-            </a:r>
-            <a:endParaRPr lang="en-US" sz="1200" b="1" kern="1400" dirty="0">
-              <a:solidFill>
-                <a:srgbClr val="D24726"/>
-              </a:solidFill>
-              <a:effectLst/>
-              <a:latin typeface="Segoe UI Light" panose="020B0502040204020203" pitchFamily="34" charset="0"/>
-              <a:ea typeface="SimHei" panose="02010609060101010101" pitchFamily="49" charset="-122"/>
-              <a:cs typeface="Times New Roman" panose="02020603050405020304" pitchFamily="18" charset="0"/>
-            </a:endParaRPr>
-          </a:p>
-        </p:txBody>
-      </p:sp>
       <p:pic>
         <p:nvPicPr>
-          <p:cNvPr id="24" name="Picture 23">
-            <a:extLst>
-              <a:ext uri="{C183D7F6-B498-43B3-948B-1728B52AA6E4}">
-                <adec:decorative xmlns:adec="http://schemas.microsoft.com/office/drawing/2017/decorative" val="1"/>
-              </a:ext>
-            </a:extLst>
-          </p:cNvPr>
-          <p:cNvPicPr/>
-          <p:nvPr/>
-        </p:nvPicPr>
-        <p:blipFill>
-          <a:blip r:embed="rId2" cstate="print">
-            <a:extLst>
-              <a:ext uri="{28A0092B-C50C-407E-A947-70E740481C1C}">
-                <a14:useLocalDpi xmlns:a14="http://schemas.microsoft.com/office/drawing/2010/main" val="0"/>
-              </a:ext>
-            </a:extLst>
-          </a:blip>
-          <a:stretch>
-            <a:fillRect/>
-          </a:stretch>
-        </p:blipFill>
-        <p:spPr>
-          <a:xfrm rot="3861835" flipH="1">
-            <a:off x="3141693" y="1787378"/>
-            <a:ext cx="851862" cy="939987"/>
-          </a:xfrm>
-          <a:prstGeom prst="rect">
-            <a:avLst/>
-          </a:prstGeom>
-        </p:spPr>
-      </p:pic>
-      <p:pic>
-        <p:nvPicPr>
-          <p:cNvPr id="23" name="Picture 22" descr="Robot"/>
-          <p:cNvPicPr>
-            <a:picLocks noChangeAspect="1"/>
-          </p:cNvPicPr>
-          <p:nvPr/>
-        </p:nvPicPr>
-        <p:blipFill>
-          <a:blip r:embed="rId3"/>
-          <a:stretch>
-            <a:fillRect/>
-          </a:stretch>
-        </p:blipFill>
-        <p:spPr>
-          <a:xfrm>
-            <a:off x="4313860" y="1646170"/>
-            <a:ext cx="2775459" cy="4531804"/>
-          </a:xfrm>
-          <a:prstGeom prst="rect">
-            <a:avLst/>
-          </a:prstGeom>
-        </p:spPr>
-      </p:pic>
-    </p:spTree>
-    <p:extLst>
-      <p:ext uri="{BB962C8B-B14F-4D97-AF65-F5344CB8AC3E}">
-        <p14:creationId xmlns:p14="http://schemas.microsoft.com/office/powerpoint/2010/main" val="727668169"/>
-      </p:ext>
-    </p:extLst>
-  </p:cSld>
-  <p:clrMapOvr>
-    <a:masterClrMapping/>
-  </p:clrMapOvr>
-  <mc:AlternateContent xmlns:mc="http://schemas.openxmlformats.org/markup-compatibility/2006" xmlns:p14="http://schemas.microsoft.com/office/powerpoint/2010/main">
-    <mc:Choice Requires="p14">
-      <p:transition p14:dur="10"/>
-    </mc:Choice>
-    <mc:Fallback xmlns="">
-      <p:transition/>
-    </mc:Fallback>
-  </mc:AlternateContent>
-</p:sld>
-</file>
-
-<file path=ppt/slides/slide9.xml><?xml version="1.0" encoding="utf-8"?>
-<p:sld xmlns:a="http://schemas.openxmlformats.org/drawingml/2006/main" xmlns:r="http://schemas.openxmlformats.org/officeDocument/2006/relationships" xmlns:p="http://schemas.openxmlformats.org/presentationml/2006/main">
-  <p:cSld>
-    <p:spTree>
-      <p:nvGrpSpPr>
-        <p:cNvPr id="1" name=""/>
-        <p:cNvGrpSpPr/>
-        <p:nvPr/>
-      </p:nvGrpSpPr>
-      <p:grpSpPr>
-        <a:xfrm>
-          <a:off x="0" y="0"/>
-          <a:ext cx="0" cy="0"/>
-          <a:chOff x="0" y="0"/>
-          <a:chExt cx="0" cy="0"/>
-        </a:xfrm>
-      </p:grpSpPr>
-      <p:sp>
-        <p:nvSpPr>
-          <p:cNvPr id="3" name="Title 2"/>
-          <p:cNvSpPr>
-            <a:spLocks noGrp="1"/>
-          </p:cNvSpPr>
-          <p:nvPr>
-            <p:ph type="title"/>
-          </p:nvPr>
-        </p:nvSpPr>
-        <p:spPr/>
-        <p:txBody>
-          <a:bodyPr/>
-          <a:lstStyle/>
-          <a:p>
-            <a:r>
-              <a:rPr lang="en-US" dirty="0"/>
-              <a:t>OPEN /CLOSED PRINCIPLE</a:t>
-            </a:r>
-            <a:endParaRPr lang="en-US" dirty="0">
-              <a:latin typeface="Segoe UI Light" panose="020B0502040204020203" pitchFamily="34" charset="0"/>
-              <a:cs typeface="Segoe UI Light" panose="020B0502040204020203" pitchFamily="34" charset="0"/>
-            </a:endParaRPr>
-          </a:p>
-        </p:txBody>
-      </p:sp>
-      <p:sp>
-        <p:nvSpPr>
-          <p:cNvPr id="31" name="Content Placeholder 17">
+          <p:cNvPr id="1026" name="Picture 2">
             <a:extLst>
               <a:ext uri="{FF2B5EF4-FFF2-40B4-BE49-F238E27FC236}">
-                <a16:creationId xmlns:a16="http://schemas.microsoft.com/office/drawing/2014/main" id="{ACECB700-9D9A-2026-DCE3-74DEC3C8D1B0}"/>
-              </a:ext>
-            </a:extLst>
-          </p:cNvPr>
-          <p:cNvSpPr txBox="1">
-            <a:spLocks/>
-          </p:cNvSpPr>
-          <p:nvPr/>
-        </p:nvSpPr>
-        <p:spPr>
-          <a:xfrm>
-            <a:off x="604344" y="1339746"/>
-            <a:ext cx="4806555" cy="5178500"/>
-          </a:xfrm>
-          <a:prstGeom prst="rect">
-            <a:avLst/>
-          </a:prstGeom>
-        </p:spPr>
-        <p:txBody>
-          <a:bodyPr vert="horz" lIns="91440" tIns="45720" rIns="91440" bIns="45720" rtlCol="0">
-            <a:normAutofit/>
-          </a:bodyPr>
-          <a:lstStyle>
-            <a:lvl1pPr marL="228600" indent="-228600" algn="l" defTabSz="914400" rtl="0" eaLnBrk="1" latinLnBrk="0" hangingPunct="1">
-              <a:lnSpc>
-                <a:spcPts val="1800"/>
-              </a:lnSpc>
-              <a:spcBef>
-                <a:spcPts val="1000"/>
-              </a:spcBef>
-              <a:spcAft>
-                <a:spcPts val="1000"/>
-              </a:spcAft>
-              <a:buFont typeface="Arial" panose="020B0604020202020204" pitchFamily="34" charset="0"/>
-              <a:buChar char="•"/>
-              <a:defRPr lang="en-US" sz="1200" kern="1200" smtClean="0">
-                <a:solidFill>
-                  <a:schemeClr val="tx1">
-                    <a:lumMod val="75000"/>
-                    <a:lumOff val="25000"/>
-                  </a:schemeClr>
-                </a:solidFill>
-                <a:latin typeface="+mn-lt"/>
-                <a:ea typeface="+mn-ea"/>
-                <a:cs typeface="+mn-cs"/>
-              </a:defRPr>
-            </a:lvl1pPr>
-            <a:lvl2pPr marL="685800" indent="-228600" algn="l" defTabSz="914400" rtl="0" eaLnBrk="1" latinLnBrk="0" hangingPunct="1">
-              <a:lnSpc>
-                <a:spcPts val="1800"/>
-              </a:lnSpc>
-              <a:spcBef>
-                <a:spcPts val="1000"/>
-              </a:spcBef>
-              <a:spcAft>
-                <a:spcPts val="1000"/>
-              </a:spcAft>
-              <a:buFont typeface="Arial" panose="020B0604020202020204" pitchFamily="34" charset="0"/>
-              <a:buChar char="•"/>
-              <a:defRPr lang="en-US" sz="1200" kern="1200" smtClean="0">
-                <a:solidFill>
-                  <a:schemeClr val="tx1">
-                    <a:lumMod val="75000"/>
-                    <a:lumOff val="25000"/>
-                  </a:schemeClr>
-                </a:solidFill>
-                <a:latin typeface="+mn-lt"/>
-                <a:ea typeface="+mn-ea"/>
-                <a:cs typeface="+mn-cs"/>
-              </a:defRPr>
-            </a:lvl2pPr>
-            <a:lvl3pPr marL="1143000" indent="-228600" algn="l" defTabSz="914400" rtl="0" eaLnBrk="1" latinLnBrk="0" hangingPunct="1">
-              <a:lnSpc>
-                <a:spcPts val="1800"/>
-              </a:lnSpc>
-              <a:spcBef>
-                <a:spcPts val="1000"/>
-              </a:spcBef>
-              <a:spcAft>
-                <a:spcPts val="1000"/>
-              </a:spcAft>
-              <a:buFont typeface="Arial" panose="020B0604020202020204" pitchFamily="34" charset="0"/>
-              <a:buChar char="•"/>
-              <a:defRPr lang="en-US" sz="1200" kern="1200" smtClean="0">
-                <a:solidFill>
-                  <a:schemeClr val="tx1">
-                    <a:lumMod val="75000"/>
-                    <a:lumOff val="25000"/>
-                  </a:schemeClr>
-                </a:solidFill>
-                <a:latin typeface="+mn-lt"/>
-                <a:ea typeface="+mn-ea"/>
-                <a:cs typeface="+mn-cs"/>
-              </a:defRPr>
-            </a:lvl3pPr>
-            <a:lvl4pPr marL="1600200" indent="-228600" algn="l" defTabSz="914400" rtl="0" eaLnBrk="1" latinLnBrk="0" hangingPunct="1">
-              <a:lnSpc>
-                <a:spcPts val="1800"/>
-              </a:lnSpc>
-              <a:spcBef>
-                <a:spcPts val="1000"/>
-              </a:spcBef>
-              <a:spcAft>
-                <a:spcPts val="1000"/>
-              </a:spcAft>
-              <a:buFont typeface="Arial" panose="020B0604020202020204" pitchFamily="34" charset="0"/>
-              <a:buChar char="•"/>
-              <a:defRPr lang="en-US" sz="1200" kern="1200" smtClean="0">
-                <a:solidFill>
-                  <a:schemeClr val="tx1">
-                    <a:lumMod val="75000"/>
-                    <a:lumOff val="25000"/>
-                  </a:schemeClr>
-                </a:solidFill>
-                <a:latin typeface="+mn-lt"/>
-                <a:ea typeface="+mn-ea"/>
-                <a:cs typeface="+mn-cs"/>
-              </a:defRPr>
-            </a:lvl4pPr>
-            <a:lvl5pPr marL="2057400" indent="-228600" algn="l" defTabSz="914400" rtl="0" eaLnBrk="1" latinLnBrk="0" hangingPunct="1">
-              <a:lnSpc>
-                <a:spcPts val="1800"/>
-              </a:lnSpc>
-              <a:spcBef>
-                <a:spcPts val="1000"/>
-              </a:spcBef>
-              <a:spcAft>
-                <a:spcPts val="1000"/>
-              </a:spcAft>
-              <a:buFont typeface="Arial" panose="020B0604020202020204" pitchFamily="34" charset="0"/>
-              <a:buChar char="•"/>
-              <a:defRPr lang="en-US" sz="1200" kern="1200">
-                <a:solidFill>
-                  <a:schemeClr val="tx1">
-                    <a:lumMod val="75000"/>
-                    <a:lumOff val="25000"/>
-                  </a:schemeClr>
-                </a:solidFill>
-                <a:latin typeface="+mn-lt"/>
-                <a:ea typeface="+mn-ea"/>
-                <a:cs typeface="+mn-cs"/>
-              </a:defRPr>
-            </a:lvl5pPr>
-            <a:lvl6pPr marL="2514600" indent="-228600" algn="l" defTabSz="914400" rtl="0" eaLnBrk="1" latinLnBrk="0" hangingPunct="1">
-              <a:lnSpc>
-                <a:spcPct val="90000"/>
-              </a:lnSpc>
-              <a:spcBef>
-                <a:spcPct val="30000"/>
-              </a:spcBef>
-              <a:buFont typeface="Arial" panose="020B0604020202020204" pitchFamily="34" charset="0"/>
-              <a:buChar char="•"/>
-              <a:defRPr sz="1800" kern="1200">
-                <a:solidFill>
-                  <a:schemeClr val="tx1"/>
-                </a:solidFill>
-                <a:latin typeface="+mn-lt"/>
-                <a:ea typeface="+mn-ea"/>
-                <a:cs typeface="+mn-cs"/>
-              </a:defRPr>
-            </a:lvl6pPr>
-            <a:lvl7pPr marL="2971800" indent="-228600" algn="l" defTabSz="914400" rtl="0" eaLnBrk="1" latinLnBrk="0" hangingPunct="1">
-              <a:lnSpc>
-                <a:spcPct val="90000"/>
-              </a:lnSpc>
-              <a:spcBef>
-                <a:spcPct val="30000"/>
-              </a:spcBef>
-              <a:buFont typeface="Arial" panose="020B0604020202020204" pitchFamily="34" charset="0"/>
-              <a:buChar char="•"/>
-              <a:defRPr sz="1800" kern="1200">
-                <a:solidFill>
-                  <a:schemeClr val="tx1"/>
-                </a:solidFill>
-                <a:latin typeface="+mn-lt"/>
-                <a:ea typeface="+mn-ea"/>
-                <a:cs typeface="+mn-cs"/>
-              </a:defRPr>
-            </a:lvl7pPr>
-            <a:lvl8pPr marL="3429000" indent="-228600" algn="l" defTabSz="914400" rtl="0" eaLnBrk="1" latinLnBrk="0" hangingPunct="1">
-              <a:lnSpc>
-                <a:spcPct val="90000"/>
-              </a:lnSpc>
-              <a:spcBef>
-                <a:spcPct val="30000"/>
-              </a:spcBef>
-              <a:buFont typeface="Arial" panose="020B0604020202020204" pitchFamily="34" charset="0"/>
-              <a:buChar char="•"/>
-              <a:defRPr sz="1800" kern="1200">
-                <a:solidFill>
-                  <a:schemeClr val="tx1"/>
-                </a:solidFill>
-                <a:latin typeface="+mn-lt"/>
-                <a:ea typeface="+mn-ea"/>
-                <a:cs typeface="+mn-cs"/>
-              </a:defRPr>
-            </a:lvl8pPr>
-            <a:lvl9pPr marL="3886200" indent="-228600" algn="l" defTabSz="914400" rtl="0" eaLnBrk="1" latinLnBrk="0" hangingPunct="1">
-              <a:lnSpc>
-                <a:spcPct val="90000"/>
-              </a:lnSpc>
-              <a:spcBef>
-                <a:spcPct val="30000"/>
-              </a:spcBef>
-              <a:buFont typeface="Arial" panose="020B0604020202020204" pitchFamily="34" charset="0"/>
-              <a:buChar char="•"/>
-              <a:defRPr sz="1800" kern="1200">
-                <a:solidFill>
-                  <a:schemeClr val="tx1"/>
-                </a:solidFill>
-                <a:latin typeface="+mn-lt"/>
-                <a:ea typeface="+mn-ea"/>
-                <a:cs typeface="+mn-cs"/>
-              </a:defRPr>
-            </a:lvl9pPr>
-          </a:lstStyle>
-          <a:p>
-            <a:pPr marL="0" lvl="0" indent="0">
-              <a:spcAft>
-                <a:spcPts val="600"/>
-              </a:spcAft>
-              <a:buNone/>
-              <a:defRPr/>
-            </a:pPr>
-            <a:r>
-              <a:rPr lang="en-US" sz="1100" dirty="0">
-                <a:latin typeface="Segoe UI" panose="020B0502040204020203" pitchFamily="34" charset="0"/>
-                <a:cs typeface="Segoe UI" panose="020B0502040204020203" pitchFamily="34" charset="0"/>
-              </a:rPr>
-              <a:t>A class should be open for extension but closed for modification</a:t>
-            </a:r>
-          </a:p>
-          <a:p>
-            <a:pPr marL="0" lvl="0" indent="0">
-              <a:spcAft>
-                <a:spcPts val="600"/>
-              </a:spcAft>
-              <a:buNone/>
-              <a:defRPr/>
-            </a:pPr>
-            <a:r>
-              <a:rPr lang="en-US" sz="1100" dirty="0">
-                <a:latin typeface="Segoe UI" panose="020B0502040204020203" pitchFamily="34" charset="0"/>
-                <a:cs typeface="Segoe UI" panose="020B0502040204020203" pitchFamily="34" charset="0"/>
-              </a:rPr>
-              <a:t>Benefits</a:t>
-            </a:r>
-          </a:p>
-          <a:p>
-            <a:pPr>
-              <a:spcAft>
-                <a:spcPts val="600"/>
-              </a:spcAft>
-              <a:defRPr/>
-            </a:pPr>
-            <a:r>
-              <a:rPr lang="en-US" sz="1100" dirty="0">
-                <a:latin typeface="Segoe UI" panose="020B0502040204020203" pitchFamily="34" charset="0"/>
-                <a:cs typeface="Segoe UI" panose="020B0502040204020203" pitchFamily="34" charset="0"/>
-              </a:rPr>
-              <a:t>Not allowing modification limits introducing new bugs</a:t>
-            </a:r>
-          </a:p>
-          <a:p>
-            <a:pPr>
-              <a:spcAft>
-                <a:spcPts val="600"/>
-              </a:spcAft>
-              <a:defRPr/>
-            </a:pPr>
-            <a:r>
-              <a:rPr lang="en-US" sz="1100" dirty="0">
-                <a:latin typeface="Segoe UI" panose="020B0502040204020203" pitchFamily="34" charset="0"/>
-                <a:cs typeface="Segoe UI" panose="020B0502040204020203" pitchFamily="34" charset="0"/>
-              </a:rPr>
-              <a:t>All dependent classes will not need to adapt modification</a:t>
-            </a:r>
-          </a:p>
-          <a:p>
-            <a:pPr marL="0" lvl="0" indent="0">
-              <a:spcAft>
-                <a:spcPts val="600"/>
-              </a:spcAft>
-              <a:buNone/>
-              <a:defRPr/>
-            </a:pPr>
-            <a:endParaRPr lang="en-US" sz="1100" dirty="0">
-              <a:latin typeface="Segoe UI" panose="020B0502040204020203" pitchFamily="34" charset="0"/>
-              <a:cs typeface="Segoe UI" panose="020B0502040204020203" pitchFamily="34" charset="0"/>
-            </a:endParaRPr>
-          </a:p>
-        </p:txBody>
-      </p:sp>
-      <p:pic>
-        <p:nvPicPr>
-          <p:cNvPr id="5" name="Picture 2">
-            <a:extLst>
-              <a:ext uri="{FF2B5EF4-FFF2-40B4-BE49-F238E27FC236}">
-                <a16:creationId xmlns:a16="http://schemas.microsoft.com/office/drawing/2014/main" id="{F06BD70E-290F-CA11-B2A6-98195508CBAA}"/>
-              </a:ext>
-            </a:extLst>
-          </p:cNvPr>
-          <p:cNvPicPr>
-            <a:picLocks noChangeAspect="1" noChangeArrowheads="1"/>
-          </p:cNvPicPr>
-          <p:nvPr/>
-        </p:nvPicPr>
-        <p:blipFill>
-          <a:blip r:embed="rId2">
-            <a:extLst>
-              <a:ext uri="{28A0092B-C50C-407E-A947-70E740481C1C}">
-                <a14:useLocalDpi xmlns:a14="http://schemas.microsoft.com/office/drawing/2010/main" val="0"/>
-              </a:ext>
-            </a:extLst>
-          </a:blip>
-          <a:srcRect/>
-          <a:stretch>
-            <a:fillRect/>
-          </a:stretch>
-        </p:blipFill>
-        <p:spPr bwMode="auto">
-          <a:xfrm>
-            <a:off x="7086754" y="3147009"/>
-            <a:ext cx="2663345" cy="1201602"/>
-          </a:xfrm>
-          <a:prstGeom prst="rect">
-            <a:avLst/>
-          </a:prstGeom>
-          <a:noFill/>
-          <a:extLst>
-            <a:ext uri="{909E8E84-426E-40DD-AFC4-6F175D3DCCD1}">
-              <a14:hiddenFill xmlns:a14="http://schemas.microsoft.com/office/drawing/2010/main">
-                <a:solidFill>
-                  <a:srgbClr val="FFFFFF"/>
-                </a:solidFill>
-              </a14:hiddenFill>
-            </a:ext>
-          </a:extLst>
-        </p:spPr>
-      </p:pic>
-      <p:pic>
-        <p:nvPicPr>
-          <p:cNvPr id="6" name="Picture 6">
-            <a:extLst>
-              <a:ext uri="{FF2B5EF4-FFF2-40B4-BE49-F238E27FC236}">
-                <a16:creationId xmlns:a16="http://schemas.microsoft.com/office/drawing/2014/main" id="{F08FC4AE-92AD-DA1E-C980-BFE8DE063C02}"/>
+                <a16:creationId xmlns:a16="http://schemas.microsoft.com/office/drawing/2014/main" id="{125660DA-606B-3A84-0AA4-3B729DBB1A06}"/>
               </a:ext>
             </a:extLst>
           </p:cNvPr>
@@ -10254,8 +12512,8 @@
         </p:blipFill>
         <p:spPr bwMode="auto">
           <a:xfrm>
-            <a:off x="7465394" y="1387989"/>
-            <a:ext cx="2284705" cy="1025188"/>
+            <a:off x="6433352" y="3661577"/>
+            <a:ext cx="4290874" cy="2646039"/>
           </a:xfrm>
           <a:prstGeom prst="rect">
             <a:avLst/>
@@ -10272,57 +12530,10 @@
           </a:extLst>
         </p:spPr>
       </p:pic>
-      <p:pic>
-        <p:nvPicPr>
-          <p:cNvPr id="7" name="Picture 8">
-            <a:extLst>
-              <a:ext uri="{FF2B5EF4-FFF2-40B4-BE49-F238E27FC236}">
-                <a16:creationId xmlns:a16="http://schemas.microsoft.com/office/drawing/2014/main" id="{50854A02-C560-0846-0581-2DE174F2B3F3}"/>
-              </a:ext>
-            </a:extLst>
-          </p:cNvPr>
-          <p:cNvPicPr>
-            <a:picLocks noChangeAspect="1" noChangeArrowheads="1"/>
-          </p:cNvPicPr>
-          <p:nvPr/>
-        </p:nvPicPr>
-        <p:blipFill>
-          <a:blip r:embed="rId4">
-            <a:extLst>
-              <a:ext uri="{28A0092B-C50C-407E-A947-70E740481C1C}">
-                <a14:useLocalDpi xmlns:a14="http://schemas.microsoft.com/office/drawing/2010/main" val="0"/>
-              </a:ext>
-            </a:extLst>
-          </a:blip>
-          <a:srcRect/>
-          <a:stretch>
-            <a:fillRect/>
-          </a:stretch>
-        </p:blipFill>
-        <p:spPr bwMode="auto">
-          <a:xfrm>
-            <a:off x="7542195" y="5082444"/>
-            <a:ext cx="2207904" cy="1371369"/>
-          </a:xfrm>
-          <a:prstGeom prst="rect">
-            <a:avLst/>
-          </a:prstGeom>
-          <a:noFill/>
-          <a:extLst>
-            <a:ext uri="{909E8E84-426E-40DD-AFC4-6F175D3DCCD1}">
-              <a14:hiddenFill xmlns:a14="http://schemas.microsoft.com/office/drawing/2010/main">
-                <a:solidFill>
-                  <a:srgbClr val="FFFFFF"/>
-                </a:solidFill>
-              </a14:hiddenFill>
-            </a:ext>
-          </a:extLst>
-        </p:spPr>
-      </p:pic>
     </p:spTree>
     <p:extLst>
       <p:ext uri="{BB962C8B-B14F-4D97-AF65-F5344CB8AC3E}">
-        <p14:creationId xmlns:p14="http://schemas.microsoft.com/office/powerpoint/2010/main" val="4125721095"/>
+        <p14:creationId xmlns:p14="http://schemas.microsoft.com/office/powerpoint/2010/main" val="2596833607"/>
       </p:ext>
     </p:extLst>
   </p:cSld>

--- a/SOLID PRINCIPLES_NEW.pptx
+++ b/SOLID PRINCIPLES_NEW.pptx
@@ -5,32 +5,33 @@
     <p:sldMasterId id="2147483660" r:id="rId1"/>
   </p:sldMasterIdLst>
   <p:notesMasterIdLst>
-    <p:notesMasterId r:id="rId22"/>
+    <p:notesMasterId r:id="rId23"/>
   </p:notesMasterIdLst>
   <p:handoutMasterIdLst>
-    <p:handoutMasterId r:id="rId23"/>
+    <p:handoutMasterId r:id="rId24"/>
   </p:handoutMasterIdLst>
   <p:sldIdLst>
     <p:sldId id="256" r:id="rId2"/>
     <p:sldId id="281" r:id="rId3"/>
     <p:sldId id="271" r:id="rId4"/>
-    <p:sldId id="293" r:id="rId5"/>
-    <p:sldId id="294" r:id="rId6"/>
-    <p:sldId id="283" r:id="rId7"/>
-    <p:sldId id="284" r:id="rId8"/>
-    <p:sldId id="279" r:id="rId9"/>
-    <p:sldId id="280" r:id="rId10"/>
-    <p:sldId id="275" r:id="rId11"/>
-    <p:sldId id="285" r:id="rId12"/>
-    <p:sldId id="286" r:id="rId13"/>
-    <p:sldId id="287" r:id="rId14"/>
-    <p:sldId id="288" r:id="rId15"/>
-    <p:sldId id="289" r:id="rId16"/>
-    <p:sldId id="290" r:id="rId17"/>
-    <p:sldId id="291" r:id="rId18"/>
-    <p:sldId id="292" r:id="rId19"/>
-    <p:sldId id="295" r:id="rId20"/>
-    <p:sldId id="282" r:id="rId21"/>
+    <p:sldId id="296" r:id="rId5"/>
+    <p:sldId id="293" r:id="rId6"/>
+    <p:sldId id="294" r:id="rId7"/>
+    <p:sldId id="283" r:id="rId8"/>
+    <p:sldId id="284" r:id="rId9"/>
+    <p:sldId id="279" r:id="rId10"/>
+    <p:sldId id="280" r:id="rId11"/>
+    <p:sldId id="275" r:id="rId12"/>
+    <p:sldId id="285" r:id="rId13"/>
+    <p:sldId id="286" r:id="rId14"/>
+    <p:sldId id="287" r:id="rId15"/>
+    <p:sldId id="288" r:id="rId16"/>
+    <p:sldId id="289" r:id="rId17"/>
+    <p:sldId id="290" r:id="rId18"/>
+    <p:sldId id="291" r:id="rId19"/>
+    <p:sldId id="292" r:id="rId20"/>
+    <p:sldId id="295" r:id="rId21"/>
+    <p:sldId id="282" r:id="rId22"/>
   </p:sldIdLst>
   <p:sldSz cx="12192000" cy="6858000"/>
   <p:notesSz cx="6858000" cy="9144000"/>
@@ -141,6 +142,7 @@
           <p14:sldIdLst>
             <p14:sldId id="281"/>
             <p14:sldId id="271"/>
+            <p14:sldId id="296"/>
             <p14:sldId id="293"/>
             <p14:sldId id="294"/>
             <p14:sldId id="283"/>
@@ -870,7 +872,7 @@
           <a:p>
             <a:fld id="{DF61EA0F-A667-4B49-8422-0062BC55E249}" type="slidenum">
               <a:rPr lang="en-US" smtClean="0"/>
-              <a:t>20</a:t>
+              <a:t>21</a:t>
             </a:fld>
             <a:endParaRPr lang="en-US" dirty="0"/>
           </a:p>
@@ -2754,6 +2756,575 @@
       </p:grpSpPr>
       <p:sp>
         <p:nvSpPr>
+          <p:cNvPr id="3" name="Title 2"/>
+          <p:cNvSpPr>
+            <a:spLocks noGrp="1"/>
+          </p:cNvSpPr>
+          <p:nvPr>
+            <p:ph type="title"/>
+          </p:nvPr>
+        </p:nvSpPr>
+        <p:spPr/>
+        <p:txBody>
+          <a:bodyPr/>
+          <a:lstStyle/>
+          <a:p>
+            <a:r>
+              <a:rPr lang="en-US" dirty="0"/>
+              <a:t>SINGLE RESPONSIBILITY PRINCIPLE</a:t>
+            </a:r>
+            <a:endParaRPr lang="en-US" dirty="0">
+              <a:latin typeface="Segoe UI Light" panose="020B0502040204020203" pitchFamily="34" charset="0"/>
+              <a:cs typeface="Segoe UI Light" panose="020B0502040204020203" pitchFamily="34" charset="0"/>
+            </a:endParaRPr>
+          </a:p>
+        </p:txBody>
+      </p:sp>
+      <p:sp>
+        <p:nvSpPr>
+          <p:cNvPr id="31" name="Content Placeholder 17">
+            <a:extLst>
+              <a:ext uri="{FF2B5EF4-FFF2-40B4-BE49-F238E27FC236}">
+                <a16:creationId xmlns:a16="http://schemas.microsoft.com/office/drawing/2014/main" id="{ACECB700-9D9A-2026-DCE3-74DEC3C8D1B0}"/>
+              </a:ext>
+            </a:extLst>
+          </p:cNvPr>
+          <p:cNvSpPr txBox="1">
+            <a:spLocks/>
+          </p:cNvSpPr>
+          <p:nvPr/>
+        </p:nvSpPr>
+        <p:spPr>
+          <a:xfrm>
+            <a:off x="604344" y="1339746"/>
+            <a:ext cx="4806555" cy="5178500"/>
+          </a:xfrm>
+          <a:prstGeom prst="rect">
+            <a:avLst/>
+          </a:prstGeom>
+        </p:spPr>
+        <p:txBody>
+          <a:bodyPr vert="horz" lIns="91440" tIns="45720" rIns="91440" bIns="45720" rtlCol="0">
+            <a:normAutofit/>
+          </a:bodyPr>
+          <a:lstStyle>
+            <a:lvl1pPr marL="228600" indent="-228600" algn="l" defTabSz="914400" rtl="0" eaLnBrk="1" latinLnBrk="0" hangingPunct="1">
+              <a:lnSpc>
+                <a:spcPts val="1800"/>
+              </a:lnSpc>
+              <a:spcBef>
+                <a:spcPts val="1000"/>
+              </a:spcBef>
+              <a:spcAft>
+                <a:spcPts val="1000"/>
+              </a:spcAft>
+              <a:buFont typeface="Arial" panose="020B0604020202020204" pitchFamily="34" charset="0"/>
+              <a:buChar char="•"/>
+              <a:defRPr lang="en-US" sz="1200" kern="1200" smtClean="0">
+                <a:solidFill>
+                  <a:schemeClr val="tx1">
+                    <a:lumMod val="75000"/>
+                    <a:lumOff val="25000"/>
+                  </a:schemeClr>
+                </a:solidFill>
+                <a:latin typeface="+mn-lt"/>
+                <a:ea typeface="+mn-ea"/>
+                <a:cs typeface="+mn-cs"/>
+              </a:defRPr>
+            </a:lvl1pPr>
+            <a:lvl2pPr marL="685800" indent="-228600" algn="l" defTabSz="914400" rtl="0" eaLnBrk="1" latinLnBrk="0" hangingPunct="1">
+              <a:lnSpc>
+                <a:spcPts val="1800"/>
+              </a:lnSpc>
+              <a:spcBef>
+                <a:spcPts val="1000"/>
+              </a:spcBef>
+              <a:spcAft>
+                <a:spcPts val="1000"/>
+              </a:spcAft>
+              <a:buFont typeface="Arial" panose="020B0604020202020204" pitchFamily="34" charset="0"/>
+              <a:buChar char="•"/>
+              <a:defRPr lang="en-US" sz="1200" kern="1200" smtClean="0">
+                <a:solidFill>
+                  <a:schemeClr val="tx1">
+                    <a:lumMod val="75000"/>
+                    <a:lumOff val="25000"/>
+                  </a:schemeClr>
+                </a:solidFill>
+                <a:latin typeface="+mn-lt"/>
+                <a:ea typeface="+mn-ea"/>
+                <a:cs typeface="+mn-cs"/>
+              </a:defRPr>
+            </a:lvl2pPr>
+            <a:lvl3pPr marL="1143000" indent="-228600" algn="l" defTabSz="914400" rtl="0" eaLnBrk="1" latinLnBrk="0" hangingPunct="1">
+              <a:lnSpc>
+                <a:spcPts val="1800"/>
+              </a:lnSpc>
+              <a:spcBef>
+                <a:spcPts val="1000"/>
+              </a:spcBef>
+              <a:spcAft>
+                <a:spcPts val="1000"/>
+              </a:spcAft>
+              <a:buFont typeface="Arial" panose="020B0604020202020204" pitchFamily="34" charset="0"/>
+              <a:buChar char="•"/>
+              <a:defRPr lang="en-US" sz="1200" kern="1200" smtClean="0">
+                <a:solidFill>
+                  <a:schemeClr val="tx1">
+                    <a:lumMod val="75000"/>
+                    <a:lumOff val="25000"/>
+                  </a:schemeClr>
+                </a:solidFill>
+                <a:latin typeface="+mn-lt"/>
+                <a:ea typeface="+mn-ea"/>
+                <a:cs typeface="+mn-cs"/>
+              </a:defRPr>
+            </a:lvl3pPr>
+            <a:lvl4pPr marL="1600200" indent="-228600" algn="l" defTabSz="914400" rtl="0" eaLnBrk="1" latinLnBrk="0" hangingPunct="1">
+              <a:lnSpc>
+                <a:spcPts val="1800"/>
+              </a:lnSpc>
+              <a:spcBef>
+                <a:spcPts val="1000"/>
+              </a:spcBef>
+              <a:spcAft>
+                <a:spcPts val="1000"/>
+              </a:spcAft>
+              <a:buFont typeface="Arial" panose="020B0604020202020204" pitchFamily="34" charset="0"/>
+              <a:buChar char="•"/>
+              <a:defRPr lang="en-US" sz="1200" kern="1200" smtClean="0">
+                <a:solidFill>
+                  <a:schemeClr val="tx1">
+                    <a:lumMod val="75000"/>
+                    <a:lumOff val="25000"/>
+                  </a:schemeClr>
+                </a:solidFill>
+                <a:latin typeface="+mn-lt"/>
+                <a:ea typeface="+mn-ea"/>
+                <a:cs typeface="+mn-cs"/>
+              </a:defRPr>
+            </a:lvl4pPr>
+            <a:lvl5pPr marL="2057400" indent="-228600" algn="l" defTabSz="914400" rtl="0" eaLnBrk="1" latinLnBrk="0" hangingPunct="1">
+              <a:lnSpc>
+                <a:spcPts val="1800"/>
+              </a:lnSpc>
+              <a:spcBef>
+                <a:spcPts val="1000"/>
+              </a:spcBef>
+              <a:spcAft>
+                <a:spcPts val="1000"/>
+              </a:spcAft>
+              <a:buFont typeface="Arial" panose="020B0604020202020204" pitchFamily="34" charset="0"/>
+              <a:buChar char="•"/>
+              <a:defRPr lang="en-US" sz="1200" kern="1200">
+                <a:solidFill>
+                  <a:schemeClr val="tx1">
+                    <a:lumMod val="75000"/>
+                    <a:lumOff val="25000"/>
+                  </a:schemeClr>
+                </a:solidFill>
+                <a:latin typeface="+mn-lt"/>
+                <a:ea typeface="+mn-ea"/>
+                <a:cs typeface="+mn-cs"/>
+              </a:defRPr>
+            </a:lvl5pPr>
+            <a:lvl6pPr marL="2514600" indent="-228600" algn="l" defTabSz="914400" rtl="0" eaLnBrk="1" latinLnBrk="0" hangingPunct="1">
+              <a:lnSpc>
+                <a:spcPct val="90000"/>
+              </a:lnSpc>
+              <a:spcBef>
+                <a:spcPct val="30000"/>
+              </a:spcBef>
+              <a:buFont typeface="Arial" panose="020B0604020202020204" pitchFamily="34" charset="0"/>
+              <a:buChar char="•"/>
+              <a:defRPr sz="1800" kern="1200">
+                <a:solidFill>
+                  <a:schemeClr val="tx1"/>
+                </a:solidFill>
+                <a:latin typeface="+mn-lt"/>
+                <a:ea typeface="+mn-ea"/>
+                <a:cs typeface="+mn-cs"/>
+              </a:defRPr>
+            </a:lvl6pPr>
+            <a:lvl7pPr marL="2971800" indent="-228600" algn="l" defTabSz="914400" rtl="0" eaLnBrk="1" latinLnBrk="0" hangingPunct="1">
+              <a:lnSpc>
+                <a:spcPct val="90000"/>
+              </a:lnSpc>
+              <a:spcBef>
+                <a:spcPct val="30000"/>
+              </a:spcBef>
+              <a:buFont typeface="Arial" panose="020B0604020202020204" pitchFamily="34" charset="0"/>
+              <a:buChar char="•"/>
+              <a:defRPr sz="1800" kern="1200">
+                <a:solidFill>
+                  <a:schemeClr val="tx1"/>
+                </a:solidFill>
+                <a:latin typeface="+mn-lt"/>
+                <a:ea typeface="+mn-ea"/>
+                <a:cs typeface="+mn-cs"/>
+              </a:defRPr>
+            </a:lvl7pPr>
+            <a:lvl8pPr marL="3429000" indent="-228600" algn="l" defTabSz="914400" rtl="0" eaLnBrk="1" latinLnBrk="0" hangingPunct="1">
+              <a:lnSpc>
+                <a:spcPct val="90000"/>
+              </a:lnSpc>
+              <a:spcBef>
+                <a:spcPct val="30000"/>
+              </a:spcBef>
+              <a:buFont typeface="Arial" panose="020B0604020202020204" pitchFamily="34" charset="0"/>
+              <a:buChar char="•"/>
+              <a:defRPr sz="1800" kern="1200">
+                <a:solidFill>
+                  <a:schemeClr val="tx1"/>
+                </a:solidFill>
+                <a:latin typeface="+mn-lt"/>
+                <a:ea typeface="+mn-ea"/>
+                <a:cs typeface="+mn-cs"/>
+              </a:defRPr>
+            </a:lvl8pPr>
+            <a:lvl9pPr marL="3886200" indent="-228600" algn="l" defTabSz="914400" rtl="0" eaLnBrk="1" latinLnBrk="0" hangingPunct="1">
+              <a:lnSpc>
+                <a:spcPct val="90000"/>
+              </a:lnSpc>
+              <a:spcBef>
+                <a:spcPct val="30000"/>
+              </a:spcBef>
+              <a:buFont typeface="Arial" panose="020B0604020202020204" pitchFamily="34" charset="0"/>
+              <a:buChar char="•"/>
+              <a:defRPr sz="1800" kern="1200">
+                <a:solidFill>
+                  <a:schemeClr val="tx1"/>
+                </a:solidFill>
+                <a:latin typeface="+mn-lt"/>
+                <a:ea typeface="+mn-ea"/>
+                <a:cs typeface="+mn-cs"/>
+              </a:defRPr>
+            </a:lvl9pPr>
+          </a:lstStyle>
+          <a:p>
+            <a:pPr marL="0" lvl="0" indent="0">
+              <a:spcAft>
+                <a:spcPts val="600"/>
+              </a:spcAft>
+              <a:buNone/>
+              <a:defRPr/>
+            </a:pPr>
+            <a:r>
+              <a:rPr lang="en-US" sz="1100" dirty="0">
+                <a:latin typeface="Segoe UI" panose="020B0502040204020203" pitchFamily="34" charset="0"/>
+                <a:cs typeface="Segoe UI" panose="020B0502040204020203" pitchFamily="34" charset="0"/>
+              </a:rPr>
+              <a:t>A class (or method) should only have one responsibility hence only one reason to change.</a:t>
+            </a:r>
+          </a:p>
+          <a:p>
+            <a:pPr marL="0" lvl="0" indent="0">
+              <a:spcAft>
+                <a:spcPts val="600"/>
+              </a:spcAft>
+              <a:buNone/>
+              <a:defRPr/>
+            </a:pPr>
+            <a:r>
+              <a:rPr lang="en-US" sz="1100" dirty="0">
+                <a:solidFill>
+                  <a:schemeClr val="accent4"/>
+                </a:solidFill>
+                <a:latin typeface="Segoe UI" panose="020B0502040204020203" pitchFamily="34" charset="0"/>
+                <a:cs typeface="Segoe UI" panose="020B0502040204020203" pitchFamily="34" charset="0"/>
+              </a:rPr>
+              <a:t>Misinterpretation</a:t>
+            </a:r>
+            <a:r>
+              <a:rPr lang="en-US" sz="1100" dirty="0">
+                <a:latin typeface="Segoe UI" panose="020B0502040204020203" pitchFamily="34" charset="0"/>
+                <a:cs typeface="Segoe UI" panose="020B0502040204020203" pitchFamily="34" charset="0"/>
+              </a:rPr>
+              <a:t> – Most developers interpret to mean that a class should perform only one task. But it's not only classes, functions you implement in code during development should also perform only one task. So one should interpret it as meaning that an implementation should perform only one task.</a:t>
+            </a:r>
+          </a:p>
+          <a:p>
+            <a:pPr marL="0" lvl="0" indent="0">
+              <a:spcAft>
+                <a:spcPts val="600"/>
+              </a:spcAft>
+              <a:buNone/>
+              <a:defRPr/>
+            </a:pPr>
+            <a:r>
+              <a:rPr lang="en-US" sz="1100" dirty="0">
+                <a:solidFill>
+                  <a:schemeClr val="accent4"/>
+                </a:solidFill>
+                <a:latin typeface="Segoe UI" panose="020B0502040204020203" pitchFamily="34" charset="0"/>
+                <a:cs typeface="Segoe UI" panose="020B0502040204020203" pitchFamily="34" charset="0"/>
+              </a:rPr>
+              <a:t>Benefits</a:t>
+            </a:r>
+            <a:r>
+              <a:rPr lang="en-US" sz="1100" dirty="0">
+                <a:latin typeface="Segoe UI" panose="020B0502040204020203" pitchFamily="34" charset="0"/>
+                <a:cs typeface="Segoe UI" panose="020B0502040204020203" pitchFamily="34" charset="0"/>
+              </a:rPr>
+              <a:t>:</a:t>
+            </a:r>
+          </a:p>
+          <a:p>
+            <a:pPr>
+              <a:spcAft>
+                <a:spcPts val="600"/>
+              </a:spcAft>
+              <a:defRPr/>
+            </a:pPr>
+            <a:r>
+              <a:rPr lang="en-US" sz="1100" dirty="0">
+                <a:latin typeface="Segoe UI" panose="020B0502040204020203" pitchFamily="34" charset="0"/>
+                <a:cs typeface="Segoe UI" panose="020B0502040204020203" pitchFamily="34" charset="0"/>
+              </a:rPr>
+              <a:t>Easier to understand for a new teammate.</a:t>
+            </a:r>
+          </a:p>
+          <a:p>
+            <a:pPr>
+              <a:spcAft>
+                <a:spcPts val="600"/>
+              </a:spcAft>
+              <a:defRPr/>
+            </a:pPr>
+            <a:r>
+              <a:rPr lang="en-US" sz="1100" dirty="0">
+                <a:latin typeface="Segoe UI" panose="020B0502040204020203" pitchFamily="34" charset="0"/>
+                <a:cs typeface="Segoe UI" panose="020B0502040204020203" pitchFamily="34" charset="0"/>
+              </a:rPr>
+              <a:t>Maintain is easy as it change less frequently.</a:t>
+            </a:r>
+          </a:p>
+          <a:p>
+            <a:pPr>
+              <a:spcAft>
+                <a:spcPts val="600"/>
+              </a:spcAft>
+              <a:defRPr/>
+            </a:pPr>
+            <a:r>
+              <a:rPr lang="en-US" sz="1100" dirty="0">
+                <a:latin typeface="Segoe UI" panose="020B0502040204020203" pitchFamily="34" charset="0"/>
+                <a:cs typeface="Segoe UI" panose="020B0502040204020203" pitchFamily="34" charset="0"/>
+              </a:rPr>
+              <a:t>Easier to Test</a:t>
+            </a:r>
+          </a:p>
+          <a:p>
+            <a:pPr marL="0" indent="0">
+              <a:spcAft>
+                <a:spcPts val="600"/>
+              </a:spcAft>
+              <a:buNone/>
+              <a:defRPr/>
+            </a:pPr>
+            <a:r>
+              <a:rPr lang="en-US" sz="1100" dirty="0">
+                <a:solidFill>
+                  <a:schemeClr val="accent4"/>
+                </a:solidFill>
+                <a:latin typeface="Segoe UI" panose="020B0502040204020203" pitchFamily="34" charset="0"/>
+                <a:cs typeface="Segoe UI" panose="020B0502040204020203" pitchFamily="34" charset="0"/>
+              </a:rPr>
+              <a:t>How to determine?</a:t>
+            </a:r>
+          </a:p>
+          <a:p>
+            <a:pPr>
+              <a:spcAft>
+                <a:spcPts val="600"/>
+              </a:spcAft>
+              <a:defRPr/>
+            </a:pPr>
+            <a:r>
+              <a:rPr lang="en-US" sz="1100" dirty="0">
+                <a:solidFill>
+                  <a:schemeClr val="tx1"/>
+                </a:solidFill>
+                <a:latin typeface="Segoe UI" panose="020B0502040204020203" pitchFamily="34" charset="0"/>
+                <a:cs typeface="Segoe UI" panose="020B0502040204020203" pitchFamily="34" charset="0"/>
+              </a:rPr>
+              <a:t>Class description should not contain words like “And , Or, But or If”.</a:t>
+            </a:r>
+          </a:p>
+          <a:p>
+            <a:pPr>
+              <a:spcAft>
+                <a:spcPts val="600"/>
+              </a:spcAft>
+              <a:defRPr/>
+            </a:pPr>
+            <a:r>
+              <a:rPr lang="en-US" sz="1100" dirty="0">
+                <a:solidFill>
+                  <a:schemeClr val="tx1"/>
+                </a:solidFill>
+                <a:latin typeface="Segoe UI" panose="020B0502040204020203" pitchFamily="34" charset="0"/>
+                <a:cs typeface="Segoe UI" panose="020B0502040204020203" pitchFamily="34" charset="0"/>
+              </a:rPr>
+              <a:t>Class constructor/method contains too many parameters.</a:t>
+            </a:r>
+          </a:p>
+          <a:p>
+            <a:pPr>
+              <a:spcAft>
+                <a:spcPts val="600"/>
+              </a:spcAft>
+              <a:defRPr/>
+            </a:pPr>
+            <a:endParaRPr lang="en-US" sz="1100" dirty="0">
+              <a:solidFill>
+                <a:schemeClr val="tx1"/>
+              </a:solidFill>
+              <a:latin typeface="Segoe UI" panose="020B0502040204020203" pitchFamily="34" charset="0"/>
+              <a:cs typeface="Segoe UI" panose="020B0502040204020203" pitchFamily="34" charset="0"/>
+            </a:endParaRPr>
+          </a:p>
+          <a:p>
+            <a:pPr marL="0" lvl="0" indent="0">
+              <a:spcAft>
+                <a:spcPts val="600"/>
+              </a:spcAft>
+              <a:buNone/>
+              <a:defRPr/>
+            </a:pPr>
+            <a:endParaRPr lang="en-US" sz="1100" dirty="0">
+              <a:latin typeface="Segoe UI" panose="020B0502040204020203" pitchFamily="34" charset="0"/>
+              <a:cs typeface="Segoe UI" panose="020B0502040204020203" pitchFamily="34" charset="0"/>
+            </a:endParaRPr>
+          </a:p>
+        </p:txBody>
+      </p:sp>
+      <p:pic>
+        <p:nvPicPr>
+          <p:cNvPr id="4100" name="Picture 4" descr="largest victorinox swiss army knife Offers online OFF 61%">
+            <a:extLst>
+              <a:ext uri="{FF2B5EF4-FFF2-40B4-BE49-F238E27FC236}">
+                <a16:creationId xmlns:a16="http://schemas.microsoft.com/office/drawing/2014/main" id="{5D6F8893-F919-A1F7-F768-1053CB906DFB}"/>
+              </a:ext>
+            </a:extLst>
+          </p:cNvPr>
+          <p:cNvPicPr>
+            <a:picLocks noChangeAspect="1" noChangeArrowheads="1"/>
+          </p:cNvPicPr>
+          <p:nvPr/>
+        </p:nvPicPr>
+        <p:blipFill>
+          <a:blip r:embed="rId2">
+            <a:extLst>
+              <a:ext uri="{28A0092B-C50C-407E-A947-70E740481C1C}">
+                <a14:useLocalDpi xmlns:a14="http://schemas.microsoft.com/office/drawing/2010/main" val="0"/>
+              </a:ext>
+            </a:extLst>
+          </a:blip>
+          <a:srcRect/>
+          <a:stretch>
+            <a:fillRect/>
+          </a:stretch>
+        </p:blipFill>
+        <p:spPr bwMode="auto">
+          <a:xfrm>
+            <a:off x="6371208" y="1238745"/>
+            <a:ext cx="3225553" cy="2272222"/>
+          </a:xfrm>
+          <a:prstGeom prst="rect">
+            <a:avLst/>
+          </a:prstGeom>
+          <a:noFill/>
+          <a:extLst>
+            <a:ext uri="{909E8E84-426E-40DD-AFC4-6F175D3DCCD1}">
+              <a14:hiddenFill xmlns:a14="http://schemas.microsoft.com/office/drawing/2010/main">
+                <a:solidFill>
+                  <a:srgbClr val="FFFFFF"/>
+                </a:solidFill>
+              </a14:hiddenFill>
+            </a:ext>
+          </a:extLst>
+        </p:spPr>
+      </p:pic>
+      <p:pic>
+        <p:nvPicPr>
+          <p:cNvPr id="1026" name="Picture 2">
+            <a:extLst>
+              <a:ext uri="{FF2B5EF4-FFF2-40B4-BE49-F238E27FC236}">
+                <a16:creationId xmlns:a16="http://schemas.microsoft.com/office/drawing/2014/main" id="{125660DA-606B-3A84-0AA4-3B729DBB1A06}"/>
+              </a:ext>
+            </a:extLst>
+          </p:cNvPr>
+          <p:cNvPicPr>
+            <a:picLocks noChangeAspect="1" noChangeArrowheads="1"/>
+          </p:cNvPicPr>
+          <p:nvPr/>
+        </p:nvPicPr>
+        <p:blipFill>
+          <a:blip r:embed="rId3">
+            <a:extLst>
+              <a:ext uri="{28A0092B-C50C-407E-A947-70E740481C1C}">
+                <a14:useLocalDpi xmlns:a14="http://schemas.microsoft.com/office/drawing/2010/main" val="0"/>
+              </a:ext>
+            </a:extLst>
+          </a:blip>
+          <a:srcRect/>
+          <a:stretch>
+            <a:fillRect/>
+          </a:stretch>
+        </p:blipFill>
+        <p:spPr bwMode="auto">
+          <a:xfrm>
+            <a:off x="6433352" y="3661577"/>
+            <a:ext cx="4290874" cy="2646039"/>
+          </a:xfrm>
+          <a:prstGeom prst="rect">
+            <a:avLst/>
+          </a:prstGeom>
+          <a:noFill/>
+          <a:extLst>
+            <a:ext uri="{909E8E84-426E-40DD-AFC4-6F175D3DCCD1}">
+              <a14:hiddenFill xmlns:a14="http://schemas.microsoft.com/office/drawing/2010/main">
+                <a:solidFill>
+                  <a:srgbClr val="FFFFFF"/>
+                </a:solidFill>
+              </a14:hiddenFill>
+            </a:ext>
+          </a:extLst>
+        </p:spPr>
+      </p:pic>
+    </p:spTree>
+    <p:extLst>
+      <p:ext uri="{BB962C8B-B14F-4D97-AF65-F5344CB8AC3E}">
+        <p14:creationId xmlns:p14="http://schemas.microsoft.com/office/powerpoint/2010/main" val="2596833607"/>
+      </p:ext>
+    </p:extLst>
+  </p:cSld>
+  <p:clrMapOvr>
+    <a:masterClrMapping/>
+  </p:clrMapOvr>
+</p:sld>
+</file>
+
+<file path=ppt/slides/slide11.xml><?xml version="1.0" encoding="utf-8"?>
+<p:sld xmlns:a="http://schemas.openxmlformats.org/drawingml/2006/main" xmlns:r="http://schemas.openxmlformats.org/officeDocument/2006/relationships" xmlns:p="http://schemas.openxmlformats.org/presentationml/2006/main">
+  <p:cSld>
+    <p:spTree>
+      <p:nvGrpSpPr>
+        <p:cNvPr id="1" name=""/>
+        <p:cNvGrpSpPr/>
+        <p:nvPr/>
+      </p:nvGrpSpPr>
+      <p:grpSpPr>
+        <a:xfrm>
+          <a:off x="0" y="0"/>
+          <a:ext cx="0" cy="0"/>
+          <a:chOff x="0" y="0"/>
+          <a:chExt cx="0" cy="0"/>
+        </a:xfrm>
+      </p:grpSpPr>
+      <p:sp>
+        <p:nvSpPr>
           <p:cNvPr id="6" name="Title 5"/>
           <p:cNvSpPr>
             <a:spLocks noGrp="1"/>
@@ -2798,7 +3369,7 @@
           <a:effectLst/>
           <a:extLst>
             <a:ext uri="{C572A759-6A51-4108-AA02-DFA0A04FC94B}">
-              <ma14:wrappingTextBoxFlag xmlns:ma14="http://schemas.microsoft.com/office/mac/drawingml/2011/main" xmlns=""/>
+              <ma14:wrappingTextBoxFlag xmlns="" xmlns:ma14="http://schemas.microsoft.com/office/mac/drawingml/2011/main"/>
             </a:ext>
           </a:extLst>
         </p:spPr>
@@ -2928,7 +3499,7 @@
 </p:sld>
 </file>
 
-<file path=ppt/slides/slide11.xml><?xml version="1.0" encoding="utf-8"?>
+<file path=ppt/slides/slide12.xml><?xml version="1.0" encoding="utf-8"?>
 <p:sld xmlns:a="http://schemas.openxmlformats.org/drawingml/2006/main" xmlns:r="http://schemas.openxmlformats.org/officeDocument/2006/relationships" xmlns:p="http://schemas.openxmlformats.org/presentationml/2006/main">
   <p:cSld>
     <p:spTree>
@@ -3502,7 +4073,7 @@
 </p:sld>
 </file>
 
-<file path=ppt/slides/slide12.xml><?xml version="1.0" encoding="utf-8"?>
+<file path=ppt/slides/slide13.xml><?xml version="1.0" encoding="utf-8"?>
 <p:sld xmlns:a="http://schemas.openxmlformats.org/drawingml/2006/main" xmlns:r="http://schemas.openxmlformats.org/officeDocument/2006/relationships" xmlns:p="http://schemas.openxmlformats.org/presentationml/2006/main">
   <p:cSld>
     <p:spTree>
@@ -3565,7 +4136,7 @@
           <a:effectLst/>
           <a:extLst>
             <a:ext uri="{C572A759-6A51-4108-AA02-DFA0A04FC94B}">
-              <ma14:wrappingTextBoxFlag xmlns:ma14="http://schemas.microsoft.com/office/mac/drawingml/2011/main" xmlns=""/>
+              <ma14:wrappingTextBoxFlag xmlns="" xmlns:ma14="http://schemas.microsoft.com/office/mac/drawingml/2011/main"/>
             </a:ext>
           </a:extLst>
         </p:spPr>
@@ -3695,7 +4266,7 @@
 </p:sld>
 </file>
 
-<file path=ppt/slides/slide13.xml><?xml version="1.0" encoding="utf-8"?>
+<file path=ppt/slides/slide14.xml><?xml version="1.0" encoding="utf-8"?>
 <p:sld xmlns:a="http://schemas.openxmlformats.org/drawingml/2006/main" xmlns:r="http://schemas.openxmlformats.org/officeDocument/2006/relationships" xmlns:p="http://schemas.openxmlformats.org/presentationml/2006/main">
   <p:cSld>
     <p:spTree>
@@ -4408,7 +4979,7 @@
 </p:sld>
 </file>
 
-<file path=ppt/slides/slide14.xml><?xml version="1.0" encoding="utf-8"?>
+<file path=ppt/slides/slide15.xml><?xml version="1.0" encoding="utf-8"?>
 <p:sld xmlns:a="http://schemas.openxmlformats.org/drawingml/2006/main" xmlns:r="http://schemas.openxmlformats.org/officeDocument/2006/relationships" xmlns:p="http://schemas.openxmlformats.org/presentationml/2006/main">
   <p:cSld>
     <p:spTree>
@@ -4471,7 +5042,7 @@
           <a:effectLst/>
           <a:extLst>
             <a:ext uri="{C572A759-6A51-4108-AA02-DFA0A04FC94B}">
-              <ma14:wrappingTextBoxFlag xmlns:ma14="http://schemas.microsoft.com/office/mac/drawingml/2011/main" xmlns=""/>
+              <ma14:wrappingTextBoxFlag xmlns="" xmlns:ma14="http://schemas.microsoft.com/office/mac/drawingml/2011/main"/>
             </a:ext>
           </a:extLst>
         </p:spPr>
@@ -4601,7 +5172,7 @@
 </p:sld>
 </file>
 
-<file path=ppt/slides/slide15.xml><?xml version="1.0" encoding="utf-8"?>
+<file path=ppt/slides/slide16.xml><?xml version="1.0" encoding="utf-8"?>
 <p:sld xmlns:a="http://schemas.openxmlformats.org/drawingml/2006/main" xmlns:r="http://schemas.openxmlformats.org/officeDocument/2006/relationships" xmlns:p="http://schemas.openxmlformats.org/presentationml/2006/main">
   <p:cSld>
     <p:spTree>
@@ -5171,7 +5742,7 @@
 </p:sld>
 </file>
 
-<file path=ppt/slides/slide16.xml><?xml version="1.0" encoding="utf-8"?>
+<file path=ppt/slides/slide17.xml><?xml version="1.0" encoding="utf-8"?>
 <p:sld xmlns:a="http://schemas.openxmlformats.org/drawingml/2006/main" xmlns:r="http://schemas.openxmlformats.org/officeDocument/2006/relationships" xmlns:p="http://schemas.openxmlformats.org/presentationml/2006/main">
   <p:cSld>
     <p:spTree>
@@ -5234,7 +5805,7 @@
           <a:effectLst/>
           <a:extLst>
             <a:ext uri="{C572A759-6A51-4108-AA02-DFA0A04FC94B}">
-              <ma14:wrappingTextBoxFlag xmlns:ma14="http://schemas.microsoft.com/office/mac/drawingml/2011/main" xmlns=""/>
+              <ma14:wrappingTextBoxFlag xmlns="" xmlns:ma14="http://schemas.microsoft.com/office/mac/drawingml/2011/main"/>
             </a:ext>
           </a:extLst>
         </p:spPr>
@@ -5364,7 +5935,7 @@
 </p:sld>
 </file>
 
-<file path=ppt/slides/slide17.xml><?xml version="1.0" encoding="utf-8"?>
+<file path=ppt/slides/slide18.xml><?xml version="1.0" encoding="utf-8"?>
 <p:sld xmlns:a="http://schemas.openxmlformats.org/drawingml/2006/main" xmlns:r="http://schemas.openxmlformats.org/officeDocument/2006/relationships" xmlns:p="http://schemas.openxmlformats.org/presentationml/2006/main">
   <p:cSld>
     <p:spTree>
@@ -5964,7 +6535,7 @@
 </p:sld>
 </file>
 
-<file path=ppt/slides/slide18.xml><?xml version="1.0" encoding="utf-8"?>
+<file path=ppt/slides/slide19.xml><?xml version="1.0" encoding="utf-8"?>
 <p:sld xmlns:a="http://schemas.openxmlformats.org/drawingml/2006/main" xmlns:r="http://schemas.openxmlformats.org/officeDocument/2006/relationships" xmlns:p="http://schemas.openxmlformats.org/presentationml/2006/main">
   <p:cSld>
     <p:spTree>
@@ -6027,7 +6598,7 @@
           <a:effectLst/>
           <a:extLst>
             <a:ext uri="{C572A759-6A51-4108-AA02-DFA0A04FC94B}">
-              <ma14:wrappingTextBoxFlag xmlns:ma14="http://schemas.microsoft.com/office/mac/drawingml/2011/main" xmlns=""/>
+              <ma14:wrappingTextBoxFlag xmlns="" xmlns:ma14="http://schemas.microsoft.com/office/mac/drawingml/2011/main"/>
             </a:ext>
           </a:extLst>
         </p:spPr>
@@ -6319,436 +6890,6 @@
 </p:sld>
 </file>
 
-<file path=ppt/slides/slide19.xml><?xml version="1.0" encoding="utf-8"?>
-<p:sld xmlns:a="http://schemas.openxmlformats.org/drawingml/2006/main" xmlns:r="http://schemas.openxmlformats.org/officeDocument/2006/relationships" xmlns:p="http://schemas.openxmlformats.org/presentationml/2006/main">
-  <p:cSld>
-    <p:spTree>
-      <p:nvGrpSpPr>
-        <p:cNvPr id="1" name=""/>
-        <p:cNvGrpSpPr/>
-        <p:nvPr/>
-      </p:nvGrpSpPr>
-      <p:grpSpPr>
-        <a:xfrm>
-          <a:off x="0" y="0"/>
-          <a:ext cx="0" cy="0"/>
-          <a:chOff x="0" y="0"/>
-          <a:chExt cx="0" cy="0"/>
-        </a:xfrm>
-      </p:grpSpPr>
-      <p:sp>
-        <p:nvSpPr>
-          <p:cNvPr id="3" name="Title 2"/>
-          <p:cNvSpPr>
-            <a:spLocks noGrp="1"/>
-          </p:cNvSpPr>
-          <p:nvPr>
-            <p:ph type="title"/>
-          </p:nvPr>
-        </p:nvSpPr>
-        <p:spPr/>
-        <p:txBody>
-          <a:bodyPr/>
-          <a:lstStyle/>
-          <a:p>
-            <a:r>
-              <a:rPr lang="en-US" dirty="0"/>
-              <a:t>DEPENDENCY INJECTION</a:t>
-            </a:r>
-          </a:p>
-        </p:txBody>
-      </p:sp>
-      <p:sp>
-        <p:nvSpPr>
-          <p:cNvPr id="8" name="Content Placeholder 17">
-            <a:extLst>
-              <a:ext uri="{FF2B5EF4-FFF2-40B4-BE49-F238E27FC236}">
-                <a16:creationId xmlns:a16="http://schemas.microsoft.com/office/drawing/2014/main" id="{1F093688-A3DE-DD89-3E93-93F8C8A28A12}"/>
-              </a:ext>
-            </a:extLst>
-          </p:cNvPr>
-          <p:cNvSpPr txBox="1">
-            <a:spLocks/>
-          </p:cNvSpPr>
-          <p:nvPr/>
-        </p:nvSpPr>
-        <p:spPr>
-          <a:xfrm>
-            <a:off x="604345" y="1339746"/>
-            <a:ext cx="4615726" cy="5178500"/>
-          </a:xfrm>
-          <a:prstGeom prst="rect">
-            <a:avLst/>
-          </a:prstGeom>
-        </p:spPr>
-        <p:txBody>
-          <a:bodyPr vert="horz" lIns="91440" tIns="45720" rIns="91440" bIns="45720" rtlCol="0">
-            <a:normAutofit/>
-          </a:bodyPr>
-          <a:lstStyle>
-            <a:lvl1pPr marL="228600" indent="-228600" algn="l" defTabSz="914400" rtl="0" eaLnBrk="1" latinLnBrk="0" hangingPunct="1">
-              <a:lnSpc>
-                <a:spcPts val="1800"/>
-              </a:lnSpc>
-              <a:spcBef>
-                <a:spcPts val="1000"/>
-              </a:spcBef>
-              <a:spcAft>
-                <a:spcPts val="1000"/>
-              </a:spcAft>
-              <a:buFont typeface="Arial" panose="020B0604020202020204" pitchFamily="34" charset="0"/>
-              <a:buChar char="•"/>
-              <a:defRPr lang="en-US" sz="1200" kern="1200" smtClean="0">
-                <a:solidFill>
-                  <a:schemeClr val="tx1">
-                    <a:lumMod val="75000"/>
-                    <a:lumOff val="25000"/>
-                  </a:schemeClr>
-                </a:solidFill>
-                <a:latin typeface="+mn-lt"/>
-                <a:ea typeface="+mn-ea"/>
-                <a:cs typeface="+mn-cs"/>
-              </a:defRPr>
-            </a:lvl1pPr>
-            <a:lvl2pPr marL="685800" indent="-228600" algn="l" defTabSz="914400" rtl="0" eaLnBrk="1" latinLnBrk="0" hangingPunct="1">
-              <a:lnSpc>
-                <a:spcPts val="1800"/>
-              </a:lnSpc>
-              <a:spcBef>
-                <a:spcPts val="1000"/>
-              </a:spcBef>
-              <a:spcAft>
-                <a:spcPts val="1000"/>
-              </a:spcAft>
-              <a:buFont typeface="Arial" panose="020B0604020202020204" pitchFamily="34" charset="0"/>
-              <a:buChar char="•"/>
-              <a:defRPr lang="en-US" sz="1200" kern="1200" smtClean="0">
-                <a:solidFill>
-                  <a:schemeClr val="tx1">
-                    <a:lumMod val="75000"/>
-                    <a:lumOff val="25000"/>
-                  </a:schemeClr>
-                </a:solidFill>
-                <a:latin typeface="+mn-lt"/>
-                <a:ea typeface="+mn-ea"/>
-                <a:cs typeface="+mn-cs"/>
-              </a:defRPr>
-            </a:lvl2pPr>
-            <a:lvl3pPr marL="1143000" indent="-228600" algn="l" defTabSz="914400" rtl="0" eaLnBrk="1" latinLnBrk="0" hangingPunct="1">
-              <a:lnSpc>
-                <a:spcPts val="1800"/>
-              </a:lnSpc>
-              <a:spcBef>
-                <a:spcPts val="1000"/>
-              </a:spcBef>
-              <a:spcAft>
-                <a:spcPts val="1000"/>
-              </a:spcAft>
-              <a:buFont typeface="Arial" panose="020B0604020202020204" pitchFamily="34" charset="0"/>
-              <a:buChar char="•"/>
-              <a:defRPr lang="en-US" sz="1200" kern="1200" smtClean="0">
-                <a:solidFill>
-                  <a:schemeClr val="tx1">
-                    <a:lumMod val="75000"/>
-                    <a:lumOff val="25000"/>
-                  </a:schemeClr>
-                </a:solidFill>
-                <a:latin typeface="+mn-lt"/>
-                <a:ea typeface="+mn-ea"/>
-                <a:cs typeface="+mn-cs"/>
-              </a:defRPr>
-            </a:lvl3pPr>
-            <a:lvl4pPr marL="1600200" indent="-228600" algn="l" defTabSz="914400" rtl="0" eaLnBrk="1" latinLnBrk="0" hangingPunct="1">
-              <a:lnSpc>
-                <a:spcPts val="1800"/>
-              </a:lnSpc>
-              <a:spcBef>
-                <a:spcPts val="1000"/>
-              </a:spcBef>
-              <a:spcAft>
-                <a:spcPts val="1000"/>
-              </a:spcAft>
-              <a:buFont typeface="Arial" panose="020B0604020202020204" pitchFamily="34" charset="0"/>
-              <a:buChar char="•"/>
-              <a:defRPr lang="en-US" sz="1200" kern="1200" smtClean="0">
-                <a:solidFill>
-                  <a:schemeClr val="tx1">
-                    <a:lumMod val="75000"/>
-                    <a:lumOff val="25000"/>
-                  </a:schemeClr>
-                </a:solidFill>
-                <a:latin typeface="+mn-lt"/>
-                <a:ea typeface="+mn-ea"/>
-                <a:cs typeface="+mn-cs"/>
-              </a:defRPr>
-            </a:lvl4pPr>
-            <a:lvl5pPr marL="2057400" indent="-228600" algn="l" defTabSz="914400" rtl="0" eaLnBrk="1" latinLnBrk="0" hangingPunct="1">
-              <a:lnSpc>
-                <a:spcPts val="1800"/>
-              </a:lnSpc>
-              <a:spcBef>
-                <a:spcPts val="1000"/>
-              </a:spcBef>
-              <a:spcAft>
-                <a:spcPts val="1000"/>
-              </a:spcAft>
-              <a:buFont typeface="Arial" panose="020B0604020202020204" pitchFamily="34" charset="0"/>
-              <a:buChar char="•"/>
-              <a:defRPr lang="en-US" sz="1200" kern="1200">
-                <a:solidFill>
-                  <a:schemeClr val="tx1">
-                    <a:lumMod val="75000"/>
-                    <a:lumOff val="25000"/>
-                  </a:schemeClr>
-                </a:solidFill>
-                <a:latin typeface="+mn-lt"/>
-                <a:ea typeface="+mn-ea"/>
-                <a:cs typeface="+mn-cs"/>
-              </a:defRPr>
-            </a:lvl5pPr>
-            <a:lvl6pPr marL="2514600" indent="-228600" algn="l" defTabSz="914400" rtl="0" eaLnBrk="1" latinLnBrk="0" hangingPunct="1">
-              <a:lnSpc>
-                <a:spcPct val="90000"/>
-              </a:lnSpc>
-              <a:spcBef>
-                <a:spcPct val="30000"/>
-              </a:spcBef>
-              <a:buFont typeface="Arial" panose="020B0604020202020204" pitchFamily="34" charset="0"/>
-              <a:buChar char="•"/>
-              <a:defRPr sz="1800" kern="1200">
-                <a:solidFill>
-                  <a:schemeClr val="tx1"/>
-                </a:solidFill>
-                <a:latin typeface="+mn-lt"/>
-                <a:ea typeface="+mn-ea"/>
-                <a:cs typeface="+mn-cs"/>
-              </a:defRPr>
-            </a:lvl6pPr>
-            <a:lvl7pPr marL="2971800" indent="-228600" algn="l" defTabSz="914400" rtl="0" eaLnBrk="1" latinLnBrk="0" hangingPunct="1">
-              <a:lnSpc>
-                <a:spcPct val="90000"/>
-              </a:lnSpc>
-              <a:spcBef>
-                <a:spcPct val="30000"/>
-              </a:spcBef>
-              <a:buFont typeface="Arial" panose="020B0604020202020204" pitchFamily="34" charset="0"/>
-              <a:buChar char="•"/>
-              <a:defRPr sz="1800" kern="1200">
-                <a:solidFill>
-                  <a:schemeClr val="tx1"/>
-                </a:solidFill>
-                <a:latin typeface="+mn-lt"/>
-                <a:ea typeface="+mn-ea"/>
-                <a:cs typeface="+mn-cs"/>
-              </a:defRPr>
-            </a:lvl7pPr>
-            <a:lvl8pPr marL="3429000" indent="-228600" algn="l" defTabSz="914400" rtl="0" eaLnBrk="1" latinLnBrk="0" hangingPunct="1">
-              <a:lnSpc>
-                <a:spcPct val="90000"/>
-              </a:lnSpc>
-              <a:spcBef>
-                <a:spcPct val="30000"/>
-              </a:spcBef>
-              <a:buFont typeface="Arial" panose="020B0604020202020204" pitchFamily="34" charset="0"/>
-              <a:buChar char="•"/>
-              <a:defRPr sz="1800" kern="1200">
-                <a:solidFill>
-                  <a:schemeClr val="tx1"/>
-                </a:solidFill>
-                <a:latin typeface="+mn-lt"/>
-                <a:ea typeface="+mn-ea"/>
-                <a:cs typeface="+mn-cs"/>
-              </a:defRPr>
-            </a:lvl8pPr>
-            <a:lvl9pPr marL="3886200" indent="-228600" algn="l" defTabSz="914400" rtl="0" eaLnBrk="1" latinLnBrk="0" hangingPunct="1">
-              <a:lnSpc>
-                <a:spcPct val="90000"/>
-              </a:lnSpc>
-              <a:spcBef>
-                <a:spcPct val="30000"/>
-              </a:spcBef>
-              <a:buFont typeface="Arial" panose="020B0604020202020204" pitchFamily="34" charset="0"/>
-              <a:buChar char="•"/>
-              <a:defRPr sz="1800" kern="1200">
-                <a:solidFill>
-                  <a:schemeClr val="tx1"/>
-                </a:solidFill>
-                <a:latin typeface="+mn-lt"/>
-                <a:ea typeface="+mn-ea"/>
-                <a:cs typeface="+mn-cs"/>
-              </a:defRPr>
-            </a:lvl9pPr>
-          </a:lstStyle>
-          <a:p>
-            <a:pPr marL="0" indent="0">
-              <a:spcAft>
-                <a:spcPts val="600"/>
-              </a:spcAft>
-              <a:buNone/>
-              <a:defRPr/>
-            </a:pPr>
-            <a:r>
-              <a:rPr lang="en-US" sz="1100" dirty="0">
-                <a:solidFill>
-                  <a:schemeClr val="tx1"/>
-                </a:solidFill>
-                <a:latin typeface="Segoe UI" panose="020B0502040204020203" pitchFamily="34" charset="0"/>
-                <a:cs typeface="Segoe UI" panose="020B0502040204020203" pitchFamily="34" charset="0"/>
-              </a:rPr>
-              <a:t>It is a pattern of injecting a class’s dependencies into it at runtime.</a:t>
-            </a:r>
-          </a:p>
-          <a:p>
-            <a:pPr>
-              <a:spcAft>
-                <a:spcPts val="600"/>
-              </a:spcAft>
-              <a:defRPr/>
-            </a:pPr>
-            <a:r>
-              <a:rPr lang="en-US" sz="1100" dirty="0">
-                <a:solidFill>
-                  <a:schemeClr val="tx1"/>
-                </a:solidFill>
-                <a:latin typeface="Segoe UI" panose="020B0502040204020203" pitchFamily="34" charset="0"/>
-                <a:cs typeface="Segoe UI" panose="020B0502040204020203" pitchFamily="34" charset="0"/>
-              </a:rPr>
-              <a:t>Constructor Injection</a:t>
-            </a:r>
-          </a:p>
-          <a:p>
-            <a:pPr>
-              <a:spcAft>
-                <a:spcPts val="600"/>
-              </a:spcAft>
-              <a:defRPr/>
-            </a:pPr>
-            <a:r>
-              <a:rPr lang="en-US" sz="1100" dirty="0">
-                <a:solidFill>
-                  <a:schemeClr val="tx1"/>
-                </a:solidFill>
-                <a:latin typeface="Segoe UI" panose="020B0502040204020203" pitchFamily="34" charset="0"/>
-                <a:cs typeface="Segoe UI" panose="020B0502040204020203" pitchFamily="34" charset="0"/>
-              </a:rPr>
-              <a:t>Property Injection</a:t>
-            </a:r>
-          </a:p>
-          <a:p>
-            <a:pPr marL="0" indent="0">
-              <a:spcAft>
-                <a:spcPts val="600"/>
-              </a:spcAft>
-              <a:buNone/>
-              <a:defRPr/>
-            </a:pPr>
-            <a:r>
-              <a:rPr lang="en-US" sz="1100" dirty="0">
-                <a:solidFill>
-                  <a:schemeClr val="accent4"/>
-                </a:solidFill>
-                <a:latin typeface="Segoe UI" panose="020B0502040204020203" pitchFamily="34" charset="0"/>
-                <a:cs typeface="Segoe UI" panose="020B0502040204020203" pitchFamily="34" charset="0"/>
-              </a:rPr>
-              <a:t>Benefit:</a:t>
-            </a:r>
-          </a:p>
-          <a:p>
-            <a:pPr marL="0" indent="0">
-              <a:spcAft>
-                <a:spcPts val="600"/>
-              </a:spcAft>
-              <a:buNone/>
-              <a:defRPr/>
-            </a:pPr>
-            <a:r>
-              <a:rPr lang="en-US" sz="1100" dirty="0">
-                <a:solidFill>
-                  <a:schemeClr val="tx1"/>
-                </a:solidFill>
-                <a:latin typeface="Segoe UI" panose="020B0502040204020203" pitchFamily="34" charset="0"/>
-                <a:cs typeface="Segoe UI" panose="020B0502040204020203" pitchFamily="34" charset="0"/>
-              </a:rPr>
-              <a:t>This allows you to swap in different implementor without having to modify the main class.</a:t>
-            </a:r>
-          </a:p>
-          <a:p>
-            <a:pPr marL="0" indent="0">
-              <a:spcAft>
-                <a:spcPts val="600"/>
-              </a:spcAft>
-              <a:buNone/>
-              <a:defRPr/>
-            </a:pPr>
-            <a:endParaRPr lang="en-US" sz="1100" dirty="0">
-              <a:solidFill>
-                <a:schemeClr val="tx1"/>
-              </a:solidFill>
-              <a:latin typeface="Segoe UI" panose="020B0502040204020203" pitchFamily="34" charset="0"/>
-              <a:cs typeface="Segoe UI" panose="020B0502040204020203" pitchFamily="34" charset="0"/>
-            </a:endParaRPr>
-          </a:p>
-          <a:p>
-            <a:pPr marL="0" indent="0">
-              <a:spcAft>
-                <a:spcPts val="600"/>
-              </a:spcAft>
-              <a:buNone/>
-              <a:defRPr/>
-            </a:pPr>
-            <a:endParaRPr lang="en-US" sz="1100" dirty="0">
-              <a:solidFill>
-                <a:schemeClr val="accent4"/>
-              </a:solidFill>
-              <a:latin typeface="Segoe UI" panose="020B0502040204020203" pitchFamily="34" charset="0"/>
-              <a:cs typeface="Segoe UI" panose="020B0502040204020203" pitchFamily="34" charset="0"/>
-            </a:endParaRPr>
-          </a:p>
-        </p:txBody>
-      </p:sp>
-      <p:pic>
-        <p:nvPicPr>
-          <p:cNvPr id="14" name="Picture 13">
-            <a:extLst>
-              <a:ext uri="{FF2B5EF4-FFF2-40B4-BE49-F238E27FC236}">
-                <a16:creationId xmlns:a16="http://schemas.microsoft.com/office/drawing/2014/main" id="{516E338B-8BF2-402E-0398-0A32171FF5E3}"/>
-              </a:ext>
-            </a:extLst>
-          </p:cNvPr>
-          <p:cNvPicPr>
-            <a:picLocks noChangeAspect="1"/>
-          </p:cNvPicPr>
-          <p:nvPr/>
-        </p:nvPicPr>
-        <p:blipFill>
-          <a:blip r:embed="rId2"/>
-          <a:stretch>
-            <a:fillRect/>
-          </a:stretch>
-        </p:blipFill>
-        <p:spPr>
-          <a:xfrm>
-            <a:off x="5089941" y="1339746"/>
-            <a:ext cx="6564127" cy="3532342"/>
-          </a:xfrm>
-          <a:prstGeom prst="rect">
-            <a:avLst/>
-          </a:prstGeom>
-        </p:spPr>
-      </p:pic>
-    </p:spTree>
-    <p:extLst>
-      <p:ext uri="{BB962C8B-B14F-4D97-AF65-F5344CB8AC3E}">
-        <p14:creationId xmlns:p14="http://schemas.microsoft.com/office/powerpoint/2010/main" val="655002835"/>
-      </p:ext>
-    </p:extLst>
-  </p:cSld>
-  <p:clrMapOvr>
-    <a:masterClrMapping/>
-  </p:clrMapOvr>
-</p:sld>
-</file>
-
 <file path=ppt/slides/slide2.xml><?xml version="1.0" encoding="utf-8"?>
 <p:sld xmlns:a="http://schemas.openxmlformats.org/drawingml/2006/main" xmlns:r="http://schemas.openxmlformats.org/officeDocument/2006/relationships" xmlns:p="http://schemas.openxmlformats.org/presentationml/2006/main">
   <p:cSld>
@@ -6998,6 +7139,596 @@
 </file>
 
 <file path=ppt/slides/slide20.xml><?xml version="1.0" encoding="utf-8"?>
+<p:sld xmlns:a="http://schemas.openxmlformats.org/drawingml/2006/main" xmlns:r="http://schemas.openxmlformats.org/officeDocument/2006/relationships" xmlns:p="http://schemas.openxmlformats.org/presentationml/2006/main">
+  <p:cSld>
+    <p:spTree>
+      <p:nvGrpSpPr>
+        <p:cNvPr id="1" name=""/>
+        <p:cNvGrpSpPr/>
+        <p:nvPr/>
+      </p:nvGrpSpPr>
+      <p:grpSpPr>
+        <a:xfrm>
+          <a:off x="0" y="0"/>
+          <a:ext cx="0" cy="0"/>
+          <a:chOff x="0" y="0"/>
+          <a:chExt cx="0" cy="0"/>
+        </a:xfrm>
+      </p:grpSpPr>
+      <p:sp>
+        <p:nvSpPr>
+          <p:cNvPr id="3" name="Title 2"/>
+          <p:cNvSpPr>
+            <a:spLocks noGrp="1"/>
+          </p:cNvSpPr>
+          <p:nvPr>
+            <p:ph type="title"/>
+          </p:nvPr>
+        </p:nvSpPr>
+        <p:spPr/>
+        <p:txBody>
+          <a:bodyPr/>
+          <a:lstStyle/>
+          <a:p>
+            <a:r>
+              <a:rPr lang="en-US" dirty="0"/>
+              <a:t>DEPENDENCY INJECTION</a:t>
+            </a:r>
+          </a:p>
+        </p:txBody>
+      </p:sp>
+      <p:sp>
+        <p:nvSpPr>
+          <p:cNvPr id="8" name="Content Placeholder 17">
+            <a:extLst>
+              <a:ext uri="{FF2B5EF4-FFF2-40B4-BE49-F238E27FC236}">
+                <a16:creationId xmlns:a16="http://schemas.microsoft.com/office/drawing/2014/main" id="{1F093688-A3DE-DD89-3E93-93F8C8A28A12}"/>
+              </a:ext>
+            </a:extLst>
+          </p:cNvPr>
+          <p:cNvSpPr txBox="1">
+            <a:spLocks/>
+          </p:cNvSpPr>
+          <p:nvPr/>
+        </p:nvSpPr>
+        <p:spPr>
+          <a:xfrm>
+            <a:off x="604345" y="1339746"/>
+            <a:ext cx="4615726" cy="5178500"/>
+          </a:xfrm>
+          <a:prstGeom prst="rect">
+            <a:avLst/>
+          </a:prstGeom>
+        </p:spPr>
+        <p:txBody>
+          <a:bodyPr vert="horz" lIns="91440" tIns="45720" rIns="91440" bIns="45720" rtlCol="0">
+            <a:normAutofit/>
+          </a:bodyPr>
+          <a:lstStyle>
+            <a:lvl1pPr marL="228600" indent="-228600" algn="l" defTabSz="914400" rtl="0" eaLnBrk="1" latinLnBrk="0" hangingPunct="1">
+              <a:lnSpc>
+                <a:spcPts val="1800"/>
+              </a:lnSpc>
+              <a:spcBef>
+                <a:spcPts val="1000"/>
+              </a:spcBef>
+              <a:spcAft>
+                <a:spcPts val="1000"/>
+              </a:spcAft>
+              <a:buFont typeface="Arial" panose="020B0604020202020204" pitchFamily="34" charset="0"/>
+              <a:buChar char="•"/>
+              <a:defRPr lang="en-US" sz="1200" kern="1200" smtClean="0">
+                <a:solidFill>
+                  <a:schemeClr val="tx1">
+                    <a:lumMod val="75000"/>
+                    <a:lumOff val="25000"/>
+                  </a:schemeClr>
+                </a:solidFill>
+                <a:latin typeface="+mn-lt"/>
+                <a:ea typeface="+mn-ea"/>
+                <a:cs typeface="+mn-cs"/>
+              </a:defRPr>
+            </a:lvl1pPr>
+            <a:lvl2pPr marL="685800" indent="-228600" algn="l" defTabSz="914400" rtl="0" eaLnBrk="1" latinLnBrk="0" hangingPunct="1">
+              <a:lnSpc>
+                <a:spcPts val="1800"/>
+              </a:lnSpc>
+              <a:spcBef>
+                <a:spcPts val="1000"/>
+              </a:spcBef>
+              <a:spcAft>
+                <a:spcPts val="1000"/>
+              </a:spcAft>
+              <a:buFont typeface="Arial" panose="020B0604020202020204" pitchFamily="34" charset="0"/>
+              <a:buChar char="•"/>
+              <a:defRPr lang="en-US" sz="1200" kern="1200" smtClean="0">
+                <a:solidFill>
+                  <a:schemeClr val="tx1">
+                    <a:lumMod val="75000"/>
+                    <a:lumOff val="25000"/>
+                  </a:schemeClr>
+                </a:solidFill>
+                <a:latin typeface="+mn-lt"/>
+                <a:ea typeface="+mn-ea"/>
+                <a:cs typeface="+mn-cs"/>
+              </a:defRPr>
+            </a:lvl2pPr>
+            <a:lvl3pPr marL="1143000" indent="-228600" algn="l" defTabSz="914400" rtl="0" eaLnBrk="1" latinLnBrk="0" hangingPunct="1">
+              <a:lnSpc>
+                <a:spcPts val="1800"/>
+              </a:lnSpc>
+              <a:spcBef>
+                <a:spcPts val="1000"/>
+              </a:spcBef>
+              <a:spcAft>
+                <a:spcPts val="1000"/>
+              </a:spcAft>
+              <a:buFont typeface="Arial" panose="020B0604020202020204" pitchFamily="34" charset="0"/>
+              <a:buChar char="•"/>
+              <a:defRPr lang="en-US" sz="1200" kern="1200" smtClean="0">
+                <a:solidFill>
+                  <a:schemeClr val="tx1">
+                    <a:lumMod val="75000"/>
+                    <a:lumOff val="25000"/>
+                  </a:schemeClr>
+                </a:solidFill>
+                <a:latin typeface="+mn-lt"/>
+                <a:ea typeface="+mn-ea"/>
+                <a:cs typeface="+mn-cs"/>
+              </a:defRPr>
+            </a:lvl3pPr>
+            <a:lvl4pPr marL="1600200" indent="-228600" algn="l" defTabSz="914400" rtl="0" eaLnBrk="1" latinLnBrk="0" hangingPunct="1">
+              <a:lnSpc>
+                <a:spcPts val="1800"/>
+              </a:lnSpc>
+              <a:spcBef>
+                <a:spcPts val="1000"/>
+              </a:spcBef>
+              <a:spcAft>
+                <a:spcPts val="1000"/>
+              </a:spcAft>
+              <a:buFont typeface="Arial" panose="020B0604020202020204" pitchFamily="34" charset="0"/>
+              <a:buChar char="•"/>
+              <a:defRPr lang="en-US" sz="1200" kern="1200" smtClean="0">
+                <a:solidFill>
+                  <a:schemeClr val="tx1">
+                    <a:lumMod val="75000"/>
+                    <a:lumOff val="25000"/>
+                  </a:schemeClr>
+                </a:solidFill>
+                <a:latin typeface="+mn-lt"/>
+                <a:ea typeface="+mn-ea"/>
+                <a:cs typeface="+mn-cs"/>
+              </a:defRPr>
+            </a:lvl4pPr>
+            <a:lvl5pPr marL="2057400" indent="-228600" algn="l" defTabSz="914400" rtl="0" eaLnBrk="1" latinLnBrk="0" hangingPunct="1">
+              <a:lnSpc>
+                <a:spcPts val="1800"/>
+              </a:lnSpc>
+              <a:spcBef>
+                <a:spcPts val="1000"/>
+              </a:spcBef>
+              <a:spcAft>
+                <a:spcPts val="1000"/>
+              </a:spcAft>
+              <a:buFont typeface="Arial" panose="020B0604020202020204" pitchFamily="34" charset="0"/>
+              <a:buChar char="•"/>
+              <a:defRPr lang="en-US" sz="1200" kern="1200">
+                <a:solidFill>
+                  <a:schemeClr val="tx1">
+                    <a:lumMod val="75000"/>
+                    <a:lumOff val="25000"/>
+                  </a:schemeClr>
+                </a:solidFill>
+                <a:latin typeface="+mn-lt"/>
+                <a:ea typeface="+mn-ea"/>
+                <a:cs typeface="+mn-cs"/>
+              </a:defRPr>
+            </a:lvl5pPr>
+            <a:lvl6pPr marL="2514600" indent="-228600" algn="l" defTabSz="914400" rtl="0" eaLnBrk="1" latinLnBrk="0" hangingPunct="1">
+              <a:lnSpc>
+                <a:spcPct val="90000"/>
+              </a:lnSpc>
+              <a:spcBef>
+                <a:spcPct val="30000"/>
+              </a:spcBef>
+              <a:buFont typeface="Arial" panose="020B0604020202020204" pitchFamily="34" charset="0"/>
+              <a:buChar char="•"/>
+              <a:defRPr sz="1800" kern="1200">
+                <a:solidFill>
+                  <a:schemeClr val="tx1"/>
+                </a:solidFill>
+                <a:latin typeface="+mn-lt"/>
+                <a:ea typeface="+mn-ea"/>
+                <a:cs typeface="+mn-cs"/>
+              </a:defRPr>
+            </a:lvl6pPr>
+            <a:lvl7pPr marL="2971800" indent="-228600" algn="l" defTabSz="914400" rtl="0" eaLnBrk="1" latinLnBrk="0" hangingPunct="1">
+              <a:lnSpc>
+                <a:spcPct val="90000"/>
+              </a:lnSpc>
+              <a:spcBef>
+                <a:spcPct val="30000"/>
+              </a:spcBef>
+              <a:buFont typeface="Arial" panose="020B0604020202020204" pitchFamily="34" charset="0"/>
+              <a:buChar char="•"/>
+              <a:defRPr sz="1800" kern="1200">
+                <a:solidFill>
+                  <a:schemeClr val="tx1"/>
+                </a:solidFill>
+                <a:latin typeface="+mn-lt"/>
+                <a:ea typeface="+mn-ea"/>
+                <a:cs typeface="+mn-cs"/>
+              </a:defRPr>
+            </a:lvl7pPr>
+            <a:lvl8pPr marL="3429000" indent="-228600" algn="l" defTabSz="914400" rtl="0" eaLnBrk="1" latinLnBrk="0" hangingPunct="1">
+              <a:lnSpc>
+                <a:spcPct val="90000"/>
+              </a:lnSpc>
+              <a:spcBef>
+                <a:spcPct val="30000"/>
+              </a:spcBef>
+              <a:buFont typeface="Arial" panose="020B0604020202020204" pitchFamily="34" charset="0"/>
+              <a:buChar char="•"/>
+              <a:defRPr sz="1800" kern="1200">
+                <a:solidFill>
+                  <a:schemeClr val="tx1"/>
+                </a:solidFill>
+                <a:latin typeface="+mn-lt"/>
+                <a:ea typeface="+mn-ea"/>
+                <a:cs typeface="+mn-cs"/>
+              </a:defRPr>
+            </a:lvl8pPr>
+            <a:lvl9pPr marL="3886200" indent="-228600" algn="l" defTabSz="914400" rtl="0" eaLnBrk="1" latinLnBrk="0" hangingPunct="1">
+              <a:lnSpc>
+                <a:spcPct val="90000"/>
+              </a:lnSpc>
+              <a:spcBef>
+                <a:spcPct val="30000"/>
+              </a:spcBef>
+              <a:buFont typeface="Arial" panose="020B0604020202020204" pitchFamily="34" charset="0"/>
+              <a:buChar char="•"/>
+              <a:defRPr sz="1800" kern="1200">
+                <a:solidFill>
+                  <a:schemeClr val="tx1"/>
+                </a:solidFill>
+                <a:latin typeface="+mn-lt"/>
+                <a:ea typeface="+mn-ea"/>
+                <a:cs typeface="+mn-cs"/>
+              </a:defRPr>
+            </a:lvl9pPr>
+          </a:lstStyle>
+          <a:p>
+            <a:pPr marL="0" indent="0">
+              <a:spcAft>
+                <a:spcPts val="600"/>
+              </a:spcAft>
+              <a:buNone/>
+              <a:defRPr/>
+            </a:pPr>
+            <a:r>
+              <a:rPr lang="en-US" sz="1100" dirty="0">
+                <a:solidFill>
+                  <a:schemeClr val="tx1"/>
+                </a:solidFill>
+                <a:latin typeface="Segoe UI" panose="020B0502040204020203" pitchFamily="34" charset="0"/>
+                <a:cs typeface="Segoe UI" panose="020B0502040204020203" pitchFamily="34" charset="0"/>
+              </a:rPr>
+              <a:t>It is a pattern of injecting a class’s dependencies into it at runtime.</a:t>
+            </a:r>
+          </a:p>
+          <a:p>
+            <a:pPr>
+              <a:spcAft>
+                <a:spcPts val="600"/>
+              </a:spcAft>
+              <a:defRPr/>
+            </a:pPr>
+            <a:r>
+              <a:rPr lang="en-US" sz="1100" dirty="0">
+                <a:solidFill>
+                  <a:schemeClr val="tx1"/>
+                </a:solidFill>
+                <a:latin typeface="Segoe UI" panose="020B0502040204020203" pitchFamily="34" charset="0"/>
+                <a:cs typeface="Segoe UI" panose="020B0502040204020203" pitchFamily="34" charset="0"/>
+              </a:rPr>
+              <a:t>Constructor Injection</a:t>
+            </a:r>
+          </a:p>
+          <a:p>
+            <a:pPr>
+              <a:spcAft>
+                <a:spcPts val="600"/>
+              </a:spcAft>
+              <a:defRPr/>
+            </a:pPr>
+            <a:r>
+              <a:rPr lang="en-US" sz="1100" dirty="0">
+                <a:solidFill>
+                  <a:schemeClr val="tx1"/>
+                </a:solidFill>
+                <a:latin typeface="Segoe UI" panose="020B0502040204020203" pitchFamily="34" charset="0"/>
+                <a:cs typeface="Segoe UI" panose="020B0502040204020203" pitchFamily="34" charset="0"/>
+              </a:rPr>
+              <a:t>Property Injection</a:t>
+            </a:r>
+          </a:p>
+          <a:p>
+            <a:pPr marL="0" indent="0">
+              <a:spcAft>
+                <a:spcPts val="600"/>
+              </a:spcAft>
+              <a:buNone/>
+              <a:defRPr/>
+            </a:pPr>
+            <a:r>
+              <a:rPr lang="en-US" sz="1100" dirty="0">
+                <a:solidFill>
+                  <a:schemeClr val="accent4"/>
+                </a:solidFill>
+                <a:latin typeface="Segoe UI" panose="020B0502040204020203" pitchFamily="34" charset="0"/>
+                <a:cs typeface="Segoe UI" panose="020B0502040204020203" pitchFamily="34" charset="0"/>
+              </a:rPr>
+              <a:t>Benefit:</a:t>
+            </a:r>
+          </a:p>
+          <a:p>
+            <a:pPr marL="0" indent="0">
+              <a:spcAft>
+                <a:spcPts val="600"/>
+              </a:spcAft>
+              <a:buNone/>
+              <a:defRPr/>
+            </a:pPr>
+            <a:r>
+              <a:rPr lang="en-US" sz="1100" dirty="0">
+                <a:solidFill>
+                  <a:schemeClr val="tx1"/>
+                </a:solidFill>
+                <a:latin typeface="Segoe UI" panose="020B0502040204020203" pitchFamily="34" charset="0"/>
+                <a:cs typeface="Segoe UI" panose="020B0502040204020203" pitchFamily="34" charset="0"/>
+              </a:rPr>
+              <a:t>This allows you to swap in different implementor without having to modify the main class.</a:t>
+            </a:r>
+          </a:p>
+          <a:p>
+            <a:pPr marL="0" indent="0">
+              <a:spcAft>
+                <a:spcPts val="600"/>
+              </a:spcAft>
+              <a:buNone/>
+              <a:defRPr/>
+            </a:pPr>
+            <a:endParaRPr lang="en-US" sz="1100" dirty="0">
+              <a:solidFill>
+                <a:schemeClr val="tx1"/>
+              </a:solidFill>
+              <a:latin typeface="Segoe UI" panose="020B0502040204020203" pitchFamily="34" charset="0"/>
+              <a:cs typeface="Segoe UI" panose="020B0502040204020203" pitchFamily="34" charset="0"/>
+            </a:endParaRPr>
+          </a:p>
+          <a:p>
+            <a:pPr marL="0" indent="0">
+              <a:spcAft>
+                <a:spcPts val="600"/>
+              </a:spcAft>
+              <a:buNone/>
+              <a:defRPr/>
+            </a:pPr>
+            <a:endParaRPr lang="en-US" sz="1100" dirty="0">
+              <a:solidFill>
+                <a:schemeClr val="accent4"/>
+              </a:solidFill>
+              <a:latin typeface="Segoe UI" panose="020B0502040204020203" pitchFamily="34" charset="0"/>
+              <a:cs typeface="Segoe UI" panose="020B0502040204020203" pitchFamily="34" charset="0"/>
+            </a:endParaRPr>
+          </a:p>
+        </p:txBody>
+      </p:sp>
+      <p:pic>
+        <p:nvPicPr>
+          <p:cNvPr id="14" name="Picture 13">
+            <a:extLst>
+              <a:ext uri="{FF2B5EF4-FFF2-40B4-BE49-F238E27FC236}">
+                <a16:creationId xmlns:a16="http://schemas.microsoft.com/office/drawing/2014/main" id="{516E338B-8BF2-402E-0398-0A32171FF5E3}"/>
+              </a:ext>
+            </a:extLst>
+          </p:cNvPr>
+          <p:cNvPicPr>
+            <a:picLocks noChangeAspect="1"/>
+          </p:cNvPicPr>
+          <p:nvPr/>
+        </p:nvPicPr>
+        <p:blipFill>
+          <a:blip r:embed="rId2"/>
+          <a:stretch>
+            <a:fillRect/>
+          </a:stretch>
+        </p:blipFill>
+        <p:spPr>
+          <a:xfrm>
+            <a:off x="5089941" y="1339746"/>
+            <a:ext cx="6564127" cy="3241132"/>
+          </a:xfrm>
+          <a:prstGeom prst="rect">
+            <a:avLst/>
+          </a:prstGeom>
+        </p:spPr>
+      </p:pic>
+      <p:pic>
+        <p:nvPicPr>
+          <p:cNvPr id="5" name="Picture 4">
+            <a:extLst>
+              <a:ext uri="{FF2B5EF4-FFF2-40B4-BE49-F238E27FC236}">
+                <a16:creationId xmlns:a16="http://schemas.microsoft.com/office/drawing/2014/main" id="{A95F0C6D-3E5D-017C-ED93-55FBDF0C04EC}"/>
+              </a:ext>
+            </a:extLst>
+          </p:cNvPr>
+          <p:cNvPicPr>
+            <a:picLocks noChangeAspect="1"/>
+          </p:cNvPicPr>
+          <p:nvPr/>
+        </p:nvPicPr>
+        <p:blipFill>
+          <a:blip r:embed="rId3"/>
+          <a:stretch>
+            <a:fillRect/>
+          </a:stretch>
+        </p:blipFill>
+        <p:spPr>
+          <a:xfrm>
+            <a:off x="365137" y="5035750"/>
+            <a:ext cx="5394711" cy="175616"/>
+          </a:xfrm>
+          <a:prstGeom prst="rect">
+            <a:avLst/>
+          </a:prstGeom>
+        </p:spPr>
+      </p:pic>
+      <p:pic>
+        <p:nvPicPr>
+          <p:cNvPr id="6" name="Picture 5">
+            <a:extLst>
+              <a:ext uri="{FF2B5EF4-FFF2-40B4-BE49-F238E27FC236}">
+                <a16:creationId xmlns:a16="http://schemas.microsoft.com/office/drawing/2014/main" id="{0ECA48D0-FACD-1CEA-B014-E4BE55CF588F}"/>
+              </a:ext>
+            </a:extLst>
+          </p:cNvPr>
+          <p:cNvPicPr>
+            <a:picLocks noChangeAspect="1"/>
+          </p:cNvPicPr>
+          <p:nvPr/>
+        </p:nvPicPr>
+        <p:blipFill>
+          <a:blip r:embed="rId4"/>
+          <a:stretch>
+            <a:fillRect/>
+          </a:stretch>
+        </p:blipFill>
+        <p:spPr>
+          <a:xfrm>
+            <a:off x="407764" y="6174374"/>
+            <a:ext cx="5352084" cy="153267"/>
+          </a:xfrm>
+          <a:prstGeom prst="rect">
+            <a:avLst/>
+          </a:prstGeom>
+        </p:spPr>
+      </p:pic>
+      <p:sp>
+        <p:nvSpPr>
+          <p:cNvPr id="7" name="Oval 6">
+            <a:extLst>
+              <a:ext uri="{FF2B5EF4-FFF2-40B4-BE49-F238E27FC236}">
+                <a16:creationId xmlns:a16="http://schemas.microsoft.com/office/drawing/2014/main" id="{E2179ED9-D388-9559-35BC-954B1EBB707E}"/>
+              </a:ext>
+            </a:extLst>
+          </p:cNvPr>
+          <p:cNvSpPr/>
+          <p:nvPr/>
+        </p:nvSpPr>
+        <p:spPr>
+          <a:xfrm>
+            <a:off x="1491447" y="4580878"/>
+            <a:ext cx="2539013" cy="292964"/>
+          </a:xfrm>
+          <a:prstGeom prst="ellipse">
+            <a:avLst/>
+          </a:prstGeom>
+        </p:spPr>
+        <p:style>
+          <a:lnRef idx="2">
+            <a:schemeClr val="accent1">
+              <a:shade val="50000"/>
+            </a:schemeClr>
+          </a:lnRef>
+          <a:fillRef idx="1">
+            <a:schemeClr val="accent1"/>
+          </a:fillRef>
+          <a:effectRef idx="0">
+            <a:schemeClr val="accent1"/>
+          </a:effectRef>
+          <a:fontRef idx="minor">
+            <a:schemeClr val="lt1"/>
+          </a:fontRef>
+        </p:style>
+        <p:txBody>
+          <a:bodyPr rtlCol="0" anchor="ctr"/>
+          <a:lstStyle/>
+          <a:p>
+            <a:pPr algn="ctr"/>
+            <a:r>
+              <a:rPr lang="en-US" dirty="0"/>
+              <a:t>Before Change</a:t>
+            </a:r>
+            <a:endParaRPr lang="en-IN" dirty="0"/>
+          </a:p>
+        </p:txBody>
+      </p:sp>
+      <p:sp>
+        <p:nvSpPr>
+          <p:cNvPr id="9" name="Oval 8">
+            <a:extLst>
+              <a:ext uri="{FF2B5EF4-FFF2-40B4-BE49-F238E27FC236}">
+                <a16:creationId xmlns:a16="http://schemas.microsoft.com/office/drawing/2014/main" id="{4D2DAC88-F166-B320-04F6-95DC5E910840}"/>
+              </a:ext>
+            </a:extLst>
+          </p:cNvPr>
+          <p:cNvSpPr/>
+          <p:nvPr/>
+        </p:nvSpPr>
+        <p:spPr>
+          <a:xfrm>
+            <a:off x="1491446" y="5678911"/>
+            <a:ext cx="2539013" cy="292964"/>
+          </a:xfrm>
+          <a:prstGeom prst="ellipse">
+            <a:avLst/>
+          </a:prstGeom>
+        </p:spPr>
+        <p:style>
+          <a:lnRef idx="2">
+            <a:schemeClr val="accent1">
+              <a:shade val="50000"/>
+            </a:schemeClr>
+          </a:lnRef>
+          <a:fillRef idx="1">
+            <a:schemeClr val="accent1"/>
+          </a:fillRef>
+          <a:effectRef idx="0">
+            <a:schemeClr val="accent1"/>
+          </a:effectRef>
+          <a:fontRef idx="minor">
+            <a:schemeClr val="lt1"/>
+          </a:fontRef>
+        </p:style>
+        <p:txBody>
+          <a:bodyPr rtlCol="0" anchor="ctr"/>
+          <a:lstStyle/>
+          <a:p>
+            <a:pPr algn="ctr"/>
+            <a:r>
+              <a:rPr lang="en-US" dirty="0"/>
+              <a:t>After Change</a:t>
+            </a:r>
+            <a:endParaRPr lang="en-IN" dirty="0"/>
+          </a:p>
+        </p:txBody>
+      </p:sp>
+    </p:spTree>
+    <p:extLst>
+      <p:ext uri="{BB962C8B-B14F-4D97-AF65-F5344CB8AC3E}">
+        <p14:creationId xmlns:p14="http://schemas.microsoft.com/office/powerpoint/2010/main" val="655002835"/>
+      </p:ext>
+    </p:extLst>
+  </p:cSld>
+  <p:clrMapOvr>
+    <a:masterClrMapping/>
+  </p:clrMapOvr>
+</p:sld>
+</file>
+
+<file path=ppt/slides/slide21.xml><?xml version="1.0" encoding="utf-8"?>
 <p:sld xmlns:a="http://schemas.openxmlformats.org/drawingml/2006/main" xmlns:r="http://schemas.openxmlformats.org/officeDocument/2006/relationships" xmlns:p="http://schemas.openxmlformats.org/presentationml/2006/main">
   <p:cSld>
     <p:spTree>
@@ -7354,7 +8085,7 @@
         <p:spPr>
           <a:xfrm>
             <a:off x="521205" y="1285570"/>
-            <a:ext cx="6368953" cy="5186486"/>
+            <a:ext cx="5870717" cy="5186486"/>
           </a:xfrm>
           <a:prstGeom prst="rect">
             <a:avLst/>
@@ -7362,7 +8093,7 @@
         </p:spPr>
         <p:txBody>
           <a:bodyPr vert="horz" lIns="91440" tIns="45720" rIns="91440" bIns="45720" rtlCol="0">
-            <a:normAutofit fontScale="85000" lnSpcReduction="10000"/>
+            <a:normAutofit/>
           </a:bodyPr>
           <a:lstStyle>
             <a:lvl1pPr marL="228600" indent="-228600" algn="l" defTabSz="914400" rtl="0" eaLnBrk="1" latinLnBrk="0" hangingPunct="1">
@@ -7724,7 +8455,7 @@
                 <a:latin typeface="Segoe UI" panose="020B0502040204020203" pitchFamily="34" charset="0"/>
                 <a:cs typeface="Segoe UI" panose="020B0502040204020203" pitchFamily="34" charset="0"/>
               </a:rPr>
-              <a:t>.</a:t>
+              <a:t>. (Follow standard practices)</a:t>
             </a:r>
             <a:endParaRPr lang="en-US" sz="1100" dirty="0">
               <a:latin typeface="Segoe UI" panose="020B0502040204020203" pitchFamily="34" charset="0"/>
@@ -7773,189 +8504,12 @@
                 <a:latin typeface="Segoe UI" panose="020B0502040204020203" pitchFamily="34" charset="0"/>
                 <a:cs typeface="Segoe UI" panose="020B0502040204020203" pitchFamily="34" charset="0"/>
               </a:rPr>
-              <a:t>niform throughout the process without any change.</a:t>
+              <a:t>niform design throughout the process without any change.</a:t>
             </a:r>
             <a:endParaRPr lang="en-US" sz="1100" i="1" dirty="0">
               <a:latin typeface="Segoe UI" panose="020B0502040204020203" pitchFamily="34" charset="0"/>
               <a:cs typeface="Segoe UI" panose="020B0502040204020203" pitchFamily="34" charset="0"/>
             </a:endParaRPr>
-          </a:p>
-          <a:p>
-            <a:pPr lvl="0">
-              <a:spcAft>
-                <a:spcPts val="600"/>
-              </a:spcAft>
-              <a:buFont typeface="+mj-lt"/>
-              <a:buAutoNum type="arabicPeriod"/>
-              <a:defRPr/>
-            </a:pPr>
-            <a:r>
-              <a:rPr lang="en-US" b="1" dirty="0">
-                <a:latin typeface="Segoe UI" panose="020B0502040204020203" pitchFamily="34" charset="0"/>
-                <a:cs typeface="Segoe UI" panose="020B0502040204020203" pitchFamily="34" charset="0"/>
-              </a:rPr>
-              <a:t>Accommodate change</a:t>
-            </a:r>
-            <a:r>
-              <a:rPr lang="en-US" dirty="0">
-                <a:latin typeface="Segoe UI" panose="020B0502040204020203" pitchFamily="34" charset="0"/>
-                <a:cs typeface="Segoe UI" panose="020B0502040204020203" pitchFamily="34" charset="0"/>
-              </a:rPr>
-              <a:t> – </a:t>
-            </a:r>
-            <a:r>
-              <a:rPr lang="en-US" sz="1100" i="1" dirty="0">
-                <a:latin typeface="Segoe UI" panose="020B0502040204020203" pitchFamily="34" charset="0"/>
-                <a:cs typeface="Segoe UI" panose="020B0502040204020203" pitchFamily="34" charset="0"/>
-              </a:rPr>
-              <a:t>Adjust the change as per user’s need</a:t>
-            </a:r>
-            <a:r>
-              <a:rPr lang="en-US" dirty="0">
-                <a:latin typeface="Segoe UI" panose="020B0502040204020203" pitchFamily="34" charset="0"/>
-                <a:cs typeface="Segoe UI" panose="020B0502040204020203" pitchFamily="34" charset="0"/>
-              </a:rPr>
-              <a:t>.</a:t>
-            </a:r>
-          </a:p>
-          <a:p>
-            <a:pPr lvl="0">
-              <a:spcAft>
-                <a:spcPts val="600"/>
-              </a:spcAft>
-              <a:buFont typeface="+mj-lt"/>
-              <a:buAutoNum type="arabicPeriod"/>
-              <a:defRPr/>
-            </a:pPr>
-            <a:r>
-              <a:rPr lang="en-US" b="1" dirty="0">
-                <a:latin typeface="Segoe UI" panose="020B0502040204020203" pitchFamily="34" charset="0"/>
-                <a:cs typeface="Segoe UI" panose="020B0502040204020203" pitchFamily="34" charset="0"/>
-              </a:rPr>
-              <a:t>Degrade gently</a:t>
-            </a:r>
-            <a:r>
-              <a:rPr lang="en-US" dirty="0">
-                <a:latin typeface="Segoe UI" panose="020B0502040204020203" pitchFamily="34" charset="0"/>
-                <a:cs typeface="Segoe UI" panose="020B0502040204020203" pitchFamily="34" charset="0"/>
-              </a:rPr>
-              <a:t> - </a:t>
-            </a:r>
-            <a:r>
-              <a:rPr lang="en-US" sz="1100" b="0" i="1" dirty="0">
-                <a:solidFill>
-                  <a:srgbClr val="273239"/>
-                </a:solidFill>
-                <a:effectLst/>
-                <a:latin typeface="Segoe UI" panose="020B0502040204020203" pitchFamily="34" charset="0"/>
-                <a:cs typeface="Segoe UI" panose="020B0502040204020203" pitchFamily="34" charset="0"/>
-              </a:rPr>
-              <a:t>Work properly even if an error occurs during the execution.</a:t>
-            </a:r>
-            <a:endParaRPr lang="en-US" sz="1100" i="1" dirty="0">
-              <a:latin typeface="Segoe UI" panose="020B0502040204020203" pitchFamily="34" charset="0"/>
-              <a:cs typeface="Segoe UI" panose="020B0502040204020203" pitchFamily="34" charset="0"/>
-            </a:endParaRPr>
-          </a:p>
-          <a:p>
-            <a:pPr lvl="0">
-              <a:spcAft>
-                <a:spcPts val="600"/>
-              </a:spcAft>
-              <a:buFont typeface="+mj-lt"/>
-              <a:buAutoNum type="arabicPeriod"/>
-              <a:defRPr/>
-            </a:pPr>
-            <a:r>
-              <a:rPr lang="en-US" b="1" dirty="0">
-                <a:latin typeface="Segoe UI" panose="020B0502040204020203" pitchFamily="34" charset="0"/>
-                <a:cs typeface="Segoe UI" panose="020B0502040204020203" pitchFamily="34" charset="0"/>
-              </a:rPr>
-              <a:t>Assessed for quality</a:t>
-            </a:r>
-            <a:r>
-              <a:rPr lang="en-US" dirty="0">
-                <a:latin typeface="Segoe UI" panose="020B0502040204020203" pitchFamily="34" charset="0"/>
-                <a:cs typeface="Segoe UI" panose="020B0502040204020203" pitchFamily="34" charset="0"/>
-              </a:rPr>
-              <a:t> - </a:t>
-            </a:r>
-            <a:r>
-              <a:rPr lang="en-US" sz="1100" i="1" dirty="0">
-                <a:latin typeface="Segoe UI" panose="020B0502040204020203" pitchFamily="34" charset="0"/>
-                <a:cs typeface="Segoe UI" panose="020B0502040204020203" pitchFamily="34" charset="0"/>
-              </a:rPr>
-              <a:t>The quality of the design needs to be checked and focused</a:t>
-            </a:r>
-            <a:r>
-              <a:rPr lang="en-US" dirty="0">
-                <a:latin typeface="Segoe UI" panose="020B0502040204020203" pitchFamily="34" charset="0"/>
-                <a:cs typeface="Segoe UI" panose="020B0502040204020203" pitchFamily="34" charset="0"/>
-              </a:rPr>
-              <a:t>. </a:t>
-            </a:r>
-          </a:p>
-          <a:p>
-            <a:pPr lvl="0">
-              <a:spcAft>
-                <a:spcPts val="600"/>
-              </a:spcAft>
-              <a:buFont typeface="+mj-lt"/>
-              <a:buAutoNum type="arabicPeriod"/>
-              <a:defRPr/>
-            </a:pPr>
-            <a:r>
-              <a:rPr lang="en-US" b="1" dirty="0">
-                <a:latin typeface="Segoe UI" panose="020B0502040204020203" pitchFamily="34" charset="0"/>
-                <a:cs typeface="Segoe UI" panose="020B0502040204020203" pitchFamily="34" charset="0"/>
-              </a:rPr>
-              <a:t>Review to discover errors</a:t>
-            </a:r>
-            <a:r>
-              <a:rPr lang="en-US" dirty="0">
-                <a:latin typeface="Segoe UI" panose="020B0502040204020203" pitchFamily="34" charset="0"/>
-                <a:cs typeface="Segoe UI" panose="020B0502040204020203" pitchFamily="34" charset="0"/>
-              </a:rPr>
-              <a:t> – </a:t>
-            </a:r>
-            <a:r>
-              <a:rPr lang="en-US" sz="1100" i="1" dirty="0">
-                <a:latin typeface="Segoe UI" panose="020B0502040204020203" pitchFamily="34" charset="0"/>
-                <a:cs typeface="Segoe UI" panose="020B0502040204020203" pitchFamily="34" charset="0"/>
-              </a:rPr>
-              <a:t>Review design timely to minimize errors</a:t>
-            </a:r>
-          </a:p>
-          <a:p>
-            <a:pPr lvl="0">
-              <a:spcAft>
-                <a:spcPts val="600"/>
-              </a:spcAft>
-              <a:buFont typeface="+mj-lt"/>
-              <a:buAutoNum type="arabicPeriod"/>
-              <a:defRPr/>
-            </a:pPr>
-            <a:r>
-              <a:rPr lang="en-US" b="1" dirty="0">
-                <a:latin typeface="Segoe UI" panose="020B0502040204020203" pitchFamily="34" charset="0"/>
-                <a:cs typeface="Segoe UI" panose="020B0502040204020203" pitchFamily="34" charset="0"/>
-              </a:rPr>
-              <a:t>Design is not coding and coding is not design</a:t>
-            </a:r>
-            <a:r>
-              <a:rPr lang="en-US" dirty="0">
-                <a:latin typeface="Segoe UI" panose="020B0502040204020203" pitchFamily="34" charset="0"/>
-                <a:cs typeface="Segoe UI" panose="020B0502040204020203" pitchFamily="34" charset="0"/>
-              </a:rPr>
-              <a:t> – </a:t>
-            </a:r>
-            <a:r>
-              <a:rPr lang="en-US" sz="1100" i="1" dirty="0">
-                <a:latin typeface="Segoe UI" panose="020B0502040204020203" pitchFamily="34" charset="0"/>
-                <a:cs typeface="Segoe UI" panose="020B0502040204020203" pitchFamily="34" charset="0"/>
-              </a:rPr>
-              <a:t>Design is describing the logic of program and coding is implementation of design</a:t>
-            </a:r>
           </a:p>
         </p:txBody>
       </p:sp>
@@ -7988,8 +8542,8 @@
         </p:blipFill>
         <p:spPr bwMode="auto">
           <a:xfrm>
-            <a:off x="6890159" y="1285571"/>
-            <a:ext cx="4976329" cy="3747824"/>
+            <a:off x="6483569" y="1285571"/>
+            <a:ext cx="5382919" cy="4067664"/>
           </a:xfrm>
           <a:prstGeom prst="rect">
             <a:avLst/>
@@ -8028,6 +8582,530 @@
 </file>
 
 <file path=ppt/slides/slide4.xml><?xml version="1.0" encoding="utf-8"?>
+<p:sld xmlns:a="http://schemas.openxmlformats.org/drawingml/2006/main" xmlns:r="http://schemas.openxmlformats.org/officeDocument/2006/relationships" xmlns:p="http://schemas.openxmlformats.org/presentationml/2006/main">
+  <p:cSld>
+    <p:spTree>
+      <p:nvGrpSpPr>
+        <p:cNvPr id="1" name=""/>
+        <p:cNvGrpSpPr/>
+        <p:nvPr/>
+      </p:nvGrpSpPr>
+      <p:grpSpPr>
+        <a:xfrm>
+          <a:off x="0" y="0"/>
+          <a:ext cx="0" cy="0"/>
+          <a:chOff x="0" y="0"/>
+          <a:chExt cx="0" cy="0"/>
+        </a:xfrm>
+      </p:grpSpPr>
+      <p:sp>
+        <p:nvSpPr>
+          <p:cNvPr id="8" name="Title 7"/>
+          <p:cNvSpPr>
+            <a:spLocks noGrp="1"/>
+          </p:cNvSpPr>
+          <p:nvPr>
+            <p:ph type="title"/>
+          </p:nvPr>
+        </p:nvSpPr>
+        <p:spPr>
+          <a:xfrm>
+            <a:off x="521207" y="448056"/>
+            <a:ext cx="7658059" cy="640080"/>
+          </a:xfrm>
+        </p:spPr>
+        <p:txBody>
+          <a:bodyPr>
+            <a:noAutofit/>
+          </a:bodyPr>
+          <a:lstStyle/>
+          <a:p>
+            <a:r>
+              <a:rPr lang="en-US" dirty="0">
+                <a:latin typeface="Segoe UI Light" panose="020B0502040204020203" pitchFamily="34" charset="0"/>
+                <a:cs typeface="Segoe UI Light" panose="020B0502040204020203" pitchFamily="34" charset="0"/>
+              </a:rPr>
+              <a:t>WHY NEED OF SOFTWARE DESIGN PRINCIPLES?</a:t>
+            </a:r>
+          </a:p>
+        </p:txBody>
+      </p:sp>
+      <p:sp>
+        <p:nvSpPr>
+          <p:cNvPr id="38" name="Content Placeholder 17"/>
+          <p:cNvSpPr txBox="1">
+            <a:spLocks/>
+          </p:cNvSpPr>
+          <p:nvPr/>
+        </p:nvSpPr>
+        <p:spPr>
+          <a:xfrm>
+            <a:off x="521205" y="1285570"/>
+            <a:ext cx="5574795" cy="5186486"/>
+          </a:xfrm>
+          <a:prstGeom prst="rect">
+            <a:avLst/>
+          </a:prstGeom>
+        </p:spPr>
+        <p:txBody>
+          <a:bodyPr vert="horz" lIns="91440" tIns="45720" rIns="91440" bIns="45720" rtlCol="0">
+            <a:normAutofit/>
+          </a:bodyPr>
+          <a:lstStyle>
+            <a:lvl1pPr marL="228600" indent="-228600" algn="l" defTabSz="914400" rtl="0" eaLnBrk="1" latinLnBrk="0" hangingPunct="1">
+              <a:lnSpc>
+                <a:spcPts val="1800"/>
+              </a:lnSpc>
+              <a:spcBef>
+                <a:spcPts val="1000"/>
+              </a:spcBef>
+              <a:spcAft>
+                <a:spcPts val="1000"/>
+              </a:spcAft>
+              <a:buFont typeface="Arial" panose="020B0604020202020204" pitchFamily="34" charset="0"/>
+              <a:buChar char="•"/>
+              <a:defRPr lang="en-US" sz="1200" kern="1200" smtClean="0">
+                <a:solidFill>
+                  <a:schemeClr val="tx1">
+                    <a:lumMod val="75000"/>
+                    <a:lumOff val="25000"/>
+                  </a:schemeClr>
+                </a:solidFill>
+                <a:latin typeface="+mn-lt"/>
+                <a:ea typeface="+mn-ea"/>
+                <a:cs typeface="+mn-cs"/>
+              </a:defRPr>
+            </a:lvl1pPr>
+            <a:lvl2pPr marL="685800" indent="-228600" algn="l" defTabSz="914400" rtl="0" eaLnBrk="1" latinLnBrk="0" hangingPunct="1">
+              <a:lnSpc>
+                <a:spcPts val="1800"/>
+              </a:lnSpc>
+              <a:spcBef>
+                <a:spcPts val="1000"/>
+              </a:spcBef>
+              <a:spcAft>
+                <a:spcPts val="1000"/>
+              </a:spcAft>
+              <a:buFont typeface="Arial" panose="020B0604020202020204" pitchFamily="34" charset="0"/>
+              <a:buChar char="•"/>
+              <a:defRPr lang="en-US" sz="1200" kern="1200" smtClean="0">
+                <a:solidFill>
+                  <a:schemeClr val="tx1">
+                    <a:lumMod val="75000"/>
+                    <a:lumOff val="25000"/>
+                  </a:schemeClr>
+                </a:solidFill>
+                <a:latin typeface="+mn-lt"/>
+                <a:ea typeface="+mn-ea"/>
+                <a:cs typeface="+mn-cs"/>
+              </a:defRPr>
+            </a:lvl2pPr>
+            <a:lvl3pPr marL="1143000" indent="-228600" algn="l" defTabSz="914400" rtl="0" eaLnBrk="1" latinLnBrk="0" hangingPunct="1">
+              <a:lnSpc>
+                <a:spcPts val="1800"/>
+              </a:lnSpc>
+              <a:spcBef>
+                <a:spcPts val="1000"/>
+              </a:spcBef>
+              <a:spcAft>
+                <a:spcPts val="1000"/>
+              </a:spcAft>
+              <a:buFont typeface="Arial" panose="020B0604020202020204" pitchFamily="34" charset="0"/>
+              <a:buChar char="•"/>
+              <a:defRPr lang="en-US" sz="1200" kern="1200" smtClean="0">
+                <a:solidFill>
+                  <a:schemeClr val="tx1">
+                    <a:lumMod val="75000"/>
+                    <a:lumOff val="25000"/>
+                  </a:schemeClr>
+                </a:solidFill>
+                <a:latin typeface="+mn-lt"/>
+                <a:ea typeface="+mn-ea"/>
+                <a:cs typeface="+mn-cs"/>
+              </a:defRPr>
+            </a:lvl3pPr>
+            <a:lvl4pPr marL="1600200" indent="-228600" algn="l" defTabSz="914400" rtl="0" eaLnBrk="1" latinLnBrk="0" hangingPunct="1">
+              <a:lnSpc>
+                <a:spcPts val="1800"/>
+              </a:lnSpc>
+              <a:spcBef>
+                <a:spcPts val="1000"/>
+              </a:spcBef>
+              <a:spcAft>
+                <a:spcPts val="1000"/>
+              </a:spcAft>
+              <a:buFont typeface="Arial" panose="020B0604020202020204" pitchFamily="34" charset="0"/>
+              <a:buChar char="•"/>
+              <a:defRPr lang="en-US" sz="1200" kern="1200" smtClean="0">
+                <a:solidFill>
+                  <a:schemeClr val="tx1">
+                    <a:lumMod val="75000"/>
+                    <a:lumOff val="25000"/>
+                  </a:schemeClr>
+                </a:solidFill>
+                <a:latin typeface="+mn-lt"/>
+                <a:ea typeface="+mn-ea"/>
+                <a:cs typeface="+mn-cs"/>
+              </a:defRPr>
+            </a:lvl4pPr>
+            <a:lvl5pPr marL="2057400" indent="-228600" algn="l" defTabSz="914400" rtl="0" eaLnBrk="1" latinLnBrk="0" hangingPunct="1">
+              <a:lnSpc>
+                <a:spcPts val="1800"/>
+              </a:lnSpc>
+              <a:spcBef>
+                <a:spcPts val="1000"/>
+              </a:spcBef>
+              <a:spcAft>
+                <a:spcPts val="1000"/>
+              </a:spcAft>
+              <a:buFont typeface="Arial" panose="020B0604020202020204" pitchFamily="34" charset="0"/>
+              <a:buChar char="•"/>
+              <a:defRPr lang="en-US" sz="1200" kern="1200">
+                <a:solidFill>
+                  <a:schemeClr val="tx1">
+                    <a:lumMod val="75000"/>
+                    <a:lumOff val="25000"/>
+                  </a:schemeClr>
+                </a:solidFill>
+                <a:latin typeface="+mn-lt"/>
+                <a:ea typeface="+mn-ea"/>
+                <a:cs typeface="+mn-cs"/>
+              </a:defRPr>
+            </a:lvl5pPr>
+            <a:lvl6pPr marL="2514600" indent="-228600" algn="l" defTabSz="914400" rtl="0" eaLnBrk="1" latinLnBrk="0" hangingPunct="1">
+              <a:lnSpc>
+                <a:spcPct val="90000"/>
+              </a:lnSpc>
+              <a:spcBef>
+                <a:spcPct val="30000"/>
+              </a:spcBef>
+              <a:buFont typeface="Arial" panose="020B0604020202020204" pitchFamily="34" charset="0"/>
+              <a:buChar char="•"/>
+              <a:defRPr sz="1800" kern="1200">
+                <a:solidFill>
+                  <a:schemeClr val="tx1"/>
+                </a:solidFill>
+                <a:latin typeface="+mn-lt"/>
+                <a:ea typeface="+mn-ea"/>
+                <a:cs typeface="+mn-cs"/>
+              </a:defRPr>
+            </a:lvl6pPr>
+            <a:lvl7pPr marL="2971800" indent="-228600" algn="l" defTabSz="914400" rtl="0" eaLnBrk="1" latinLnBrk="0" hangingPunct="1">
+              <a:lnSpc>
+                <a:spcPct val="90000"/>
+              </a:lnSpc>
+              <a:spcBef>
+                <a:spcPct val="30000"/>
+              </a:spcBef>
+              <a:buFont typeface="Arial" panose="020B0604020202020204" pitchFamily="34" charset="0"/>
+              <a:buChar char="•"/>
+              <a:defRPr sz="1800" kern="1200">
+                <a:solidFill>
+                  <a:schemeClr val="tx1"/>
+                </a:solidFill>
+                <a:latin typeface="+mn-lt"/>
+                <a:ea typeface="+mn-ea"/>
+                <a:cs typeface="+mn-cs"/>
+              </a:defRPr>
+            </a:lvl7pPr>
+            <a:lvl8pPr marL="3429000" indent="-228600" algn="l" defTabSz="914400" rtl="0" eaLnBrk="1" latinLnBrk="0" hangingPunct="1">
+              <a:lnSpc>
+                <a:spcPct val="90000"/>
+              </a:lnSpc>
+              <a:spcBef>
+                <a:spcPct val="30000"/>
+              </a:spcBef>
+              <a:buFont typeface="Arial" panose="020B0604020202020204" pitchFamily="34" charset="0"/>
+              <a:buChar char="•"/>
+              <a:defRPr sz="1800" kern="1200">
+                <a:solidFill>
+                  <a:schemeClr val="tx1"/>
+                </a:solidFill>
+                <a:latin typeface="+mn-lt"/>
+                <a:ea typeface="+mn-ea"/>
+                <a:cs typeface="+mn-cs"/>
+              </a:defRPr>
+            </a:lvl8pPr>
+            <a:lvl9pPr marL="3886200" indent="-228600" algn="l" defTabSz="914400" rtl="0" eaLnBrk="1" latinLnBrk="0" hangingPunct="1">
+              <a:lnSpc>
+                <a:spcPct val="90000"/>
+              </a:lnSpc>
+              <a:spcBef>
+                <a:spcPct val="30000"/>
+              </a:spcBef>
+              <a:buFont typeface="Arial" panose="020B0604020202020204" pitchFamily="34" charset="0"/>
+              <a:buChar char="•"/>
+              <a:defRPr sz="1800" kern="1200">
+                <a:solidFill>
+                  <a:schemeClr val="tx1"/>
+                </a:solidFill>
+                <a:latin typeface="+mn-lt"/>
+                <a:ea typeface="+mn-ea"/>
+                <a:cs typeface="+mn-cs"/>
+              </a:defRPr>
+            </a:lvl9pPr>
+          </a:lstStyle>
+          <a:p>
+            <a:pPr marL="0" lvl="0" indent="0">
+              <a:spcAft>
+                <a:spcPts val="600"/>
+              </a:spcAft>
+              <a:buNone/>
+              <a:defRPr/>
+            </a:pPr>
+            <a:endParaRPr lang="en-US" sz="1100" i="1" dirty="0">
+              <a:latin typeface="Segoe UI" panose="020B0502040204020203" pitchFamily="34" charset="0"/>
+              <a:cs typeface="Segoe UI" panose="020B0502040204020203" pitchFamily="34" charset="0"/>
+            </a:endParaRPr>
+          </a:p>
+          <a:p>
+            <a:pPr lvl="0">
+              <a:spcAft>
+                <a:spcPts val="600"/>
+              </a:spcAft>
+              <a:buFont typeface="+mj-lt"/>
+              <a:buAutoNum type="arabicPeriod" startAt="6"/>
+              <a:defRPr/>
+            </a:pPr>
+            <a:r>
+              <a:rPr lang="en-US" b="1" dirty="0">
+                <a:latin typeface="Segoe UI" panose="020B0502040204020203" pitchFamily="34" charset="0"/>
+                <a:cs typeface="Segoe UI" panose="020B0502040204020203" pitchFamily="34" charset="0"/>
+              </a:rPr>
+              <a:t>Accommodate change</a:t>
+            </a:r>
+            <a:r>
+              <a:rPr lang="en-US" dirty="0">
+                <a:latin typeface="Segoe UI" panose="020B0502040204020203" pitchFamily="34" charset="0"/>
+                <a:cs typeface="Segoe UI" panose="020B0502040204020203" pitchFamily="34" charset="0"/>
+              </a:rPr>
+              <a:t> – </a:t>
+            </a:r>
+            <a:r>
+              <a:rPr lang="en-US" sz="1100" i="1" dirty="0">
+                <a:latin typeface="Segoe UI" panose="020B0502040204020203" pitchFamily="34" charset="0"/>
+                <a:cs typeface="Segoe UI" panose="020B0502040204020203" pitchFamily="34" charset="0"/>
+              </a:rPr>
+              <a:t>Adjust the change as per user’s need</a:t>
+            </a:r>
+            <a:r>
+              <a:rPr lang="en-US" dirty="0">
+                <a:latin typeface="Segoe UI" panose="020B0502040204020203" pitchFamily="34" charset="0"/>
+                <a:cs typeface="Segoe UI" panose="020B0502040204020203" pitchFamily="34" charset="0"/>
+              </a:rPr>
+              <a:t>.</a:t>
+            </a:r>
+          </a:p>
+          <a:p>
+            <a:pPr lvl="0">
+              <a:spcAft>
+                <a:spcPts val="600"/>
+              </a:spcAft>
+              <a:buFont typeface="+mj-lt"/>
+              <a:buAutoNum type="arabicPeriod" startAt="6"/>
+              <a:defRPr/>
+            </a:pPr>
+            <a:r>
+              <a:rPr lang="en-US" b="1" dirty="0">
+                <a:latin typeface="Segoe UI" panose="020B0502040204020203" pitchFamily="34" charset="0"/>
+                <a:cs typeface="Segoe UI" panose="020B0502040204020203" pitchFamily="34" charset="0"/>
+              </a:rPr>
+              <a:t>Degrade gently</a:t>
+            </a:r>
+            <a:r>
+              <a:rPr lang="en-US" dirty="0">
+                <a:latin typeface="Segoe UI" panose="020B0502040204020203" pitchFamily="34" charset="0"/>
+                <a:cs typeface="Segoe UI" panose="020B0502040204020203" pitchFamily="34" charset="0"/>
+              </a:rPr>
+              <a:t> - </a:t>
+            </a:r>
+            <a:r>
+              <a:rPr lang="en-US" sz="1100" b="0" i="1" dirty="0">
+                <a:solidFill>
+                  <a:srgbClr val="273239"/>
+                </a:solidFill>
+                <a:effectLst/>
+                <a:latin typeface="Segoe UI" panose="020B0502040204020203" pitchFamily="34" charset="0"/>
+                <a:cs typeface="Segoe UI" panose="020B0502040204020203" pitchFamily="34" charset="0"/>
+              </a:rPr>
+              <a:t>Work properly even if an error occurs during the execution.</a:t>
+            </a:r>
+            <a:endParaRPr lang="en-US" sz="1100" i="1" dirty="0">
+              <a:latin typeface="Segoe UI" panose="020B0502040204020203" pitchFamily="34" charset="0"/>
+              <a:cs typeface="Segoe UI" panose="020B0502040204020203" pitchFamily="34" charset="0"/>
+            </a:endParaRPr>
+          </a:p>
+          <a:p>
+            <a:pPr lvl="0">
+              <a:spcAft>
+                <a:spcPts val="600"/>
+              </a:spcAft>
+              <a:buFont typeface="+mj-lt"/>
+              <a:buAutoNum type="arabicPeriod" startAt="6"/>
+              <a:defRPr/>
+            </a:pPr>
+            <a:r>
+              <a:rPr lang="en-US" b="1" dirty="0">
+                <a:latin typeface="Segoe UI" panose="020B0502040204020203" pitchFamily="34" charset="0"/>
+                <a:cs typeface="Segoe UI" panose="020B0502040204020203" pitchFamily="34" charset="0"/>
+              </a:rPr>
+              <a:t>Assessed for quality</a:t>
+            </a:r>
+            <a:r>
+              <a:rPr lang="en-US" dirty="0">
+                <a:latin typeface="Segoe UI" panose="020B0502040204020203" pitchFamily="34" charset="0"/>
+                <a:cs typeface="Segoe UI" panose="020B0502040204020203" pitchFamily="34" charset="0"/>
+              </a:rPr>
+              <a:t> - </a:t>
+            </a:r>
+            <a:r>
+              <a:rPr lang="en-US" sz="1100" i="1" dirty="0">
+                <a:latin typeface="Segoe UI" panose="020B0502040204020203" pitchFamily="34" charset="0"/>
+                <a:cs typeface="Segoe UI" panose="020B0502040204020203" pitchFamily="34" charset="0"/>
+              </a:rPr>
+              <a:t>The quality of the design needs to be checked and focused</a:t>
+            </a:r>
+            <a:r>
+              <a:rPr lang="en-US" dirty="0">
+                <a:latin typeface="Segoe UI" panose="020B0502040204020203" pitchFamily="34" charset="0"/>
+                <a:cs typeface="Segoe UI" panose="020B0502040204020203" pitchFamily="34" charset="0"/>
+              </a:rPr>
+              <a:t>. </a:t>
+            </a:r>
+          </a:p>
+          <a:p>
+            <a:pPr lvl="0">
+              <a:spcAft>
+                <a:spcPts val="600"/>
+              </a:spcAft>
+              <a:buFont typeface="+mj-lt"/>
+              <a:buAutoNum type="arabicPeriod" startAt="6"/>
+              <a:defRPr/>
+            </a:pPr>
+            <a:r>
+              <a:rPr lang="en-US" b="1" dirty="0">
+                <a:latin typeface="Segoe UI" panose="020B0502040204020203" pitchFamily="34" charset="0"/>
+                <a:cs typeface="Segoe UI" panose="020B0502040204020203" pitchFamily="34" charset="0"/>
+              </a:rPr>
+              <a:t>Review to discover errors</a:t>
+            </a:r>
+            <a:r>
+              <a:rPr lang="en-US" dirty="0">
+                <a:latin typeface="Segoe UI" panose="020B0502040204020203" pitchFamily="34" charset="0"/>
+                <a:cs typeface="Segoe UI" panose="020B0502040204020203" pitchFamily="34" charset="0"/>
+              </a:rPr>
+              <a:t> – </a:t>
+            </a:r>
+            <a:r>
+              <a:rPr lang="en-US" sz="1100" i="1" dirty="0">
+                <a:latin typeface="Segoe UI" panose="020B0502040204020203" pitchFamily="34" charset="0"/>
+                <a:cs typeface="Segoe UI" panose="020B0502040204020203" pitchFamily="34" charset="0"/>
+              </a:rPr>
+              <a:t>Review design timely to minimize errors</a:t>
+            </a:r>
+          </a:p>
+          <a:p>
+            <a:pPr lvl="0">
+              <a:spcAft>
+                <a:spcPts val="600"/>
+              </a:spcAft>
+              <a:buFont typeface="+mj-lt"/>
+              <a:buAutoNum type="arabicPeriod" startAt="6"/>
+              <a:defRPr/>
+            </a:pPr>
+            <a:r>
+              <a:rPr lang="en-US" b="1" dirty="0">
+                <a:latin typeface="Segoe UI" panose="020B0502040204020203" pitchFamily="34" charset="0"/>
+                <a:cs typeface="Segoe UI" panose="020B0502040204020203" pitchFamily="34" charset="0"/>
+              </a:rPr>
+              <a:t>Design is not coding and coding is not design</a:t>
+            </a:r>
+            <a:r>
+              <a:rPr lang="en-US" dirty="0">
+                <a:latin typeface="Segoe UI" panose="020B0502040204020203" pitchFamily="34" charset="0"/>
+                <a:cs typeface="Segoe UI" panose="020B0502040204020203" pitchFamily="34" charset="0"/>
+              </a:rPr>
+              <a:t> – </a:t>
+            </a:r>
+            <a:r>
+              <a:rPr lang="en-US" sz="1100" i="1" dirty="0">
+                <a:latin typeface="Segoe UI" panose="020B0502040204020203" pitchFamily="34" charset="0"/>
+                <a:cs typeface="Segoe UI" panose="020B0502040204020203" pitchFamily="34" charset="0"/>
+              </a:rPr>
+              <a:t>Design is describing the logic of program and coding is implementation of design</a:t>
+            </a:r>
+          </a:p>
+        </p:txBody>
+      </p:sp>
+      <p:pic>
+        <p:nvPicPr>
+          <p:cNvPr id="1026" name="Picture 2" descr="Lightbox">
+            <a:extLst>
+              <a:ext uri="{FF2B5EF4-FFF2-40B4-BE49-F238E27FC236}">
+                <a16:creationId xmlns:a16="http://schemas.microsoft.com/office/drawing/2014/main" id="{EDF378AB-CCB3-D0C0-362A-7750EFCD2327}"/>
+              </a:ext>
+            </a:extLst>
+          </p:cNvPr>
+          <p:cNvPicPr>
+            <a:picLocks noChangeAspect="1" noChangeArrowheads="1"/>
+          </p:cNvPicPr>
+          <p:nvPr/>
+        </p:nvPicPr>
+        <p:blipFill>
+          <a:blip r:embed="rId2">
+            <a:extLst>
+              <a:ext uri="{28A0092B-C50C-407E-A947-70E740481C1C}">
+                <a14:useLocalDpi xmlns:a14="http://schemas.microsoft.com/office/drawing/2010/main" val="0"/>
+              </a:ext>
+            </a:extLst>
+          </a:blip>
+          <a:srcRect/>
+          <a:stretch>
+            <a:fillRect/>
+          </a:stretch>
+        </p:blipFill>
+        <p:spPr bwMode="auto">
+          <a:xfrm>
+            <a:off x="6335815" y="1285571"/>
+            <a:ext cx="5530674" cy="4165318"/>
+          </a:xfrm>
+          <a:prstGeom prst="rect">
+            <a:avLst/>
+          </a:prstGeom>
+          <a:noFill/>
+          <a:extLst>
+            <a:ext uri="{909E8E84-426E-40DD-AFC4-6F175D3DCCD1}">
+              <a14:hiddenFill xmlns:a14="http://schemas.microsoft.com/office/drawing/2010/main">
+                <a:solidFill>
+                  <a:srgbClr val="FFFFFF"/>
+                </a:solidFill>
+              </a14:hiddenFill>
+            </a:ext>
+          </a:extLst>
+        </p:spPr>
+      </p:pic>
+    </p:spTree>
+    <p:extLst>
+      <p:ext uri="{BB962C8B-B14F-4D97-AF65-F5344CB8AC3E}">
+        <p14:creationId xmlns:p14="http://schemas.microsoft.com/office/powerpoint/2010/main" val="2609524556"/>
+      </p:ext>
+    </p:extLst>
+  </p:cSld>
+  <p:clrMapOvr>
+    <a:masterClrMapping/>
+  </p:clrMapOvr>
+  <mc:AlternateContent xmlns:mc="http://schemas.openxmlformats.org/markup-compatibility/2006" xmlns:p14="http://schemas.microsoft.com/office/powerpoint/2010/main">
+    <mc:Choice Requires="p14">
+      <p:transition p14:dur="10"/>
+    </mc:Choice>
+    <mc:Fallback xmlns="">
+      <p:transition/>
+    </mc:Fallback>
+  </mc:AlternateContent>
+</p:sld>
+</file>
+
+<file path=ppt/slides/slide5.xml><?xml version="1.0" encoding="utf-8"?>
 <p:sld xmlns:a="http://schemas.openxmlformats.org/drawingml/2006/main" xmlns:r="http://schemas.openxmlformats.org/officeDocument/2006/relationships" xmlns:p="http://schemas.openxmlformats.org/presentationml/2006/main">
   <p:cSld>
     <p:spTree>
@@ -8154,7 +9232,7 @@
           <a:effectLst/>
           <a:extLst>
             <a:ext uri="{C572A759-6A51-4108-AA02-DFA0A04FC94B}">
-              <ma14:wrappingTextBoxFlag xmlns:ma14="http://schemas.microsoft.com/office/mac/drawingml/2011/main" xmlns=""/>
+              <ma14:wrappingTextBoxFlag xmlns="" xmlns:ma14="http://schemas.microsoft.com/office/mac/drawingml/2011/main"/>
             </a:ext>
           </a:extLst>
         </p:spPr>
@@ -8179,7 +9257,7 @@
               </a:tabLst>
             </a:pPr>
             <a:r>
-              <a:rPr lang="en-US" sz="1200" b="1" kern="1000" spc="100" dirty="0">
+              <a:rPr lang="en-US" sz="2000" b="1" kern="1000" spc="100" dirty="0">
                 <a:solidFill>
                   <a:srgbClr val="D24726"/>
                 </a:solidFill>
@@ -8189,7 +9267,7 @@
               </a:rPr>
               <a:t>You are boring </a:t>
             </a:r>
-            <a:endParaRPr lang="en-US" sz="1200" b="1" kern="1400" dirty="0">
+            <a:endParaRPr lang="en-US" sz="2000" b="1" kern="1400" dirty="0">
               <a:solidFill>
                 <a:srgbClr val="D24726"/>
               </a:solidFill>
@@ -8222,7 +9300,7 @@
 </p:sld>
 </file>
 
-<file path=ppt/slides/slide5.xml><?xml version="1.0" encoding="utf-8"?>
+<file path=ppt/slides/slide6.xml><?xml version="1.0" encoding="utf-8"?>
 <p:sld xmlns:a="http://schemas.openxmlformats.org/drawingml/2006/main" xmlns:r="http://schemas.openxmlformats.org/officeDocument/2006/relationships" xmlns:p="http://schemas.openxmlformats.org/presentationml/2006/main">
   <p:cSld>
     <p:spTree>
@@ -8272,8 +9350,8 @@
         </p:nvSpPr>
         <p:spPr>
           <a:xfrm rot="21077122">
-            <a:off x="5355025" y="1653218"/>
-            <a:ext cx="1334770" cy="435610"/>
+            <a:off x="4992984" y="1534155"/>
+            <a:ext cx="2386114" cy="435610"/>
           </a:xfrm>
           <a:prstGeom prst="rect">
             <a:avLst/>
@@ -8285,7 +9363,7 @@
           <a:effectLst/>
           <a:extLst>
             <a:ext uri="{C572A759-6A51-4108-AA02-DFA0A04FC94B}">
-              <ma14:wrappingTextBoxFlag xmlns:ma14="http://schemas.microsoft.com/office/mac/drawingml/2011/main" xmlns=""/>
+              <ma14:wrappingTextBoxFlag xmlns="" xmlns:ma14="http://schemas.microsoft.com/office/mac/drawingml/2011/main"/>
             </a:ext>
           </a:extLst>
         </p:spPr>
@@ -8310,7 +9388,7 @@
               </a:tabLst>
             </a:pPr>
             <a:r>
-              <a:rPr lang="en-US" sz="1200" b="1" kern="1000" spc="100" dirty="0">
+              <a:rPr lang="en-US" sz="2000" b="1" kern="1000" spc="100" dirty="0">
                 <a:ln>
                   <a:noFill/>
                 </a:ln>
@@ -8324,7 +9402,7 @@
               </a:rPr>
               <a:t>Not Interested</a:t>
             </a:r>
-            <a:endParaRPr lang="en-US" sz="1200" b="1" kern="1400" dirty="0">
+            <a:endParaRPr lang="en-US" sz="2000" b="1" kern="1400" dirty="0">
               <a:solidFill>
                 <a:srgbClr val="D24726"/>
               </a:solidFill>
@@ -8626,12 +9704,22 @@
             <a:r>
               <a:rPr lang="en-US" sz="1100" dirty="0">
                 <a:solidFill>
-                  <a:schemeClr val="accent2"/>
+                  <a:schemeClr val="accent4"/>
                 </a:solidFill>
                 <a:latin typeface="Segoe UI" panose="020B0502040204020203" pitchFamily="34" charset="0"/>
                 <a:cs typeface="Segoe UI" panose="020B0502040204020203" pitchFamily="34" charset="0"/>
               </a:rPr>
-              <a:t>Definition :</a:t>
+              <a:t>Definition</a:t>
+            </a:r>
+            <a:r>
+              <a:rPr lang="en-US" sz="1100" dirty="0">
+                <a:solidFill>
+                  <a:schemeClr val="accent2"/>
+                </a:solidFill>
+                <a:latin typeface="Segoe UI" panose="020B0502040204020203" pitchFamily="34" charset="0"/>
+                <a:cs typeface="Segoe UI" panose="020B0502040204020203" pitchFamily="34" charset="0"/>
+              </a:rPr>
+              <a:t> :</a:t>
             </a:r>
           </a:p>
           <a:p>
@@ -8647,7 +9735,7 @@
                 <a:latin typeface="Segoe UI" panose="020B0502040204020203" pitchFamily="34" charset="0"/>
                 <a:cs typeface="Segoe UI" panose="020B0502040204020203" pitchFamily="34" charset="0"/>
               </a:rPr>
-              <a:t>Design functionality to deliver below responsibilities,</a:t>
+              <a:t>Design class to deliver below responsibilities,</a:t>
             </a:r>
           </a:p>
           <a:p>
@@ -8699,6 +9787,42 @@
                 <a:cs typeface="Segoe UI" panose="020B0502040204020203" pitchFamily="34" charset="0"/>
               </a:rPr>
               <a:t>Print Report</a:t>
+            </a:r>
+          </a:p>
+          <a:p>
+            <a:pPr marL="0" lvl="0" indent="0">
+              <a:spcAft>
+                <a:spcPts val="600"/>
+              </a:spcAft>
+              <a:buNone/>
+              <a:defRPr/>
+            </a:pPr>
+            <a:r>
+              <a:rPr lang="en-US" sz="1100" dirty="0">
+                <a:solidFill>
+                  <a:schemeClr val="accent4"/>
+                </a:solidFill>
+                <a:latin typeface="Segoe UI" panose="020B0502040204020203" pitchFamily="34" charset="0"/>
+                <a:cs typeface="Segoe UI" panose="020B0502040204020203" pitchFamily="34" charset="0"/>
+              </a:rPr>
+              <a:t>Review:</a:t>
+            </a:r>
+          </a:p>
+          <a:p>
+            <a:pPr lvl="0">
+              <a:spcAft>
+                <a:spcPts val="600"/>
+              </a:spcAft>
+              <a:buFontTx/>
+              <a:buChar char="-"/>
+              <a:defRPr/>
+            </a:pPr>
+            <a:r>
+              <a:rPr lang="en-US" sz="1100" dirty="0">
+                <a:latin typeface="Segoe UI" panose="020B0502040204020203" pitchFamily="34" charset="0"/>
+                <a:cs typeface="Segoe UI" panose="020B0502040204020203" pitchFamily="34" charset="0"/>
+              </a:rPr>
+              <a:t>Keep it with you, Review yourself after the session.</a:t>
             </a:r>
           </a:p>
           <a:p>
@@ -8750,7 +9874,7 @@
 </p:sld>
 </file>
 
-<file path=ppt/slides/slide6.xml><?xml version="1.0" encoding="utf-8"?>
+<file path=ppt/slides/slide7.xml><?xml version="1.0" encoding="utf-8"?>
 <p:sld xmlns:a="http://schemas.openxmlformats.org/drawingml/2006/main" xmlns:r="http://schemas.openxmlformats.org/officeDocument/2006/relationships" xmlns:p="http://schemas.openxmlformats.org/presentationml/2006/main">
   <p:cSld>
     <p:spTree>
@@ -9109,7 +10233,7 @@
         </p:blipFill>
         <p:spPr>
           <a:xfrm>
-            <a:off x="640228" y="2563973"/>
+            <a:off x="521205" y="3238784"/>
             <a:ext cx="4945066" cy="1280058"/>
           </a:xfrm>
           <a:prstGeom prst="rect">
@@ -9147,166 +10271,6 @@
           </a:prstGeom>
         </p:spPr>
       </p:pic>
-      <p:pic>
-        <p:nvPicPr>
-          <p:cNvPr id="7" name="Picture 6">
-            <a:extLst>
-              <a:ext uri="{FF2B5EF4-FFF2-40B4-BE49-F238E27FC236}">
-                <a16:creationId xmlns:a16="http://schemas.microsoft.com/office/drawing/2014/main" id="{729F5820-6B25-E9B0-AD81-133FA6ACE84A}"/>
-              </a:ext>
-            </a:extLst>
-          </p:cNvPr>
-          <p:cNvPicPr>
-            <a:picLocks noChangeAspect="1"/>
-          </p:cNvPicPr>
-          <p:nvPr/>
-        </p:nvPicPr>
-        <p:blipFill>
-          <a:blip r:embed="rId4"/>
-          <a:stretch>
-            <a:fillRect/>
-          </a:stretch>
-        </p:blipFill>
-        <p:spPr>
-          <a:xfrm>
-            <a:off x="489424" y="4530225"/>
-            <a:ext cx="5394711" cy="175616"/>
-          </a:xfrm>
-          <a:prstGeom prst="rect">
-            <a:avLst/>
-          </a:prstGeom>
-        </p:spPr>
-      </p:pic>
-      <p:pic>
-        <p:nvPicPr>
-          <p:cNvPr id="12" name="Picture 11">
-            <a:extLst>
-              <a:ext uri="{FF2B5EF4-FFF2-40B4-BE49-F238E27FC236}">
-                <a16:creationId xmlns:a16="http://schemas.microsoft.com/office/drawing/2014/main" id="{A4A98DE0-07DC-E5FC-9894-6A058AE7ACC7}"/>
-              </a:ext>
-            </a:extLst>
-          </p:cNvPr>
-          <p:cNvPicPr>
-            <a:picLocks noChangeAspect="1"/>
-          </p:cNvPicPr>
-          <p:nvPr/>
-        </p:nvPicPr>
-        <p:blipFill>
-          <a:blip r:embed="rId5"/>
-          <a:stretch>
-            <a:fillRect/>
-          </a:stretch>
-        </p:blipFill>
-        <p:spPr>
-          <a:xfrm>
-            <a:off x="532051" y="5668849"/>
-            <a:ext cx="5352084" cy="153267"/>
-          </a:xfrm>
-          <a:prstGeom prst="rect">
-            <a:avLst/>
-          </a:prstGeom>
-        </p:spPr>
-      </p:pic>
-      <p:sp>
-        <p:nvSpPr>
-          <p:cNvPr id="13" name="Oval 12">
-            <a:extLst>
-              <a:ext uri="{FF2B5EF4-FFF2-40B4-BE49-F238E27FC236}">
-                <a16:creationId xmlns:a16="http://schemas.microsoft.com/office/drawing/2014/main" id="{CD93DDBD-17FB-CC61-1139-C8457A7DA876}"/>
-              </a:ext>
-            </a:extLst>
-          </p:cNvPr>
-          <p:cNvSpPr/>
-          <p:nvPr/>
-        </p:nvSpPr>
-        <p:spPr>
-          <a:xfrm>
-            <a:off x="1615734" y="4075353"/>
-            <a:ext cx="2539013" cy="292964"/>
-          </a:xfrm>
-          <a:prstGeom prst="ellipse">
-            <a:avLst/>
-          </a:prstGeom>
-        </p:spPr>
-        <p:style>
-          <a:lnRef idx="2">
-            <a:schemeClr val="accent1">
-              <a:shade val="50000"/>
-            </a:schemeClr>
-          </a:lnRef>
-          <a:fillRef idx="1">
-            <a:schemeClr val="accent1"/>
-          </a:fillRef>
-          <a:effectRef idx="0">
-            <a:schemeClr val="accent1"/>
-          </a:effectRef>
-          <a:fontRef idx="minor">
-            <a:schemeClr val="lt1"/>
-          </a:fontRef>
-        </p:style>
-        <p:txBody>
-          <a:bodyPr rtlCol="0" anchor="ctr"/>
-          <a:lstStyle/>
-          <a:p>
-            <a:pPr algn="ctr"/>
-            <a:r>
-              <a:rPr lang="en-US" dirty="0"/>
-              <a:t>Before Change</a:t>
-            </a:r>
-            <a:endParaRPr lang="en-IN" dirty="0"/>
-          </a:p>
-        </p:txBody>
-      </p:sp>
-      <p:sp>
-        <p:nvSpPr>
-          <p:cNvPr id="15" name="Oval 14">
-            <a:extLst>
-              <a:ext uri="{FF2B5EF4-FFF2-40B4-BE49-F238E27FC236}">
-                <a16:creationId xmlns:a16="http://schemas.microsoft.com/office/drawing/2014/main" id="{03B3D154-D33A-E8D5-0436-51C516D87EEB}"/>
-              </a:ext>
-            </a:extLst>
-          </p:cNvPr>
-          <p:cNvSpPr/>
-          <p:nvPr/>
-        </p:nvSpPr>
-        <p:spPr>
-          <a:xfrm>
-            <a:off x="1615733" y="5173386"/>
-            <a:ext cx="2539013" cy="292964"/>
-          </a:xfrm>
-          <a:prstGeom prst="ellipse">
-            <a:avLst/>
-          </a:prstGeom>
-        </p:spPr>
-        <p:style>
-          <a:lnRef idx="2">
-            <a:schemeClr val="accent1">
-              <a:shade val="50000"/>
-            </a:schemeClr>
-          </a:lnRef>
-          <a:fillRef idx="1">
-            <a:schemeClr val="accent1"/>
-          </a:fillRef>
-          <a:effectRef idx="0">
-            <a:schemeClr val="accent1"/>
-          </a:effectRef>
-          <a:fontRef idx="minor">
-            <a:schemeClr val="lt1"/>
-          </a:fontRef>
-        </p:style>
-        <p:txBody>
-          <a:bodyPr rtlCol="0" anchor="ctr"/>
-          <a:lstStyle/>
-          <a:p>
-            <a:pPr algn="ctr"/>
-            <a:r>
-              <a:rPr lang="en-US" dirty="0"/>
-              <a:t>After Change</a:t>
-            </a:r>
-            <a:endParaRPr lang="en-IN" dirty="0"/>
-          </a:p>
-        </p:txBody>
-      </p:sp>
     </p:spTree>
     <p:extLst>
       <p:ext uri="{BB962C8B-B14F-4D97-AF65-F5344CB8AC3E}">
@@ -9328,7 +10292,7 @@
 </p:sld>
 </file>
 
-<file path=ppt/slides/slide7.xml><?xml version="1.0" encoding="utf-8"?>
+<file path=ppt/slides/slide8.xml><?xml version="1.0" encoding="utf-8"?>
 <p:sld xmlns:a="http://schemas.openxmlformats.org/drawingml/2006/main" xmlns:r="http://schemas.openxmlformats.org/officeDocument/2006/relationships" xmlns:p="http://schemas.openxmlformats.org/presentationml/2006/main">
   <p:cSld>
     <p:spTree>
@@ -9749,7 +10713,7 @@
 </p:sld>
 </file>
 
-<file path=ppt/slides/slide8.xml><?xml version="1.0" encoding="utf-8"?>
+<file path=ppt/slides/slide9.xml><?xml version="1.0" encoding="utf-8"?>
 <p:sld xmlns:a="http://schemas.openxmlformats.org/drawingml/2006/main" xmlns:r="http://schemas.openxmlformats.org/officeDocument/2006/relationships" xmlns:p="http://schemas.openxmlformats.org/presentationml/2006/main">
   <p:cSld>
     <p:spTree>
@@ -11971,575 +12935,6 @@
       <p:transition/>
     </mc:Fallback>
   </mc:AlternateContent>
-</p:sld>
-</file>
-
-<file path=ppt/slides/slide9.xml><?xml version="1.0" encoding="utf-8"?>
-<p:sld xmlns:a="http://schemas.openxmlformats.org/drawingml/2006/main" xmlns:r="http://schemas.openxmlformats.org/officeDocument/2006/relationships" xmlns:p="http://schemas.openxmlformats.org/presentationml/2006/main">
-  <p:cSld>
-    <p:spTree>
-      <p:nvGrpSpPr>
-        <p:cNvPr id="1" name=""/>
-        <p:cNvGrpSpPr/>
-        <p:nvPr/>
-      </p:nvGrpSpPr>
-      <p:grpSpPr>
-        <a:xfrm>
-          <a:off x="0" y="0"/>
-          <a:ext cx="0" cy="0"/>
-          <a:chOff x="0" y="0"/>
-          <a:chExt cx="0" cy="0"/>
-        </a:xfrm>
-      </p:grpSpPr>
-      <p:sp>
-        <p:nvSpPr>
-          <p:cNvPr id="3" name="Title 2"/>
-          <p:cNvSpPr>
-            <a:spLocks noGrp="1"/>
-          </p:cNvSpPr>
-          <p:nvPr>
-            <p:ph type="title"/>
-          </p:nvPr>
-        </p:nvSpPr>
-        <p:spPr/>
-        <p:txBody>
-          <a:bodyPr/>
-          <a:lstStyle/>
-          <a:p>
-            <a:r>
-              <a:rPr lang="en-US" dirty="0"/>
-              <a:t>SINGLE RESPONSIBILITY PRINCIPLE</a:t>
-            </a:r>
-            <a:endParaRPr lang="en-US" dirty="0">
-              <a:latin typeface="Segoe UI Light" panose="020B0502040204020203" pitchFamily="34" charset="0"/>
-              <a:cs typeface="Segoe UI Light" panose="020B0502040204020203" pitchFamily="34" charset="0"/>
-            </a:endParaRPr>
-          </a:p>
-        </p:txBody>
-      </p:sp>
-      <p:sp>
-        <p:nvSpPr>
-          <p:cNvPr id="31" name="Content Placeholder 17">
-            <a:extLst>
-              <a:ext uri="{FF2B5EF4-FFF2-40B4-BE49-F238E27FC236}">
-                <a16:creationId xmlns:a16="http://schemas.microsoft.com/office/drawing/2014/main" id="{ACECB700-9D9A-2026-DCE3-74DEC3C8D1B0}"/>
-              </a:ext>
-            </a:extLst>
-          </p:cNvPr>
-          <p:cNvSpPr txBox="1">
-            <a:spLocks/>
-          </p:cNvSpPr>
-          <p:nvPr/>
-        </p:nvSpPr>
-        <p:spPr>
-          <a:xfrm>
-            <a:off x="604344" y="1339746"/>
-            <a:ext cx="4806555" cy="5178500"/>
-          </a:xfrm>
-          <a:prstGeom prst="rect">
-            <a:avLst/>
-          </a:prstGeom>
-        </p:spPr>
-        <p:txBody>
-          <a:bodyPr vert="horz" lIns="91440" tIns="45720" rIns="91440" bIns="45720" rtlCol="0">
-            <a:normAutofit/>
-          </a:bodyPr>
-          <a:lstStyle>
-            <a:lvl1pPr marL="228600" indent="-228600" algn="l" defTabSz="914400" rtl="0" eaLnBrk="1" latinLnBrk="0" hangingPunct="1">
-              <a:lnSpc>
-                <a:spcPts val="1800"/>
-              </a:lnSpc>
-              <a:spcBef>
-                <a:spcPts val="1000"/>
-              </a:spcBef>
-              <a:spcAft>
-                <a:spcPts val="1000"/>
-              </a:spcAft>
-              <a:buFont typeface="Arial" panose="020B0604020202020204" pitchFamily="34" charset="0"/>
-              <a:buChar char="•"/>
-              <a:defRPr lang="en-US" sz="1200" kern="1200" smtClean="0">
-                <a:solidFill>
-                  <a:schemeClr val="tx1">
-                    <a:lumMod val="75000"/>
-                    <a:lumOff val="25000"/>
-                  </a:schemeClr>
-                </a:solidFill>
-                <a:latin typeface="+mn-lt"/>
-                <a:ea typeface="+mn-ea"/>
-                <a:cs typeface="+mn-cs"/>
-              </a:defRPr>
-            </a:lvl1pPr>
-            <a:lvl2pPr marL="685800" indent="-228600" algn="l" defTabSz="914400" rtl="0" eaLnBrk="1" latinLnBrk="0" hangingPunct="1">
-              <a:lnSpc>
-                <a:spcPts val="1800"/>
-              </a:lnSpc>
-              <a:spcBef>
-                <a:spcPts val="1000"/>
-              </a:spcBef>
-              <a:spcAft>
-                <a:spcPts val="1000"/>
-              </a:spcAft>
-              <a:buFont typeface="Arial" panose="020B0604020202020204" pitchFamily="34" charset="0"/>
-              <a:buChar char="•"/>
-              <a:defRPr lang="en-US" sz="1200" kern="1200" smtClean="0">
-                <a:solidFill>
-                  <a:schemeClr val="tx1">
-                    <a:lumMod val="75000"/>
-                    <a:lumOff val="25000"/>
-                  </a:schemeClr>
-                </a:solidFill>
-                <a:latin typeface="+mn-lt"/>
-                <a:ea typeface="+mn-ea"/>
-                <a:cs typeface="+mn-cs"/>
-              </a:defRPr>
-            </a:lvl2pPr>
-            <a:lvl3pPr marL="1143000" indent="-228600" algn="l" defTabSz="914400" rtl="0" eaLnBrk="1" latinLnBrk="0" hangingPunct="1">
-              <a:lnSpc>
-                <a:spcPts val="1800"/>
-              </a:lnSpc>
-              <a:spcBef>
-                <a:spcPts val="1000"/>
-              </a:spcBef>
-              <a:spcAft>
-                <a:spcPts val="1000"/>
-              </a:spcAft>
-              <a:buFont typeface="Arial" panose="020B0604020202020204" pitchFamily="34" charset="0"/>
-              <a:buChar char="•"/>
-              <a:defRPr lang="en-US" sz="1200" kern="1200" smtClean="0">
-                <a:solidFill>
-                  <a:schemeClr val="tx1">
-                    <a:lumMod val="75000"/>
-                    <a:lumOff val="25000"/>
-                  </a:schemeClr>
-                </a:solidFill>
-                <a:latin typeface="+mn-lt"/>
-                <a:ea typeface="+mn-ea"/>
-                <a:cs typeface="+mn-cs"/>
-              </a:defRPr>
-            </a:lvl3pPr>
-            <a:lvl4pPr marL="1600200" indent="-228600" algn="l" defTabSz="914400" rtl="0" eaLnBrk="1" latinLnBrk="0" hangingPunct="1">
-              <a:lnSpc>
-                <a:spcPts val="1800"/>
-              </a:lnSpc>
-              <a:spcBef>
-                <a:spcPts val="1000"/>
-              </a:spcBef>
-              <a:spcAft>
-                <a:spcPts val="1000"/>
-              </a:spcAft>
-              <a:buFont typeface="Arial" panose="020B0604020202020204" pitchFamily="34" charset="0"/>
-              <a:buChar char="•"/>
-              <a:defRPr lang="en-US" sz="1200" kern="1200" smtClean="0">
-                <a:solidFill>
-                  <a:schemeClr val="tx1">
-                    <a:lumMod val="75000"/>
-                    <a:lumOff val="25000"/>
-                  </a:schemeClr>
-                </a:solidFill>
-                <a:latin typeface="+mn-lt"/>
-                <a:ea typeface="+mn-ea"/>
-                <a:cs typeface="+mn-cs"/>
-              </a:defRPr>
-            </a:lvl4pPr>
-            <a:lvl5pPr marL="2057400" indent="-228600" algn="l" defTabSz="914400" rtl="0" eaLnBrk="1" latinLnBrk="0" hangingPunct="1">
-              <a:lnSpc>
-                <a:spcPts val="1800"/>
-              </a:lnSpc>
-              <a:spcBef>
-                <a:spcPts val="1000"/>
-              </a:spcBef>
-              <a:spcAft>
-                <a:spcPts val="1000"/>
-              </a:spcAft>
-              <a:buFont typeface="Arial" panose="020B0604020202020204" pitchFamily="34" charset="0"/>
-              <a:buChar char="•"/>
-              <a:defRPr lang="en-US" sz="1200" kern="1200">
-                <a:solidFill>
-                  <a:schemeClr val="tx1">
-                    <a:lumMod val="75000"/>
-                    <a:lumOff val="25000"/>
-                  </a:schemeClr>
-                </a:solidFill>
-                <a:latin typeface="+mn-lt"/>
-                <a:ea typeface="+mn-ea"/>
-                <a:cs typeface="+mn-cs"/>
-              </a:defRPr>
-            </a:lvl5pPr>
-            <a:lvl6pPr marL="2514600" indent="-228600" algn="l" defTabSz="914400" rtl="0" eaLnBrk="1" latinLnBrk="0" hangingPunct="1">
-              <a:lnSpc>
-                <a:spcPct val="90000"/>
-              </a:lnSpc>
-              <a:spcBef>
-                <a:spcPct val="30000"/>
-              </a:spcBef>
-              <a:buFont typeface="Arial" panose="020B0604020202020204" pitchFamily="34" charset="0"/>
-              <a:buChar char="•"/>
-              <a:defRPr sz="1800" kern="1200">
-                <a:solidFill>
-                  <a:schemeClr val="tx1"/>
-                </a:solidFill>
-                <a:latin typeface="+mn-lt"/>
-                <a:ea typeface="+mn-ea"/>
-                <a:cs typeface="+mn-cs"/>
-              </a:defRPr>
-            </a:lvl6pPr>
-            <a:lvl7pPr marL="2971800" indent="-228600" algn="l" defTabSz="914400" rtl="0" eaLnBrk="1" latinLnBrk="0" hangingPunct="1">
-              <a:lnSpc>
-                <a:spcPct val="90000"/>
-              </a:lnSpc>
-              <a:spcBef>
-                <a:spcPct val="30000"/>
-              </a:spcBef>
-              <a:buFont typeface="Arial" panose="020B0604020202020204" pitchFamily="34" charset="0"/>
-              <a:buChar char="•"/>
-              <a:defRPr sz="1800" kern="1200">
-                <a:solidFill>
-                  <a:schemeClr val="tx1"/>
-                </a:solidFill>
-                <a:latin typeface="+mn-lt"/>
-                <a:ea typeface="+mn-ea"/>
-                <a:cs typeface="+mn-cs"/>
-              </a:defRPr>
-            </a:lvl7pPr>
-            <a:lvl8pPr marL="3429000" indent="-228600" algn="l" defTabSz="914400" rtl="0" eaLnBrk="1" latinLnBrk="0" hangingPunct="1">
-              <a:lnSpc>
-                <a:spcPct val="90000"/>
-              </a:lnSpc>
-              <a:spcBef>
-                <a:spcPct val="30000"/>
-              </a:spcBef>
-              <a:buFont typeface="Arial" panose="020B0604020202020204" pitchFamily="34" charset="0"/>
-              <a:buChar char="•"/>
-              <a:defRPr sz="1800" kern="1200">
-                <a:solidFill>
-                  <a:schemeClr val="tx1"/>
-                </a:solidFill>
-                <a:latin typeface="+mn-lt"/>
-                <a:ea typeface="+mn-ea"/>
-                <a:cs typeface="+mn-cs"/>
-              </a:defRPr>
-            </a:lvl8pPr>
-            <a:lvl9pPr marL="3886200" indent="-228600" algn="l" defTabSz="914400" rtl="0" eaLnBrk="1" latinLnBrk="0" hangingPunct="1">
-              <a:lnSpc>
-                <a:spcPct val="90000"/>
-              </a:lnSpc>
-              <a:spcBef>
-                <a:spcPct val="30000"/>
-              </a:spcBef>
-              <a:buFont typeface="Arial" panose="020B0604020202020204" pitchFamily="34" charset="0"/>
-              <a:buChar char="•"/>
-              <a:defRPr sz="1800" kern="1200">
-                <a:solidFill>
-                  <a:schemeClr val="tx1"/>
-                </a:solidFill>
-                <a:latin typeface="+mn-lt"/>
-                <a:ea typeface="+mn-ea"/>
-                <a:cs typeface="+mn-cs"/>
-              </a:defRPr>
-            </a:lvl9pPr>
-          </a:lstStyle>
-          <a:p>
-            <a:pPr marL="0" lvl="0" indent="0">
-              <a:spcAft>
-                <a:spcPts val="600"/>
-              </a:spcAft>
-              <a:buNone/>
-              <a:defRPr/>
-            </a:pPr>
-            <a:r>
-              <a:rPr lang="en-US" sz="1100" dirty="0">
-                <a:latin typeface="Segoe UI" panose="020B0502040204020203" pitchFamily="34" charset="0"/>
-                <a:cs typeface="Segoe UI" panose="020B0502040204020203" pitchFamily="34" charset="0"/>
-              </a:rPr>
-              <a:t>A class (or method) should only have one responsibility hence only one reason to change.</a:t>
-            </a:r>
-          </a:p>
-          <a:p>
-            <a:pPr marL="0" lvl="0" indent="0">
-              <a:spcAft>
-                <a:spcPts val="600"/>
-              </a:spcAft>
-              <a:buNone/>
-              <a:defRPr/>
-            </a:pPr>
-            <a:r>
-              <a:rPr lang="en-US" sz="1100" dirty="0">
-                <a:solidFill>
-                  <a:schemeClr val="accent4"/>
-                </a:solidFill>
-                <a:latin typeface="Segoe UI" panose="020B0502040204020203" pitchFamily="34" charset="0"/>
-                <a:cs typeface="Segoe UI" panose="020B0502040204020203" pitchFamily="34" charset="0"/>
-              </a:rPr>
-              <a:t>Misinterpretation</a:t>
-            </a:r>
-            <a:r>
-              <a:rPr lang="en-US" sz="1100" dirty="0">
-                <a:latin typeface="Segoe UI" panose="020B0502040204020203" pitchFamily="34" charset="0"/>
-                <a:cs typeface="Segoe UI" panose="020B0502040204020203" pitchFamily="34" charset="0"/>
-              </a:rPr>
-              <a:t> – Most developers interpret to mean that a class should perform only one task. But it's not only classes, functions you implement in code during development should also perform only one task. So one should interpret it as meaning that an implementation should perform only one task.</a:t>
-            </a:r>
-          </a:p>
-          <a:p>
-            <a:pPr marL="0" lvl="0" indent="0">
-              <a:spcAft>
-                <a:spcPts val="600"/>
-              </a:spcAft>
-              <a:buNone/>
-              <a:defRPr/>
-            </a:pPr>
-            <a:r>
-              <a:rPr lang="en-US" sz="1100" dirty="0">
-                <a:solidFill>
-                  <a:schemeClr val="accent4"/>
-                </a:solidFill>
-                <a:latin typeface="Segoe UI" panose="020B0502040204020203" pitchFamily="34" charset="0"/>
-                <a:cs typeface="Segoe UI" panose="020B0502040204020203" pitchFamily="34" charset="0"/>
-              </a:rPr>
-              <a:t>Benefits</a:t>
-            </a:r>
-            <a:r>
-              <a:rPr lang="en-US" sz="1100" dirty="0">
-                <a:latin typeface="Segoe UI" panose="020B0502040204020203" pitchFamily="34" charset="0"/>
-                <a:cs typeface="Segoe UI" panose="020B0502040204020203" pitchFamily="34" charset="0"/>
-              </a:rPr>
-              <a:t>:</a:t>
-            </a:r>
-          </a:p>
-          <a:p>
-            <a:pPr>
-              <a:spcAft>
-                <a:spcPts val="600"/>
-              </a:spcAft>
-              <a:defRPr/>
-            </a:pPr>
-            <a:r>
-              <a:rPr lang="en-US" sz="1100" dirty="0">
-                <a:latin typeface="Segoe UI" panose="020B0502040204020203" pitchFamily="34" charset="0"/>
-                <a:cs typeface="Segoe UI" panose="020B0502040204020203" pitchFamily="34" charset="0"/>
-              </a:rPr>
-              <a:t>Easier to understand for a new teammate.</a:t>
-            </a:r>
-          </a:p>
-          <a:p>
-            <a:pPr>
-              <a:spcAft>
-                <a:spcPts val="600"/>
-              </a:spcAft>
-              <a:defRPr/>
-            </a:pPr>
-            <a:r>
-              <a:rPr lang="en-US" sz="1100" dirty="0">
-                <a:latin typeface="Segoe UI" panose="020B0502040204020203" pitchFamily="34" charset="0"/>
-                <a:cs typeface="Segoe UI" panose="020B0502040204020203" pitchFamily="34" charset="0"/>
-              </a:rPr>
-              <a:t>Maintain is easy as it change less frequently.</a:t>
-            </a:r>
-          </a:p>
-          <a:p>
-            <a:pPr>
-              <a:spcAft>
-                <a:spcPts val="600"/>
-              </a:spcAft>
-              <a:defRPr/>
-            </a:pPr>
-            <a:r>
-              <a:rPr lang="en-US" sz="1100" dirty="0">
-                <a:latin typeface="Segoe UI" panose="020B0502040204020203" pitchFamily="34" charset="0"/>
-                <a:cs typeface="Segoe UI" panose="020B0502040204020203" pitchFamily="34" charset="0"/>
-              </a:rPr>
-              <a:t>Easier to Test</a:t>
-            </a:r>
-          </a:p>
-          <a:p>
-            <a:pPr marL="0" indent="0">
-              <a:spcAft>
-                <a:spcPts val="600"/>
-              </a:spcAft>
-              <a:buNone/>
-              <a:defRPr/>
-            </a:pPr>
-            <a:r>
-              <a:rPr lang="en-US" sz="1100" dirty="0">
-                <a:solidFill>
-                  <a:schemeClr val="accent4"/>
-                </a:solidFill>
-                <a:latin typeface="Segoe UI" panose="020B0502040204020203" pitchFamily="34" charset="0"/>
-                <a:cs typeface="Segoe UI" panose="020B0502040204020203" pitchFamily="34" charset="0"/>
-              </a:rPr>
-              <a:t>How to determine?</a:t>
-            </a:r>
-          </a:p>
-          <a:p>
-            <a:pPr>
-              <a:spcAft>
-                <a:spcPts val="600"/>
-              </a:spcAft>
-              <a:defRPr/>
-            </a:pPr>
-            <a:r>
-              <a:rPr lang="en-US" sz="1100" dirty="0">
-                <a:solidFill>
-                  <a:schemeClr val="tx1"/>
-                </a:solidFill>
-                <a:latin typeface="Segoe UI" panose="020B0502040204020203" pitchFamily="34" charset="0"/>
-                <a:cs typeface="Segoe UI" panose="020B0502040204020203" pitchFamily="34" charset="0"/>
-              </a:rPr>
-              <a:t>Class description should not contain words like “And , Or, But or If”.</a:t>
-            </a:r>
-          </a:p>
-          <a:p>
-            <a:pPr>
-              <a:spcAft>
-                <a:spcPts val="600"/>
-              </a:spcAft>
-              <a:defRPr/>
-            </a:pPr>
-            <a:r>
-              <a:rPr lang="en-US" sz="1100" dirty="0">
-                <a:solidFill>
-                  <a:schemeClr val="tx1"/>
-                </a:solidFill>
-                <a:latin typeface="Segoe UI" panose="020B0502040204020203" pitchFamily="34" charset="0"/>
-                <a:cs typeface="Segoe UI" panose="020B0502040204020203" pitchFamily="34" charset="0"/>
-              </a:rPr>
-              <a:t>Class constructor/method contains too many parameters.</a:t>
-            </a:r>
-          </a:p>
-          <a:p>
-            <a:pPr>
-              <a:spcAft>
-                <a:spcPts val="600"/>
-              </a:spcAft>
-              <a:defRPr/>
-            </a:pPr>
-            <a:endParaRPr lang="en-US" sz="1100" dirty="0">
-              <a:solidFill>
-                <a:schemeClr val="tx1"/>
-              </a:solidFill>
-              <a:latin typeface="Segoe UI" panose="020B0502040204020203" pitchFamily="34" charset="0"/>
-              <a:cs typeface="Segoe UI" panose="020B0502040204020203" pitchFamily="34" charset="0"/>
-            </a:endParaRPr>
-          </a:p>
-          <a:p>
-            <a:pPr marL="0" lvl="0" indent="0">
-              <a:spcAft>
-                <a:spcPts val="600"/>
-              </a:spcAft>
-              <a:buNone/>
-              <a:defRPr/>
-            </a:pPr>
-            <a:endParaRPr lang="en-US" sz="1100" dirty="0">
-              <a:latin typeface="Segoe UI" panose="020B0502040204020203" pitchFamily="34" charset="0"/>
-              <a:cs typeface="Segoe UI" panose="020B0502040204020203" pitchFamily="34" charset="0"/>
-            </a:endParaRPr>
-          </a:p>
-        </p:txBody>
-      </p:sp>
-      <p:pic>
-        <p:nvPicPr>
-          <p:cNvPr id="4100" name="Picture 4" descr="largest victorinox swiss army knife Offers online OFF 61%">
-            <a:extLst>
-              <a:ext uri="{FF2B5EF4-FFF2-40B4-BE49-F238E27FC236}">
-                <a16:creationId xmlns:a16="http://schemas.microsoft.com/office/drawing/2014/main" id="{5D6F8893-F919-A1F7-F768-1053CB906DFB}"/>
-              </a:ext>
-            </a:extLst>
-          </p:cNvPr>
-          <p:cNvPicPr>
-            <a:picLocks noChangeAspect="1" noChangeArrowheads="1"/>
-          </p:cNvPicPr>
-          <p:nvPr/>
-        </p:nvPicPr>
-        <p:blipFill>
-          <a:blip r:embed="rId2">
-            <a:extLst>
-              <a:ext uri="{28A0092B-C50C-407E-A947-70E740481C1C}">
-                <a14:useLocalDpi xmlns:a14="http://schemas.microsoft.com/office/drawing/2010/main" val="0"/>
-              </a:ext>
-            </a:extLst>
-          </a:blip>
-          <a:srcRect/>
-          <a:stretch>
-            <a:fillRect/>
-          </a:stretch>
-        </p:blipFill>
-        <p:spPr bwMode="auto">
-          <a:xfrm>
-            <a:off x="6371208" y="1238745"/>
-            <a:ext cx="3225553" cy="2272222"/>
-          </a:xfrm>
-          <a:prstGeom prst="rect">
-            <a:avLst/>
-          </a:prstGeom>
-          <a:noFill/>
-          <a:extLst>
-            <a:ext uri="{909E8E84-426E-40DD-AFC4-6F175D3DCCD1}">
-              <a14:hiddenFill xmlns:a14="http://schemas.microsoft.com/office/drawing/2010/main">
-                <a:solidFill>
-                  <a:srgbClr val="FFFFFF"/>
-                </a:solidFill>
-              </a14:hiddenFill>
-            </a:ext>
-          </a:extLst>
-        </p:spPr>
-      </p:pic>
-      <p:pic>
-        <p:nvPicPr>
-          <p:cNvPr id="1026" name="Picture 2">
-            <a:extLst>
-              <a:ext uri="{FF2B5EF4-FFF2-40B4-BE49-F238E27FC236}">
-                <a16:creationId xmlns:a16="http://schemas.microsoft.com/office/drawing/2014/main" id="{125660DA-606B-3A84-0AA4-3B729DBB1A06}"/>
-              </a:ext>
-            </a:extLst>
-          </p:cNvPr>
-          <p:cNvPicPr>
-            <a:picLocks noChangeAspect="1" noChangeArrowheads="1"/>
-          </p:cNvPicPr>
-          <p:nvPr/>
-        </p:nvPicPr>
-        <p:blipFill>
-          <a:blip r:embed="rId3">
-            <a:extLst>
-              <a:ext uri="{28A0092B-C50C-407E-A947-70E740481C1C}">
-                <a14:useLocalDpi xmlns:a14="http://schemas.microsoft.com/office/drawing/2010/main" val="0"/>
-              </a:ext>
-            </a:extLst>
-          </a:blip>
-          <a:srcRect/>
-          <a:stretch>
-            <a:fillRect/>
-          </a:stretch>
-        </p:blipFill>
-        <p:spPr bwMode="auto">
-          <a:xfrm>
-            <a:off x="6433352" y="3661577"/>
-            <a:ext cx="4290874" cy="2646039"/>
-          </a:xfrm>
-          <a:prstGeom prst="rect">
-            <a:avLst/>
-          </a:prstGeom>
-          <a:noFill/>
-          <a:extLst>
-            <a:ext uri="{909E8E84-426E-40DD-AFC4-6F175D3DCCD1}">
-              <a14:hiddenFill xmlns:a14="http://schemas.microsoft.com/office/drawing/2010/main">
-                <a:solidFill>
-                  <a:srgbClr val="FFFFFF"/>
-                </a:solidFill>
-              </a14:hiddenFill>
-            </a:ext>
-          </a:extLst>
-        </p:spPr>
-      </p:pic>
-    </p:spTree>
-    <p:extLst>
-      <p:ext uri="{BB962C8B-B14F-4D97-AF65-F5344CB8AC3E}">
-        <p14:creationId xmlns:p14="http://schemas.microsoft.com/office/powerpoint/2010/main" val="2596833607"/>
-      </p:ext>
-    </p:extLst>
-  </p:cSld>
-  <p:clrMapOvr>
-    <a:masterClrMapping/>
-  </p:clrMapOvr>
 </p:sld>
 </file>
 

--- a/SOLID PRINCIPLES_NEW.pptx
+++ b/SOLID PRINCIPLES_NEW.pptx
@@ -281,7 +281,7 @@
           <a:p>
             <a:fld id="{80680FBE-A8DF-4758-9AC4-3A9E1039168F}" type="datetimeFigureOut">
               <a:rPr lang="en-US" smtClean="0"/>
-              <a:t>30/06/2022</a:t>
+              <a:t>02/07/2022</a:t>
             </a:fld>
             <a:endParaRPr lang="en-US" dirty="0"/>
           </a:p>
@@ -446,7 +446,7 @@
           <a:p>
             <a:fld id="{EC13577B-6902-467D-A26C-08A0DD5E4E03}" type="datetimeFigureOut">
               <a:rPr lang="en-US" smtClean="0"/>
-              <a:t>30/06/2022</a:t>
+              <a:t>02/07/2022</a:t>
             </a:fld>
             <a:endParaRPr lang="en-US" dirty="0"/>
           </a:p>
@@ -1330,7 +1330,7 @@
             <a:fld id="{8BEEBAAA-29B5-4AF5-BC5F-7E580C29002D}" type="datetimeFigureOut">
               <a:rPr lang="en-US" smtClean="0"/>
               <a:pPr/>
-              <a:t>30/06/2022</a:t>
+              <a:t>02/07/2022</a:t>
             </a:fld>
             <a:endParaRPr lang="en-US" dirty="0"/>
           </a:p>
@@ -1956,7 +1956,7 @@
             <a:fld id="{8BEEBAAA-29B5-4AF5-BC5F-7E580C29002D}" type="datetimeFigureOut">
               <a:rPr lang="en-US" smtClean="0"/>
               <a:pPr/>
-              <a:t>30/06/2022</a:t>
+              <a:t>02/07/2022</a:t>
             </a:fld>
             <a:endParaRPr lang="en-US" dirty="0"/>
           </a:p>
@@ -3369,7 +3369,7 @@
           <a:effectLst/>
           <a:extLst>
             <a:ext uri="{C572A759-6A51-4108-AA02-DFA0A04FC94B}">
-              <ma14:wrappingTextBoxFlag xmlns="" xmlns:ma14="http://schemas.microsoft.com/office/mac/drawingml/2011/main"/>
+              <ma14:wrappingTextBoxFlag xmlns:ma14="http://schemas.microsoft.com/office/mac/drawingml/2011/main" xmlns=""/>
             </a:ext>
           </a:extLst>
         </p:spPr>
@@ -4136,7 +4136,7 @@
           <a:effectLst/>
           <a:extLst>
             <a:ext uri="{C572A759-6A51-4108-AA02-DFA0A04FC94B}">
-              <ma14:wrappingTextBoxFlag xmlns="" xmlns:ma14="http://schemas.microsoft.com/office/mac/drawingml/2011/main"/>
+              <ma14:wrappingTextBoxFlag xmlns:ma14="http://schemas.microsoft.com/office/mac/drawingml/2011/main" xmlns=""/>
             </a:ext>
           </a:extLst>
         </p:spPr>
@@ -5042,7 +5042,7 @@
           <a:effectLst/>
           <a:extLst>
             <a:ext uri="{C572A759-6A51-4108-AA02-DFA0A04FC94B}">
-              <ma14:wrappingTextBoxFlag xmlns="" xmlns:ma14="http://schemas.microsoft.com/office/mac/drawingml/2011/main"/>
+              <ma14:wrappingTextBoxFlag xmlns:ma14="http://schemas.microsoft.com/office/mac/drawingml/2011/main" xmlns=""/>
             </a:ext>
           </a:extLst>
         </p:spPr>
@@ -5805,7 +5805,7 @@
           <a:effectLst/>
           <a:extLst>
             <a:ext uri="{C572A759-6A51-4108-AA02-DFA0A04FC94B}">
-              <ma14:wrappingTextBoxFlag xmlns="" xmlns:ma14="http://schemas.microsoft.com/office/mac/drawingml/2011/main"/>
+              <ma14:wrappingTextBoxFlag xmlns:ma14="http://schemas.microsoft.com/office/mac/drawingml/2011/main" xmlns=""/>
             </a:ext>
           </a:extLst>
         </p:spPr>
@@ -6598,7 +6598,7 @@
           <a:effectLst/>
           <a:extLst>
             <a:ext uri="{C572A759-6A51-4108-AA02-DFA0A04FC94B}">
-              <ma14:wrappingTextBoxFlag xmlns="" xmlns:ma14="http://schemas.microsoft.com/office/mac/drawingml/2011/main"/>
+              <ma14:wrappingTextBoxFlag xmlns:ma14="http://schemas.microsoft.com/office/mac/drawingml/2011/main" xmlns=""/>
             </a:ext>
           </a:extLst>
         </p:spPr>
@@ -7555,166 +7555,6 @@
           </a:prstGeom>
         </p:spPr>
       </p:pic>
-      <p:pic>
-        <p:nvPicPr>
-          <p:cNvPr id="5" name="Picture 4">
-            <a:extLst>
-              <a:ext uri="{FF2B5EF4-FFF2-40B4-BE49-F238E27FC236}">
-                <a16:creationId xmlns:a16="http://schemas.microsoft.com/office/drawing/2014/main" id="{A95F0C6D-3E5D-017C-ED93-55FBDF0C04EC}"/>
-              </a:ext>
-            </a:extLst>
-          </p:cNvPr>
-          <p:cNvPicPr>
-            <a:picLocks noChangeAspect="1"/>
-          </p:cNvPicPr>
-          <p:nvPr/>
-        </p:nvPicPr>
-        <p:blipFill>
-          <a:blip r:embed="rId3"/>
-          <a:stretch>
-            <a:fillRect/>
-          </a:stretch>
-        </p:blipFill>
-        <p:spPr>
-          <a:xfrm>
-            <a:off x="365137" y="5035750"/>
-            <a:ext cx="5394711" cy="175616"/>
-          </a:xfrm>
-          <a:prstGeom prst="rect">
-            <a:avLst/>
-          </a:prstGeom>
-        </p:spPr>
-      </p:pic>
-      <p:pic>
-        <p:nvPicPr>
-          <p:cNvPr id="6" name="Picture 5">
-            <a:extLst>
-              <a:ext uri="{FF2B5EF4-FFF2-40B4-BE49-F238E27FC236}">
-                <a16:creationId xmlns:a16="http://schemas.microsoft.com/office/drawing/2014/main" id="{0ECA48D0-FACD-1CEA-B014-E4BE55CF588F}"/>
-              </a:ext>
-            </a:extLst>
-          </p:cNvPr>
-          <p:cNvPicPr>
-            <a:picLocks noChangeAspect="1"/>
-          </p:cNvPicPr>
-          <p:nvPr/>
-        </p:nvPicPr>
-        <p:blipFill>
-          <a:blip r:embed="rId4"/>
-          <a:stretch>
-            <a:fillRect/>
-          </a:stretch>
-        </p:blipFill>
-        <p:spPr>
-          <a:xfrm>
-            <a:off x="407764" y="6174374"/>
-            <a:ext cx="5352084" cy="153267"/>
-          </a:xfrm>
-          <a:prstGeom prst="rect">
-            <a:avLst/>
-          </a:prstGeom>
-        </p:spPr>
-      </p:pic>
-      <p:sp>
-        <p:nvSpPr>
-          <p:cNvPr id="7" name="Oval 6">
-            <a:extLst>
-              <a:ext uri="{FF2B5EF4-FFF2-40B4-BE49-F238E27FC236}">
-                <a16:creationId xmlns:a16="http://schemas.microsoft.com/office/drawing/2014/main" id="{E2179ED9-D388-9559-35BC-954B1EBB707E}"/>
-              </a:ext>
-            </a:extLst>
-          </p:cNvPr>
-          <p:cNvSpPr/>
-          <p:nvPr/>
-        </p:nvSpPr>
-        <p:spPr>
-          <a:xfrm>
-            <a:off x="1491447" y="4580878"/>
-            <a:ext cx="2539013" cy="292964"/>
-          </a:xfrm>
-          <a:prstGeom prst="ellipse">
-            <a:avLst/>
-          </a:prstGeom>
-        </p:spPr>
-        <p:style>
-          <a:lnRef idx="2">
-            <a:schemeClr val="accent1">
-              <a:shade val="50000"/>
-            </a:schemeClr>
-          </a:lnRef>
-          <a:fillRef idx="1">
-            <a:schemeClr val="accent1"/>
-          </a:fillRef>
-          <a:effectRef idx="0">
-            <a:schemeClr val="accent1"/>
-          </a:effectRef>
-          <a:fontRef idx="minor">
-            <a:schemeClr val="lt1"/>
-          </a:fontRef>
-        </p:style>
-        <p:txBody>
-          <a:bodyPr rtlCol="0" anchor="ctr"/>
-          <a:lstStyle/>
-          <a:p>
-            <a:pPr algn="ctr"/>
-            <a:r>
-              <a:rPr lang="en-US" dirty="0"/>
-              <a:t>Before Change</a:t>
-            </a:r>
-            <a:endParaRPr lang="en-IN" dirty="0"/>
-          </a:p>
-        </p:txBody>
-      </p:sp>
-      <p:sp>
-        <p:nvSpPr>
-          <p:cNvPr id="9" name="Oval 8">
-            <a:extLst>
-              <a:ext uri="{FF2B5EF4-FFF2-40B4-BE49-F238E27FC236}">
-                <a16:creationId xmlns:a16="http://schemas.microsoft.com/office/drawing/2014/main" id="{4D2DAC88-F166-B320-04F6-95DC5E910840}"/>
-              </a:ext>
-            </a:extLst>
-          </p:cNvPr>
-          <p:cNvSpPr/>
-          <p:nvPr/>
-        </p:nvSpPr>
-        <p:spPr>
-          <a:xfrm>
-            <a:off x="1491446" y="5678911"/>
-            <a:ext cx="2539013" cy="292964"/>
-          </a:xfrm>
-          <a:prstGeom prst="ellipse">
-            <a:avLst/>
-          </a:prstGeom>
-        </p:spPr>
-        <p:style>
-          <a:lnRef idx="2">
-            <a:schemeClr val="accent1">
-              <a:shade val="50000"/>
-            </a:schemeClr>
-          </a:lnRef>
-          <a:fillRef idx="1">
-            <a:schemeClr val="accent1"/>
-          </a:fillRef>
-          <a:effectRef idx="0">
-            <a:schemeClr val="accent1"/>
-          </a:effectRef>
-          <a:fontRef idx="minor">
-            <a:schemeClr val="lt1"/>
-          </a:fontRef>
-        </p:style>
-        <p:txBody>
-          <a:bodyPr rtlCol="0" anchor="ctr"/>
-          <a:lstStyle/>
-          <a:p>
-            <a:pPr algn="ctr"/>
-            <a:r>
-              <a:rPr lang="en-US" dirty="0"/>
-              <a:t>After Change</a:t>
-            </a:r>
-            <a:endParaRPr lang="en-IN" dirty="0"/>
-          </a:p>
-        </p:txBody>
-      </p:sp>
     </p:spTree>
     <p:extLst>
       <p:ext uri="{BB962C8B-B14F-4D97-AF65-F5344CB8AC3E}">
@@ -9232,7 +9072,7 @@
           <a:effectLst/>
           <a:extLst>
             <a:ext uri="{C572A759-6A51-4108-AA02-DFA0A04FC94B}">
-              <ma14:wrappingTextBoxFlag xmlns="" xmlns:ma14="http://schemas.microsoft.com/office/mac/drawingml/2011/main"/>
+              <ma14:wrappingTextBoxFlag xmlns:ma14="http://schemas.microsoft.com/office/mac/drawingml/2011/main" xmlns=""/>
             </a:ext>
           </a:extLst>
         </p:spPr>
@@ -9363,7 +9203,7 @@
           <a:effectLst/>
           <a:extLst>
             <a:ext uri="{C572A759-6A51-4108-AA02-DFA0A04FC94B}">
-              <ma14:wrappingTextBoxFlag xmlns="" xmlns:ma14="http://schemas.microsoft.com/office/mac/drawingml/2011/main"/>
+              <ma14:wrappingTextBoxFlag xmlns:ma14="http://schemas.microsoft.com/office/mac/drawingml/2011/main" xmlns=""/>
             </a:ext>
           </a:extLst>
         </p:spPr>
